--- a/Your big idea.pptx
+++ b/Your big idea.pptx
@@ -1,42 +1,42 @@
 
 <file path=ppt/presentation.xml><?xml version="1.0" encoding="utf-8"?>
-<p:presentation xmlns:a="http://schemas.openxmlformats.org/drawingml/2006/main" xmlns:r="http://schemas.openxmlformats.org/officeDocument/2006/relationships" xmlns:mc="http://schemas.openxmlformats.org/markup-compatibility/2006" xmlns:mv="urn:schemas-microsoft-com:mac:vml" xmlns:p="http://schemas.openxmlformats.org/presentationml/2006/main" xmlns:c="http://schemas.openxmlformats.org/drawingml/2006/chart" xmlns:dgm="http://schemas.openxmlformats.org/drawingml/2006/diagram" xmlns:o="urn:schemas-microsoft-com:office:office" xmlns:v="urn:schemas-microsoft-com:vml" xmlns:pvml="urn:schemas-microsoft-com:office:powerpoint" xmlns:com="http://schemas.openxmlformats.org/drawingml/2006/compatibility" xmlns:p14="http://schemas.microsoft.com/office/powerpoint/2010/main" xmlns:p15="http://schemas.microsoft.com/office/powerpoint/2012/main" xmlns:ahyp="http://schemas.microsoft.com/office/drawing/2018/hyperlinkcolor" autoCompressPictures="0" embedTrueTypeFonts="1" strictFirstAndLastChars="0" saveSubsetFonts="1">
+<p:presentation xmlns:a="http://schemas.openxmlformats.org/drawingml/2006/main" xmlns:r="http://schemas.openxmlformats.org/officeDocument/2006/relationships" xmlns:p="http://schemas.openxmlformats.org/presentationml/2006/main" strictFirstAndLastChars="0" embedTrueTypeFonts="1" saveSubsetFonts="1" autoCompressPictures="0">
   <p:sldMasterIdLst>
-    <p:sldMasterId id="2147483659" r:id="rId4"/>
+    <p:sldMasterId id="2147483659" r:id="rId1"/>
   </p:sldMasterIdLst>
   <p:notesMasterIdLst>
-    <p:notesMasterId r:id="rId5"/>
+    <p:notesMasterId r:id="rId10"/>
   </p:notesMasterIdLst>
   <p:sldIdLst>
-    <p:sldId id="256" r:id="rId6"/>
-    <p:sldId id="257" r:id="rId7"/>
-    <p:sldId id="258" r:id="rId8"/>
-    <p:sldId id="259" r:id="rId9"/>
-    <p:sldId id="260" r:id="rId10"/>
-    <p:sldId id="261" r:id="rId11"/>
-    <p:sldId id="262" r:id="rId12"/>
-    <p:sldId id="263" r:id="rId13"/>
+    <p:sldId id="256" r:id="rId2"/>
+    <p:sldId id="257" r:id="rId3"/>
+    <p:sldId id="258" r:id="rId4"/>
+    <p:sldId id="259" r:id="rId5"/>
+    <p:sldId id="260" r:id="rId6"/>
+    <p:sldId id="261" r:id="rId7"/>
+    <p:sldId id="262" r:id="rId8"/>
+    <p:sldId id="263" r:id="rId9"/>
   </p:sldIdLst>
-  <p:sldSz cy="5143500" cx="9144000"/>
+  <p:sldSz cx="9144000" cy="5143500" type="screen16x9"/>
   <p:notesSz cx="6858000" cy="9144000"/>
   <p:embeddedFontLst>
     <p:embeddedFont>
-      <p:font typeface="Raleway"/>
-      <p:regular r:id="rId14"/>
-      <p:bold r:id="rId15"/>
-      <p:italic r:id="rId16"/>
-      <p:boldItalic r:id="rId17"/>
+      <p:font typeface="Lato" panose="020F0502020204030203" pitchFamily="34" charset="0"/>
+      <p:regular r:id="rId11"/>
+      <p:bold r:id="rId12"/>
+      <p:italic r:id="rId13"/>
+      <p:boldItalic r:id="rId14"/>
     </p:embeddedFont>
     <p:embeddedFont>
-      <p:font typeface="Lato"/>
-      <p:regular r:id="rId18"/>
-      <p:bold r:id="rId19"/>
-      <p:italic r:id="rId20"/>
-      <p:boldItalic r:id="rId21"/>
+      <p:font typeface="Raleway" pitchFamily="2" charset="0"/>
+      <p:regular r:id="rId15"/>
+      <p:bold r:id="rId16"/>
+      <p:italic r:id="rId17"/>
+      <p:boldItalic r:id="rId18"/>
     </p:embeddedFont>
   </p:embeddedFontLst>
   <p:defaultTextStyle>
-    <a:defPPr lvl="0" marR="0" rtl="0" algn="l">
+    <a:defPPr marR="0" lvl="0" algn="l" rtl="0">
       <a:lnSpc>
         <a:spcPct val="100000"/>
       </a:lnSpc>
@@ -47,7 +47,7 @@
         <a:spcPts val="0"/>
       </a:spcAft>
     </a:defPPr>
-    <a:lvl1pPr lvl="0" marR="0" rtl="0" algn="l">
+    <a:lvl1pPr marR="0" lvl="0" algn="l" rtl="0">
       <a:lnSpc>
         <a:spcPct val="100000"/>
       </a:lnSpc>
@@ -61,7 +61,7 @@
         <a:srgbClr val="000000"/>
       </a:buClr>
       <a:buFont typeface="Arial"/>
-      <a:defRPr b="0" i="0" sz="1400" u="none" cap="none" strike="noStrike">
+      <a:defRPr sz="1400" b="0" i="0" u="none" strike="noStrike" cap="none">
         <a:solidFill>
           <a:srgbClr val="000000"/>
         </a:solidFill>
@@ -71,7 +71,7 @@
         <a:sym typeface="Arial"/>
       </a:defRPr>
     </a:lvl1pPr>
-    <a:lvl2pPr lvl="1" marR="0" rtl="0" algn="l">
+    <a:lvl2pPr marR="0" lvl="1" algn="l" rtl="0">
       <a:lnSpc>
         <a:spcPct val="100000"/>
       </a:lnSpc>
@@ -85,7 +85,7 @@
         <a:srgbClr val="000000"/>
       </a:buClr>
       <a:buFont typeface="Arial"/>
-      <a:defRPr b="0" i="0" sz="1400" u="none" cap="none" strike="noStrike">
+      <a:defRPr sz="1400" b="0" i="0" u="none" strike="noStrike" cap="none">
         <a:solidFill>
           <a:srgbClr val="000000"/>
         </a:solidFill>
@@ -95,7 +95,7 @@
         <a:sym typeface="Arial"/>
       </a:defRPr>
     </a:lvl2pPr>
-    <a:lvl3pPr lvl="2" marR="0" rtl="0" algn="l">
+    <a:lvl3pPr marR="0" lvl="2" algn="l" rtl="0">
       <a:lnSpc>
         <a:spcPct val="100000"/>
       </a:lnSpc>
@@ -109,7 +109,7 @@
         <a:srgbClr val="000000"/>
       </a:buClr>
       <a:buFont typeface="Arial"/>
-      <a:defRPr b="0" i="0" sz="1400" u="none" cap="none" strike="noStrike">
+      <a:defRPr sz="1400" b="0" i="0" u="none" strike="noStrike" cap="none">
         <a:solidFill>
           <a:srgbClr val="000000"/>
         </a:solidFill>
@@ -119,7 +119,7 @@
         <a:sym typeface="Arial"/>
       </a:defRPr>
     </a:lvl3pPr>
-    <a:lvl4pPr lvl="3" marR="0" rtl="0" algn="l">
+    <a:lvl4pPr marR="0" lvl="3" algn="l" rtl="0">
       <a:lnSpc>
         <a:spcPct val="100000"/>
       </a:lnSpc>
@@ -133,7 +133,7 @@
         <a:srgbClr val="000000"/>
       </a:buClr>
       <a:buFont typeface="Arial"/>
-      <a:defRPr b="0" i="0" sz="1400" u="none" cap="none" strike="noStrike">
+      <a:defRPr sz="1400" b="0" i="0" u="none" strike="noStrike" cap="none">
         <a:solidFill>
           <a:srgbClr val="000000"/>
         </a:solidFill>
@@ -143,7 +143,7 @@
         <a:sym typeface="Arial"/>
       </a:defRPr>
     </a:lvl4pPr>
-    <a:lvl5pPr lvl="4" marR="0" rtl="0" algn="l">
+    <a:lvl5pPr marR="0" lvl="4" algn="l" rtl="0">
       <a:lnSpc>
         <a:spcPct val="100000"/>
       </a:lnSpc>
@@ -157,7 +157,7 @@
         <a:srgbClr val="000000"/>
       </a:buClr>
       <a:buFont typeface="Arial"/>
-      <a:defRPr b="0" i="0" sz="1400" u="none" cap="none" strike="noStrike">
+      <a:defRPr sz="1400" b="0" i="0" u="none" strike="noStrike" cap="none">
         <a:solidFill>
           <a:srgbClr val="000000"/>
         </a:solidFill>
@@ -167,7 +167,7 @@
         <a:sym typeface="Arial"/>
       </a:defRPr>
     </a:lvl5pPr>
-    <a:lvl6pPr lvl="5" marR="0" rtl="0" algn="l">
+    <a:lvl6pPr marR="0" lvl="5" algn="l" rtl="0">
       <a:lnSpc>
         <a:spcPct val="100000"/>
       </a:lnSpc>
@@ -181,7 +181,7 @@
         <a:srgbClr val="000000"/>
       </a:buClr>
       <a:buFont typeface="Arial"/>
-      <a:defRPr b="0" i="0" sz="1400" u="none" cap="none" strike="noStrike">
+      <a:defRPr sz="1400" b="0" i="0" u="none" strike="noStrike" cap="none">
         <a:solidFill>
           <a:srgbClr val="000000"/>
         </a:solidFill>
@@ -191,7 +191,7 @@
         <a:sym typeface="Arial"/>
       </a:defRPr>
     </a:lvl6pPr>
-    <a:lvl7pPr lvl="6" marR="0" rtl="0" algn="l">
+    <a:lvl7pPr marR="0" lvl="6" algn="l" rtl="0">
       <a:lnSpc>
         <a:spcPct val="100000"/>
       </a:lnSpc>
@@ -205,7 +205,7 @@
         <a:srgbClr val="000000"/>
       </a:buClr>
       <a:buFont typeface="Arial"/>
-      <a:defRPr b="0" i="0" sz="1400" u="none" cap="none" strike="noStrike">
+      <a:defRPr sz="1400" b="0" i="0" u="none" strike="noStrike" cap="none">
         <a:solidFill>
           <a:srgbClr val="000000"/>
         </a:solidFill>
@@ -215,7 +215,7 @@
         <a:sym typeface="Arial"/>
       </a:defRPr>
     </a:lvl7pPr>
-    <a:lvl8pPr lvl="7" marR="0" rtl="0" algn="l">
+    <a:lvl8pPr marR="0" lvl="7" algn="l" rtl="0">
       <a:lnSpc>
         <a:spcPct val="100000"/>
       </a:lnSpc>
@@ -229,7 +229,7 @@
         <a:srgbClr val="000000"/>
       </a:buClr>
       <a:buFont typeface="Arial"/>
-      <a:defRPr b="0" i="0" sz="1400" u="none" cap="none" strike="noStrike">
+      <a:defRPr sz="1400" b="0" i="0" u="none" strike="noStrike" cap="none">
         <a:solidFill>
           <a:srgbClr val="000000"/>
         </a:solidFill>
@@ -239,7 +239,7 @@
         <a:sym typeface="Arial"/>
       </a:defRPr>
     </a:lvl8pPr>
-    <a:lvl9pPr lvl="8" marR="0" rtl="0" algn="l">
+    <a:lvl9pPr marR="0" lvl="8" algn="l" rtl="0">
       <a:lnSpc>
         <a:spcPct val="100000"/>
       </a:lnSpc>
@@ -253,7 +253,7 @@
         <a:srgbClr val="000000"/>
       </a:buClr>
       <a:buFont typeface="Arial"/>
-      <a:defRPr b="0" i="0" sz="1400" u="none" cap="none" strike="noStrike">
+      <a:defRPr sz="1400" b="0" i="0" u="none" strike="noStrike" cap="none">
         <a:solidFill>
           <a:srgbClr val="000000"/>
         </a:solidFill>
@@ -266,7 +266,7 @@
   </p:defaultTextStyle>
   <p:extLst>
     <p:ext uri="{EFAFB233-063F-42B5-8137-9DF3F51BA10A}">
-      <p15:sldGuideLst>
+      <p15:sldGuideLst xmlns:p15="http://schemas.microsoft.com/office/powerpoint/2012/main">
         <p15:guide id="1" orient="horz" pos="1620">
           <p15:clr>
             <a:srgbClr val="A4A3A4"/>
@@ -284,11 +284,16 @@
 </file>
 
 <file path=ppt/notesMasters/notesMaster1.xml><?xml version="1.0" encoding="utf-8"?>
-<p:notesMaster xmlns:a="http://schemas.openxmlformats.org/drawingml/2006/main" xmlns:r="http://schemas.openxmlformats.org/officeDocument/2006/relationships" xmlns:mc="http://schemas.openxmlformats.org/markup-compatibility/2006" xmlns:mv="urn:schemas-microsoft-com:mac:vml" xmlns:p="http://schemas.openxmlformats.org/presentationml/2006/main" xmlns:c="http://schemas.openxmlformats.org/drawingml/2006/chart" xmlns:dgm="http://schemas.openxmlformats.org/drawingml/2006/diagram" xmlns:o="urn:schemas-microsoft-com:office:office" xmlns:v="urn:schemas-microsoft-com:vml" xmlns:pvml="urn:schemas-microsoft-com:office:powerpoint" xmlns:com="http://schemas.openxmlformats.org/drawingml/2006/compatibility" xmlns:p14="http://schemas.microsoft.com/office/powerpoint/2010/main" xmlns:p15="http://schemas.microsoft.com/office/powerpoint/2012/main" xmlns:ahyp="http://schemas.microsoft.com/office/drawing/2018/hyperlinkcolor">
+<p:notesMaster xmlns:a="http://schemas.openxmlformats.org/drawingml/2006/main" xmlns:r="http://schemas.openxmlformats.org/officeDocument/2006/relationships" xmlns:p="http://schemas.openxmlformats.org/presentationml/2006/main">
   <p:cSld>
+    <p:bg>
+      <p:bgRef idx="1001">
+        <a:schemeClr val="bg1"/>
+      </p:bgRef>
+    </p:bg>
     <p:spTree>
       <p:nvGrpSpPr>
-        <p:cNvPr id="2" name="Shape 2"/>
+        <p:cNvPr id="1" name="Shape 2"/>
         <p:cNvGrpSpPr/>
         <p:nvPr/>
       </p:nvGrpSpPr>
@@ -303,9 +308,11 @@
       <p:sp>
         <p:nvSpPr>
           <p:cNvPr id="3" name="Google Shape;3;n"/>
-          <p:cNvSpPr/>
+          <p:cNvSpPr>
+            <a:spLocks noGrp="1" noRot="1" noChangeAspect="1"/>
+          </p:cNvSpPr>
           <p:nvPr>
-            <p:ph idx="2" type="sldImg"/>
+            <p:ph type="sldImg" idx="2"/>
           </p:nvPr>
         </p:nvSpPr>
         <p:spPr>
@@ -314,9 +321,13 @@
             <a:ext cx="6096075" cy="3429000"/>
           </a:xfrm>
           <a:custGeom>
-            <a:rect b="b" l="l" r="r" t="t"/>
+            <a:avLst/>
+            <a:gdLst/>
+            <a:ahLst/>
+            <a:cxnLst/>
+            <a:rect l="l" t="t" r="r" b="b"/>
             <a:pathLst>
-              <a:path extrusionOk="0" h="120000" w="120000">
+              <a:path w="120000" h="120000" extrusionOk="0">
                 <a:moveTo>
                   <a:pt x="0" y="0"/>
                 </a:moveTo>
@@ -334,23 +345,25 @@
             </a:pathLst>
           </a:custGeom>
           <a:noFill/>
-          <a:ln cap="flat" cmpd="sng" w="9525">
+          <a:ln w="9525" cap="flat" cmpd="sng">
             <a:solidFill>
               <a:srgbClr val="000000"/>
             </a:solidFill>
             <a:prstDash val="solid"/>
             <a:round/>
-            <a:headEnd len="sm" w="sm" type="none"/>
-            <a:tailEnd len="sm" w="sm" type="none"/>
+            <a:headEnd type="none" w="sm" len="sm"/>
+            <a:tailEnd type="none" w="sm" len="sm"/>
           </a:ln>
         </p:spPr>
       </p:sp>
       <p:sp>
         <p:nvSpPr>
           <p:cNvPr id="4" name="Google Shape;4;n"/>
-          <p:cNvSpPr txBox="1"/>
+          <p:cNvSpPr txBox="1">
+            <a:spLocks noGrp="1"/>
+          </p:cNvSpPr>
           <p:nvPr>
-            <p:ph idx="1" type="body"/>
+            <p:ph type="body" idx="1"/>
           </p:nvPr>
         </p:nvSpPr>
         <p:spPr>
@@ -367,11 +380,11 @@
           </a:ln>
         </p:spPr>
         <p:txBody>
-          <a:bodyPr anchorCtr="0" anchor="t" bIns="91425" lIns="91425" spcFirstLastPara="1" rIns="91425" wrap="square" tIns="91425">
+          <a:bodyPr spcFirstLastPara="1" wrap="square" lIns="91425" tIns="91425" rIns="91425" bIns="91425" anchor="t" anchorCtr="0">
             <a:noAutofit/>
           </a:bodyPr>
           <a:lstStyle>
-            <a:lvl1pPr indent="-317500" lvl="0" marL="457200">
+            <a:lvl1pPr marL="457200" lvl="0" indent="-317500">
               <a:spcBef>
                 <a:spcPts val="0"/>
               </a:spcBef>
@@ -382,7 +395,7 @@
               <a:buChar char="●"/>
               <a:defRPr sz="1100"/>
             </a:lvl1pPr>
-            <a:lvl2pPr indent="-317500" lvl="1" marL="914400">
+            <a:lvl2pPr marL="914400" lvl="1" indent="-317500">
               <a:spcBef>
                 <a:spcPts val="0"/>
               </a:spcBef>
@@ -393,7 +406,7 @@
               <a:buChar char="○"/>
               <a:defRPr sz="1100"/>
             </a:lvl2pPr>
-            <a:lvl3pPr indent="-317500" lvl="2" marL="1371600">
+            <a:lvl3pPr marL="1371600" lvl="2" indent="-317500">
               <a:spcBef>
                 <a:spcPts val="0"/>
               </a:spcBef>
@@ -404,7 +417,7 @@
               <a:buChar char="■"/>
               <a:defRPr sz="1100"/>
             </a:lvl3pPr>
-            <a:lvl4pPr indent="-317500" lvl="3" marL="1828800">
+            <a:lvl4pPr marL="1828800" lvl="3" indent="-317500">
               <a:spcBef>
                 <a:spcPts val="0"/>
               </a:spcBef>
@@ -415,7 +428,7 @@
               <a:buChar char="●"/>
               <a:defRPr sz="1100"/>
             </a:lvl4pPr>
-            <a:lvl5pPr indent="-317500" lvl="4" marL="2286000">
+            <a:lvl5pPr marL="2286000" lvl="4" indent="-317500">
               <a:spcBef>
                 <a:spcPts val="0"/>
               </a:spcBef>
@@ -426,7 +439,7 @@
               <a:buChar char="○"/>
               <a:defRPr sz="1100"/>
             </a:lvl5pPr>
-            <a:lvl6pPr indent="-317500" lvl="5" marL="2743200">
+            <a:lvl6pPr marL="2743200" lvl="5" indent="-317500">
               <a:spcBef>
                 <a:spcPts val="0"/>
               </a:spcBef>
@@ -437,7 +450,7 @@
               <a:buChar char="■"/>
               <a:defRPr sz="1100"/>
             </a:lvl6pPr>
-            <a:lvl7pPr indent="-317500" lvl="6" marL="3200400">
+            <a:lvl7pPr marL="3200400" lvl="6" indent="-317500">
               <a:spcBef>
                 <a:spcPts val="0"/>
               </a:spcBef>
@@ -448,7 +461,7 @@
               <a:buChar char="●"/>
               <a:defRPr sz="1100"/>
             </a:lvl7pPr>
-            <a:lvl8pPr indent="-317500" lvl="7" marL="3657600">
+            <a:lvl8pPr marL="3657600" lvl="7" indent="-317500">
               <a:spcBef>
                 <a:spcPts val="0"/>
               </a:spcBef>
@@ -459,7 +472,7 @@
               <a:buChar char="○"/>
               <a:defRPr sz="1100"/>
             </a:lvl8pPr>
-            <a:lvl9pPr indent="-317500" lvl="8" marL="4114800">
+            <a:lvl9pPr marL="4114800" lvl="8" indent="-317500">
               <a:spcBef>
                 <a:spcPts val="0"/>
               </a:spcBef>
@@ -471,14 +484,16 @@
               <a:defRPr sz="1100"/>
             </a:lvl9pPr>
           </a:lstStyle>
-          <a:p/>
+          <a:p>
+            <a:endParaRPr/>
+          </a:p>
         </p:txBody>
       </p:sp>
     </p:spTree>
   </p:cSld>
-  <p:clrMap accent1="accent1" accent2="accent2" accent3="accent3" accent4="accent4" accent5="accent5" accent6="accent6" bg1="lt1" bg2="dk2" tx1="dk1" tx2="lt2" folHlink="folHlink" hlink="hlink"/>
+  <p:clrMap bg1="lt1" tx1="dk1" bg2="dk2" tx2="lt2" accent1="accent1" accent2="accent2" accent3="accent3" accent4="accent4" accent5="accent5" accent6="accent6" hlink="hlink" folHlink="folHlink"/>
   <p:notesStyle>
-    <a:defPPr lvl="0" marR="0" rtl="0" algn="l">
+    <a:defPPr marR="0" lvl="0" algn="l" rtl="0">
       <a:lnSpc>
         <a:spcPct val="100000"/>
       </a:lnSpc>
@@ -489,7 +504,7 @@
         <a:spcPts val="0"/>
       </a:spcAft>
     </a:defPPr>
-    <a:lvl1pPr lvl="0" marR="0" rtl="0" algn="l">
+    <a:lvl1pPr marR="0" lvl="0" algn="l" rtl="0">
       <a:lnSpc>
         <a:spcPct val="100000"/>
       </a:lnSpc>
@@ -503,7 +518,7 @@
         <a:srgbClr val="000000"/>
       </a:buClr>
       <a:buFont typeface="Arial"/>
-      <a:defRPr b="0" i="0" sz="1400" u="none" cap="none" strike="noStrike">
+      <a:defRPr sz="1400" b="0" i="0" u="none" strike="noStrike" cap="none">
         <a:solidFill>
           <a:srgbClr val="000000"/>
         </a:solidFill>
@@ -513,7 +528,7 @@
         <a:sym typeface="Arial"/>
       </a:defRPr>
     </a:lvl1pPr>
-    <a:lvl2pPr lvl="1" marR="0" rtl="0" algn="l">
+    <a:lvl2pPr marR="0" lvl="1" algn="l" rtl="0">
       <a:lnSpc>
         <a:spcPct val="100000"/>
       </a:lnSpc>
@@ -527,7 +542,7 @@
         <a:srgbClr val="000000"/>
       </a:buClr>
       <a:buFont typeface="Arial"/>
-      <a:defRPr b="0" i="0" sz="1400" u="none" cap="none" strike="noStrike">
+      <a:defRPr sz="1400" b="0" i="0" u="none" strike="noStrike" cap="none">
         <a:solidFill>
           <a:srgbClr val="000000"/>
         </a:solidFill>
@@ -537,7 +552,7 @@
         <a:sym typeface="Arial"/>
       </a:defRPr>
     </a:lvl2pPr>
-    <a:lvl3pPr lvl="2" marR="0" rtl="0" algn="l">
+    <a:lvl3pPr marR="0" lvl="2" algn="l" rtl="0">
       <a:lnSpc>
         <a:spcPct val="100000"/>
       </a:lnSpc>
@@ -551,7 +566,7 @@
         <a:srgbClr val="000000"/>
       </a:buClr>
       <a:buFont typeface="Arial"/>
-      <a:defRPr b="0" i="0" sz="1400" u="none" cap="none" strike="noStrike">
+      <a:defRPr sz="1400" b="0" i="0" u="none" strike="noStrike" cap="none">
         <a:solidFill>
           <a:srgbClr val="000000"/>
         </a:solidFill>
@@ -561,7 +576,7 @@
         <a:sym typeface="Arial"/>
       </a:defRPr>
     </a:lvl3pPr>
-    <a:lvl4pPr lvl="3" marR="0" rtl="0" algn="l">
+    <a:lvl4pPr marR="0" lvl="3" algn="l" rtl="0">
       <a:lnSpc>
         <a:spcPct val="100000"/>
       </a:lnSpc>
@@ -575,7 +590,7 @@
         <a:srgbClr val="000000"/>
       </a:buClr>
       <a:buFont typeface="Arial"/>
-      <a:defRPr b="0" i="0" sz="1400" u="none" cap="none" strike="noStrike">
+      <a:defRPr sz="1400" b="0" i="0" u="none" strike="noStrike" cap="none">
         <a:solidFill>
           <a:srgbClr val="000000"/>
         </a:solidFill>
@@ -585,7 +600,7 @@
         <a:sym typeface="Arial"/>
       </a:defRPr>
     </a:lvl4pPr>
-    <a:lvl5pPr lvl="4" marR="0" rtl="0" algn="l">
+    <a:lvl5pPr marR="0" lvl="4" algn="l" rtl="0">
       <a:lnSpc>
         <a:spcPct val="100000"/>
       </a:lnSpc>
@@ -599,7 +614,7 @@
         <a:srgbClr val="000000"/>
       </a:buClr>
       <a:buFont typeface="Arial"/>
-      <a:defRPr b="0" i="0" sz="1400" u="none" cap="none" strike="noStrike">
+      <a:defRPr sz="1400" b="0" i="0" u="none" strike="noStrike" cap="none">
         <a:solidFill>
           <a:srgbClr val="000000"/>
         </a:solidFill>
@@ -609,7 +624,7 @@
         <a:sym typeface="Arial"/>
       </a:defRPr>
     </a:lvl5pPr>
-    <a:lvl6pPr lvl="5" marR="0" rtl="0" algn="l">
+    <a:lvl6pPr marR="0" lvl="5" algn="l" rtl="0">
       <a:lnSpc>
         <a:spcPct val="100000"/>
       </a:lnSpc>
@@ -623,7 +638,7 @@
         <a:srgbClr val="000000"/>
       </a:buClr>
       <a:buFont typeface="Arial"/>
-      <a:defRPr b="0" i="0" sz="1400" u="none" cap="none" strike="noStrike">
+      <a:defRPr sz="1400" b="0" i="0" u="none" strike="noStrike" cap="none">
         <a:solidFill>
           <a:srgbClr val="000000"/>
         </a:solidFill>
@@ -633,7 +648,7 @@
         <a:sym typeface="Arial"/>
       </a:defRPr>
     </a:lvl6pPr>
-    <a:lvl7pPr lvl="6" marR="0" rtl="0" algn="l">
+    <a:lvl7pPr marR="0" lvl="6" algn="l" rtl="0">
       <a:lnSpc>
         <a:spcPct val="100000"/>
       </a:lnSpc>
@@ -647,7 +662,7 @@
         <a:srgbClr val="000000"/>
       </a:buClr>
       <a:buFont typeface="Arial"/>
-      <a:defRPr b="0" i="0" sz="1400" u="none" cap="none" strike="noStrike">
+      <a:defRPr sz="1400" b="0" i="0" u="none" strike="noStrike" cap="none">
         <a:solidFill>
           <a:srgbClr val="000000"/>
         </a:solidFill>
@@ -657,7 +672,7 @@
         <a:sym typeface="Arial"/>
       </a:defRPr>
     </a:lvl7pPr>
-    <a:lvl8pPr lvl="7" marR="0" rtl="0" algn="l">
+    <a:lvl8pPr marR="0" lvl="7" algn="l" rtl="0">
       <a:lnSpc>
         <a:spcPct val="100000"/>
       </a:lnSpc>
@@ -671,7 +686,7 @@
         <a:srgbClr val="000000"/>
       </a:buClr>
       <a:buFont typeface="Arial"/>
-      <a:defRPr b="0" i="0" sz="1400" u="none" cap="none" strike="noStrike">
+      <a:defRPr sz="1400" b="0" i="0" u="none" strike="noStrike" cap="none">
         <a:solidFill>
           <a:srgbClr val="000000"/>
         </a:solidFill>
@@ -681,7 +696,7 @@
         <a:sym typeface="Arial"/>
       </a:defRPr>
     </a:lvl8pPr>
-    <a:lvl9pPr lvl="8" marR="0" rtl="0" algn="l">
+    <a:lvl9pPr marR="0" lvl="8" algn="l" rtl="0">
       <a:lnSpc>
         <a:spcPct val="100000"/>
       </a:lnSpc>
@@ -695,7 +710,7 @@
         <a:srgbClr val="000000"/>
       </a:buClr>
       <a:buFont typeface="Arial"/>
-      <a:defRPr b="0" i="0" sz="1400" u="none" cap="none" strike="noStrike">
+      <a:defRPr sz="1400" b="0" i="0" u="none" strike="noStrike" cap="none">
         <a:solidFill>
           <a:srgbClr val="000000"/>
         </a:solidFill>
@@ -710,11 +725,11 @@
 </file>
 
 <file path=ppt/notesSlides/notesSlide1.xml><?xml version="1.0" encoding="utf-8"?>
-<p:notes xmlns:a="http://schemas.openxmlformats.org/drawingml/2006/main" xmlns:r="http://schemas.openxmlformats.org/officeDocument/2006/relationships" xmlns:mc="http://schemas.openxmlformats.org/markup-compatibility/2006" xmlns:mv="urn:schemas-microsoft-com:mac:vml" xmlns:p="http://schemas.openxmlformats.org/presentationml/2006/main" xmlns:c="http://schemas.openxmlformats.org/drawingml/2006/chart" xmlns:dgm="http://schemas.openxmlformats.org/drawingml/2006/diagram" xmlns:o="urn:schemas-microsoft-com:office:office" xmlns:v="urn:schemas-microsoft-com:vml" xmlns:pvml="urn:schemas-microsoft-com:office:powerpoint" xmlns:com="http://schemas.openxmlformats.org/drawingml/2006/compatibility" xmlns:p14="http://schemas.microsoft.com/office/powerpoint/2010/main" xmlns:p15="http://schemas.microsoft.com/office/powerpoint/2012/main" xmlns:ahyp="http://schemas.microsoft.com/office/drawing/2018/hyperlinkcolor" showMasterPhAnim="0" showMasterSp="0">
+<p:notes xmlns:a="http://schemas.openxmlformats.org/drawingml/2006/main" xmlns:r="http://schemas.openxmlformats.org/officeDocument/2006/relationships" xmlns:p="http://schemas.openxmlformats.org/presentationml/2006/main" showMasterSp="0" showMasterPhAnim="0">
   <p:cSld>
     <p:spTree>
       <p:nvGrpSpPr>
-        <p:cNvPr id="68" name="Shape 68"/>
+        <p:cNvPr id="1" name="Shape 68"/>
         <p:cNvGrpSpPr/>
         <p:nvPr/>
       </p:nvGrpSpPr>
@@ -729,20 +744,26 @@
       <p:sp>
         <p:nvSpPr>
           <p:cNvPr id="69" name="Google Shape;69;gcb9a0b074_1_0:notes"/>
-          <p:cNvSpPr/>
+          <p:cNvSpPr>
+            <a:spLocks noGrp="1" noRot="1" noChangeAspect="1"/>
+          </p:cNvSpPr>
           <p:nvPr>
-            <p:ph idx="2" type="sldImg"/>
+            <p:ph type="sldImg" idx="2"/>
           </p:nvPr>
         </p:nvSpPr>
         <p:spPr>
           <a:xfrm>
-            <a:off x="381300" y="685800"/>
+            <a:off x="381000" y="685800"/>
             <a:ext cx="6096000" cy="3429000"/>
           </a:xfrm>
           <a:custGeom>
-            <a:rect b="b" l="l" r="r" t="t"/>
+            <a:avLst/>
+            <a:gdLst/>
+            <a:ahLst/>
+            <a:cxnLst/>
+            <a:rect l="l" t="t" r="r" b="b"/>
             <a:pathLst>
-              <a:path extrusionOk="0" h="120000" w="120000">
+              <a:path w="120000" h="120000" extrusionOk="0">
                 <a:moveTo>
                   <a:pt x="0" y="0"/>
                 </a:moveTo>
@@ -764,9 +785,11 @@
       <p:sp>
         <p:nvSpPr>
           <p:cNvPr id="70" name="Google Shape;70;gcb9a0b074_1_0:notes"/>
-          <p:cNvSpPr txBox="1"/>
+          <p:cNvSpPr txBox="1">
+            <a:spLocks noGrp="1"/>
+          </p:cNvSpPr>
           <p:nvPr>
-            <p:ph idx="1" type="body"/>
+            <p:ph type="body" idx="1"/>
           </p:nvPr>
         </p:nvSpPr>
         <p:spPr>
@@ -779,12 +802,12 @@
           </a:prstGeom>
         </p:spPr>
         <p:txBody>
-          <a:bodyPr anchorCtr="0" anchor="t" bIns="91425" lIns="91425" spcFirstLastPara="1" rIns="91425" wrap="square" tIns="91425">
+          <a:bodyPr spcFirstLastPara="1" wrap="square" lIns="91425" tIns="91425" rIns="91425" bIns="91425" anchor="t" anchorCtr="0">
             <a:noAutofit/>
           </a:bodyPr>
           <a:lstStyle/>
           <a:p>
-            <a:pPr indent="0" lvl="0" marL="0" rtl="0" algn="l">
+            <a:pPr marL="0" lvl="0" indent="0" algn="l" rtl="0">
               <a:spcBef>
                 <a:spcPts val="0"/>
               </a:spcBef>
@@ -809,7 +832,7 @@
             <a:endParaRPr/>
           </a:p>
           <a:p>
-            <a:pPr indent="0" lvl="0" marL="0" rtl="0" algn="l">
+            <a:pPr marL="0" lvl="0" indent="0" algn="l" rtl="0">
               <a:spcBef>
                 <a:spcPts val="0"/>
               </a:spcBef>
@@ -820,20 +843,12 @@
             </a:pPr>
             <a:r>
               <a:rPr lang="en"/>
-              <a:t>We are the Savings </a:t>
-            </a:r>
-            <a:r>
-              <a:rPr lang="en"/>
-              <a:t>Syndicate</a:t>
-            </a:r>
-            <a:r>
-              <a:rPr lang="en"/>
-              <a:t>, and we will help you to get your home faster</a:t>
+              <a:t>We are the Savings Syndicate, and we will help you to get your home faster</a:t>
             </a:r>
             <a:endParaRPr/>
           </a:p>
           <a:p>
-            <a:pPr indent="0" lvl="0" marL="0" rtl="0" algn="l">
+            <a:pPr marL="0" lvl="0" indent="0" algn="l" rtl="0">
               <a:spcBef>
                 <a:spcPts val="0"/>
               </a:spcBef>
@@ -842,9 +857,6 @@
               </a:spcAft>
               <a:buNone/>
             </a:pPr>
-            <a:r>
-              <a:t/>
-            </a:r>
             <a:endParaRPr/>
           </a:p>
         </p:txBody>
@@ -858,11 +870,11 @@
 </file>
 
 <file path=ppt/notesSlides/notesSlide2.xml><?xml version="1.0" encoding="utf-8"?>
-<p:notes xmlns:a="http://schemas.openxmlformats.org/drawingml/2006/main" xmlns:r="http://schemas.openxmlformats.org/officeDocument/2006/relationships" xmlns:mc="http://schemas.openxmlformats.org/markup-compatibility/2006" xmlns:mv="urn:schemas-microsoft-com:mac:vml" xmlns:p="http://schemas.openxmlformats.org/presentationml/2006/main" xmlns:c="http://schemas.openxmlformats.org/drawingml/2006/chart" xmlns:dgm="http://schemas.openxmlformats.org/drawingml/2006/diagram" xmlns:o="urn:schemas-microsoft-com:office:office" xmlns:v="urn:schemas-microsoft-com:vml" xmlns:pvml="urn:schemas-microsoft-com:office:powerpoint" xmlns:com="http://schemas.openxmlformats.org/drawingml/2006/compatibility" xmlns:p14="http://schemas.microsoft.com/office/powerpoint/2010/main" xmlns:p15="http://schemas.microsoft.com/office/powerpoint/2012/main" xmlns:ahyp="http://schemas.microsoft.com/office/drawing/2018/hyperlinkcolor" showMasterPhAnim="0" showMasterSp="0">
+<p:notes xmlns:a="http://schemas.openxmlformats.org/drawingml/2006/main" xmlns:r="http://schemas.openxmlformats.org/officeDocument/2006/relationships" xmlns:p="http://schemas.openxmlformats.org/presentationml/2006/main" showMasterSp="0" showMasterPhAnim="0">
   <p:cSld>
     <p:spTree>
       <p:nvGrpSpPr>
-        <p:cNvPr id="74" name="Shape 74"/>
+        <p:cNvPr id="1" name="Shape 74"/>
         <p:cNvGrpSpPr/>
         <p:nvPr/>
       </p:nvGrpSpPr>
@@ -877,9 +889,11 @@
       <p:sp>
         <p:nvSpPr>
           <p:cNvPr id="75" name="Google Shape;75;g169ce7b3d44_1_3:notes"/>
-          <p:cNvSpPr/>
+          <p:cNvSpPr>
+            <a:spLocks noGrp="1" noRot="1" noChangeAspect="1"/>
+          </p:cNvSpPr>
           <p:nvPr>
-            <p:ph idx="2" type="sldImg"/>
+            <p:ph type="sldImg" idx="2"/>
           </p:nvPr>
         </p:nvSpPr>
         <p:spPr>
@@ -888,9 +902,13 @@
             <a:ext cx="6096000" cy="3429000"/>
           </a:xfrm>
           <a:custGeom>
-            <a:rect b="b" l="l" r="r" t="t"/>
+            <a:avLst/>
+            <a:gdLst/>
+            <a:ahLst/>
+            <a:cxnLst/>
+            <a:rect l="l" t="t" r="r" b="b"/>
             <a:pathLst>
-              <a:path extrusionOk="0" h="120000" w="120000">
+              <a:path w="120000" h="120000" extrusionOk="0">
                 <a:moveTo>
                   <a:pt x="0" y="0"/>
                 </a:moveTo>
@@ -912,9 +930,11 @@
       <p:sp>
         <p:nvSpPr>
           <p:cNvPr id="76" name="Google Shape;76;g169ce7b3d44_1_3:notes"/>
-          <p:cNvSpPr txBox="1"/>
+          <p:cNvSpPr txBox="1">
+            <a:spLocks noGrp="1"/>
+          </p:cNvSpPr>
           <p:nvPr>
-            <p:ph idx="1" type="body"/>
+            <p:ph type="body" idx="1"/>
           </p:nvPr>
         </p:nvSpPr>
         <p:spPr>
@@ -927,12 +947,12 @@
           </a:prstGeom>
         </p:spPr>
         <p:txBody>
-          <a:bodyPr anchorCtr="0" anchor="t" bIns="91425" lIns="91425" spcFirstLastPara="1" rIns="91425" wrap="square" tIns="91425">
+          <a:bodyPr spcFirstLastPara="1" wrap="square" lIns="91425" tIns="91425" rIns="91425" bIns="91425" anchor="t" anchorCtr="0">
             <a:noAutofit/>
           </a:bodyPr>
           <a:lstStyle/>
           <a:p>
-            <a:pPr indent="0" lvl="0" marL="0" rtl="0" algn="l">
+            <a:pPr marL="0" lvl="0" indent="0" algn="l" rtl="0">
               <a:spcBef>
                 <a:spcPts val="0"/>
               </a:spcBef>
@@ -958,11 +978,11 @@
 </file>
 
 <file path=ppt/notesSlides/notesSlide3.xml><?xml version="1.0" encoding="utf-8"?>
-<p:notes xmlns:a="http://schemas.openxmlformats.org/drawingml/2006/main" xmlns:r="http://schemas.openxmlformats.org/officeDocument/2006/relationships" xmlns:mc="http://schemas.openxmlformats.org/markup-compatibility/2006" xmlns:mv="urn:schemas-microsoft-com:mac:vml" xmlns:p="http://schemas.openxmlformats.org/presentationml/2006/main" xmlns:c="http://schemas.openxmlformats.org/drawingml/2006/chart" xmlns:dgm="http://schemas.openxmlformats.org/drawingml/2006/diagram" xmlns:o="urn:schemas-microsoft-com:office:office" xmlns:v="urn:schemas-microsoft-com:vml" xmlns:pvml="urn:schemas-microsoft-com:office:powerpoint" xmlns:com="http://schemas.openxmlformats.org/drawingml/2006/compatibility" xmlns:p14="http://schemas.microsoft.com/office/powerpoint/2010/main" xmlns:p15="http://schemas.microsoft.com/office/powerpoint/2012/main" xmlns:ahyp="http://schemas.microsoft.com/office/drawing/2018/hyperlinkcolor" showMasterPhAnim="0" showMasterSp="0">
+<p:notes xmlns:a="http://schemas.openxmlformats.org/drawingml/2006/main" xmlns:r="http://schemas.openxmlformats.org/officeDocument/2006/relationships" xmlns:p="http://schemas.openxmlformats.org/presentationml/2006/main" showMasterSp="0" showMasterPhAnim="0">
   <p:cSld>
     <p:spTree>
       <p:nvGrpSpPr>
-        <p:cNvPr id="81" name="Shape 81"/>
+        <p:cNvPr id="1" name="Shape 81"/>
         <p:cNvGrpSpPr/>
         <p:nvPr/>
       </p:nvGrpSpPr>
@@ -977,9 +997,11 @@
       <p:sp>
         <p:nvSpPr>
           <p:cNvPr id="82" name="Google Shape;82;gd5b15f0a3_5_26:notes"/>
-          <p:cNvSpPr/>
+          <p:cNvSpPr>
+            <a:spLocks noGrp="1" noRot="1" noChangeAspect="1"/>
+          </p:cNvSpPr>
           <p:nvPr>
-            <p:ph idx="2" type="sldImg"/>
+            <p:ph type="sldImg" idx="2"/>
           </p:nvPr>
         </p:nvSpPr>
         <p:spPr>
@@ -988,9 +1010,13 @@
             <a:ext cx="6096000" cy="3429000"/>
           </a:xfrm>
           <a:custGeom>
-            <a:rect b="b" l="l" r="r" t="t"/>
+            <a:avLst/>
+            <a:gdLst/>
+            <a:ahLst/>
+            <a:cxnLst/>
+            <a:rect l="l" t="t" r="r" b="b"/>
             <a:pathLst>
-              <a:path extrusionOk="0" h="120000" w="120000">
+              <a:path w="120000" h="120000" extrusionOk="0">
                 <a:moveTo>
                   <a:pt x="0" y="0"/>
                 </a:moveTo>
@@ -1012,9 +1038,11 @@
       <p:sp>
         <p:nvSpPr>
           <p:cNvPr id="83" name="Google Shape;83;gd5b15f0a3_5_26:notes"/>
-          <p:cNvSpPr txBox="1"/>
+          <p:cNvSpPr txBox="1">
+            <a:spLocks noGrp="1"/>
+          </p:cNvSpPr>
           <p:nvPr>
-            <p:ph idx="1" type="body"/>
+            <p:ph type="body" idx="1"/>
           </p:nvPr>
         </p:nvSpPr>
         <p:spPr>
@@ -1027,12 +1055,12 @@
           </a:prstGeom>
         </p:spPr>
         <p:txBody>
-          <a:bodyPr anchorCtr="0" anchor="t" bIns="91425" lIns="91425" spcFirstLastPara="1" rIns="91425" wrap="square" tIns="91425">
+          <a:bodyPr spcFirstLastPara="1" wrap="square" lIns="91425" tIns="91425" rIns="91425" bIns="91425" anchor="t" anchorCtr="0">
             <a:noAutofit/>
           </a:bodyPr>
           <a:lstStyle/>
           <a:p>
-            <a:pPr indent="-317500" lvl="0" marL="457200" rtl="0" algn="l">
+            <a:pPr marL="457200" lvl="0" indent="-317500" algn="l" rtl="0">
               <a:spcBef>
                 <a:spcPts val="0"/>
               </a:spcBef>
@@ -1049,7 +1077,7 @@
             <a:endParaRPr/>
           </a:p>
           <a:p>
-            <a:pPr indent="-317500" lvl="0" marL="457200" rtl="0" algn="l">
+            <a:pPr marL="457200" lvl="0" indent="-317500" algn="l" rtl="0">
               <a:spcBef>
                 <a:spcPts val="0"/>
               </a:spcBef>
@@ -1066,7 +1094,7 @@
             <a:endParaRPr/>
           </a:p>
           <a:p>
-            <a:pPr indent="-317500" lvl="0" marL="457200" rtl="0" algn="l">
+            <a:pPr marL="457200" lvl="0" indent="-317500" algn="l" rtl="0">
               <a:spcBef>
                 <a:spcPts val="0"/>
               </a:spcBef>
@@ -1093,11 +1121,11 @@
 </file>
 
 <file path=ppt/notesSlides/notesSlide4.xml><?xml version="1.0" encoding="utf-8"?>
-<p:notes xmlns:a="http://schemas.openxmlformats.org/drawingml/2006/main" xmlns:r="http://schemas.openxmlformats.org/officeDocument/2006/relationships" xmlns:mc="http://schemas.openxmlformats.org/markup-compatibility/2006" xmlns:mv="urn:schemas-microsoft-com:mac:vml" xmlns:p="http://schemas.openxmlformats.org/presentationml/2006/main" xmlns:c="http://schemas.openxmlformats.org/drawingml/2006/chart" xmlns:dgm="http://schemas.openxmlformats.org/drawingml/2006/diagram" xmlns:o="urn:schemas-microsoft-com:office:office" xmlns:v="urn:schemas-microsoft-com:vml" xmlns:pvml="urn:schemas-microsoft-com:office:powerpoint" xmlns:com="http://schemas.openxmlformats.org/drawingml/2006/compatibility" xmlns:p14="http://schemas.microsoft.com/office/powerpoint/2010/main" xmlns:p15="http://schemas.microsoft.com/office/powerpoint/2012/main" xmlns:ahyp="http://schemas.microsoft.com/office/drawing/2018/hyperlinkcolor" showMasterPhAnim="0" showMasterSp="0">
+<p:notes xmlns:a="http://schemas.openxmlformats.org/drawingml/2006/main" xmlns:r="http://schemas.openxmlformats.org/officeDocument/2006/relationships" xmlns:p="http://schemas.openxmlformats.org/presentationml/2006/main" showMasterSp="0" showMasterPhAnim="0">
   <p:cSld>
     <p:spTree>
       <p:nvGrpSpPr>
-        <p:cNvPr id="88" name="Shape 88"/>
+        <p:cNvPr id="1" name="Shape 88"/>
         <p:cNvGrpSpPr/>
         <p:nvPr/>
       </p:nvGrpSpPr>
@@ -1112,9 +1140,11 @@
       <p:sp>
         <p:nvSpPr>
           <p:cNvPr id="89" name="Google Shape;89;g169ce7b3d44_1_32:notes"/>
-          <p:cNvSpPr/>
+          <p:cNvSpPr>
+            <a:spLocks noGrp="1" noRot="1" noChangeAspect="1"/>
+          </p:cNvSpPr>
           <p:nvPr>
-            <p:ph idx="2" type="sldImg"/>
+            <p:ph type="sldImg" idx="2"/>
           </p:nvPr>
         </p:nvSpPr>
         <p:spPr>
@@ -1123,9 +1153,13 @@
             <a:ext cx="6096000" cy="3429000"/>
           </a:xfrm>
           <a:custGeom>
-            <a:rect b="b" l="l" r="r" t="t"/>
+            <a:avLst/>
+            <a:gdLst/>
+            <a:ahLst/>
+            <a:cxnLst/>
+            <a:rect l="l" t="t" r="r" b="b"/>
             <a:pathLst>
-              <a:path extrusionOk="0" h="120000" w="120000">
+              <a:path w="120000" h="120000" extrusionOk="0">
                 <a:moveTo>
                   <a:pt x="0" y="0"/>
                 </a:moveTo>
@@ -1147,9 +1181,11 @@
       <p:sp>
         <p:nvSpPr>
           <p:cNvPr id="90" name="Google Shape;90;g169ce7b3d44_1_32:notes"/>
-          <p:cNvSpPr txBox="1"/>
+          <p:cNvSpPr txBox="1">
+            <a:spLocks noGrp="1"/>
+          </p:cNvSpPr>
           <p:nvPr>
-            <p:ph idx="1" type="body"/>
+            <p:ph type="body" idx="1"/>
           </p:nvPr>
         </p:nvSpPr>
         <p:spPr>
@@ -1162,12 +1198,12 @@
           </a:prstGeom>
         </p:spPr>
         <p:txBody>
-          <a:bodyPr anchorCtr="0" anchor="t" bIns="91425" lIns="91425" spcFirstLastPara="1" rIns="91425" wrap="square" tIns="91425">
+          <a:bodyPr spcFirstLastPara="1" wrap="square" lIns="91425" tIns="91425" rIns="91425" bIns="91425" anchor="t" anchorCtr="0">
             <a:noAutofit/>
           </a:bodyPr>
           <a:lstStyle/>
           <a:p>
-            <a:pPr indent="0" lvl="0" marL="0" rtl="0" algn="l">
+            <a:pPr marL="0" lvl="0" indent="0" algn="l" rtl="0">
               <a:spcBef>
                 <a:spcPts val="0"/>
               </a:spcBef>
@@ -1183,7 +1219,7 @@
             <a:endParaRPr/>
           </a:p>
           <a:p>
-            <a:pPr indent="-317500" lvl="0" marL="457200" rtl="0" algn="l">
+            <a:pPr marL="457200" lvl="0" indent="-317500" algn="l" rtl="0">
               <a:spcBef>
                 <a:spcPts val="0"/>
               </a:spcBef>
@@ -1200,7 +1236,7 @@
             <a:endParaRPr/>
           </a:p>
           <a:p>
-            <a:pPr indent="-317500" lvl="0" marL="457200" rtl="0" algn="l">
+            <a:pPr marL="457200" lvl="0" indent="-317500" algn="l" rtl="0">
               <a:spcBef>
                 <a:spcPts val="0"/>
               </a:spcBef>
@@ -1212,20 +1248,12 @@
             </a:pPr>
             <a:r>
               <a:rPr lang="en"/>
-              <a:t>They can pay 300 per month plus a small fee for our company, then, we run a raffle </a:t>
-            </a:r>
-            <a:r>
-              <a:rPr lang="en"/>
-              <a:t>monthly</a:t>
-            </a:r>
-            <a:r>
-              <a:rPr lang="en"/>
-              <a:t> that gives for one of those people a letter of credit and a chance to apply for a mortgage and have early access to a property</a:t>
+              <a:t>They can pay 300 per month plus a small fee for our company, then, we run a raffle monthly that gives for one of those people a letter of credit and a chance to apply for a mortgage and have early access to a property</a:t>
             </a:r>
             <a:endParaRPr/>
           </a:p>
           <a:p>
-            <a:pPr indent="-317500" lvl="0" marL="457200" rtl="0" algn="l">
+            <a:pPr marL="457200" lvl="0" indent="-317500" algn="l" rtl="0">
               <a:spcBef>
                 <a:spcPts val="0"/>
               </a:spcBef>
@@ -1252,11 +1280,11 @@
 </file>
 
 <file path=ppt/notesSlides/notesSlide5.xml><?xml version="1.0" encoding="utf-8"?>
-<p:notes xmlns:a="http://schemas.openxmlformats.org/drawingml/2006/main" xmlns:r="http://schemas.openxmlformats.org/officeDocument/2006/relationships" xmlns:mc="http://schemas.openxmlformats.org/markup-compatibility/2006" xmlns:mv="urn:schemas-microsoft-com:mac:vml" xmlns:p="http://schemas.openxmlformats.org/presentationml/2006/main" xmlns:c="http://schemas.openxmlformats.org/drawingml/2006/chart" xmlns:dgm="http://schemas.openxmlformats.org/drawingml/2006/diagram" xmlns:o="urn:schemas-microsoft-com:office:office" xmlns:v="urn:schemas-microsoft-com:vml" xmlns:pvml="urn:schemas-microsoft-com:office:powerpoint" xmlns:com="http://schemas.openxmlformats.org/drawingml/2006/compatibility" xmlns:p14="http://schemas.microsoft.com/office/powerpoint/2010/main" xmlns:p15="http://schemas.microsoft.com/office/powerpoint/2012/main" xmlns:ahyp="http://schemas.microsoft.com/office/drawing/2018/hyperlinkcolor" showMasterPhAnim="0" showMasterSp="0">
+<p:notes xmlns:a="http://schemas.openxmlformats.org/drawingml/2006/main" xmlns:r="http://schemas.openxmlformats.org/officeDocument/2006/relationships" xmlns:p="http://schemas.openxmlformats.org/presentationml/2006/main" showMasterSp="0" showMasterPhAnim="0">
   <p:cSld>
     <p:spTree>
       <p:nvGrpSpPr>
-        <p:cNvPr id="94" name="Shape 94"/>
+        <p:cNvPr id="1" name="Shape 94"/>
         <p:cNvGrpSpPr/>
         <p:nvPr/>
       </p:nvGrpSpPr>
@@ -1271,9 +1299,11 @@
       <p:sp>
         <p:nvSpPr>
           <p:cNvPr id="95" name="Google Shape;95;g169ce7b3d44_1_39:notes"/>
-          <p:cNvSpPr/>
+          <p:cNvSpPr>
+            <a:spLocks noGrp="1" noRot="1" noChangeAspect="1"/>
+          </p:cNvSpPr>
           <p:nvPr>
-            <p:ph idx="2" type="sldImg"/>
+            <p:ph type="sldImg" idx="2"/>
           </p:nvPr>
         </p:nvSpPr>
         <p:spPr>
@@ -1282,9 +1312,13 @@
             <a:ext cx="6096000" cy="3429000"/>
           </a:xfrm>
           <a:custGeom>
-            <a:rect b="b" l="l" r="r" t="t"/>
+            <a:avLst/>
+            <a:gdLst/>
+            <a:ahLst/>
+            <a:cxnLst/>
+            <a:rect l="l" t="t" r="r" b="b"/>
             <a:pathLst>
-              <a:path extrusionOk="0" h="120000" w="120000">
+              <a:path w="120000" h="120000" extrusionOk="0">
                 <a:moveTo>
                   <a:pt x="0" y="0"/>
                 </a:moveTo>
@@ -1306,9 +1340,11 @@
       <p:sp>
         <p:nvSpPr>
           <p:cNvPr id="96" name="Google Shape;96;g169ce7b3d44_1_39:notes"/>
-          <p:cNvSpPr txBox="1"/>
+          <p:cNvSpPr txBox="1">
+            <a:spLocks noGrp="1"/>
+          </p:cNvSpPr>
           <p:nvPr>
-            <p:ph idx="1" type="body"/>
+            <p:ph type="body" idx="1"/>
           </p:nvPr>
         </p:nvSpPr>
         <p:spPr>
@@ -1321,12 +1357,12 @@
           </a:prstGeom>
         </p:spPr>
         <p:txBody>
-          <a:bodyPr anchorCtr="0" anchor="t" bIns="91425" lIns="91425" spcFirstLastPara="1" rIns="91425" wrap="square" tIns="91425">
+          <a:bodyPr spcFirstLastPara="1" wrap="square" lIns="91425" tIns="91425" rIns="91425" bIns="91425" anchor="t" anchorCtr="0">
             <a:noAutofit/>
           </a:bodyPr>
           <a:lstStyle/>
           <a:p>
-            <a:pPr indent="0" lvl="0" marL="0" rtl="0" algn="l">
+            <a:pPr marL="0" lvl="0" indent="0" algn="l" rtl="0">
               <a:spcBef>
                 <a:spcPts val="0"/>
               </a:spcBef>
@@ -1337,31 +1373,7 @@
             </a:pPr>
             <a:r>
               <a:rPr lang="en"/>
-              <a:t>The banks can also win, that pool of 100 people is a pipeline of 100 potential mortgage appliers, that can also drive up </a:t>
-            </a:r>
-            <a:r>
-              <a:rPr lang="en"/>
-              <a:t>customer</a:t>
-            </a:r>
-            <a:r>
-              <a:rPr lang="en"/>
-              <a:t> </a:t>
-            </a:r>
-            <a:r>
-              <a:rPr lang="en"/>
-              <a:t>acquisition</a:t>
-            </a:r>
-            <a:r>
-              <a:rPr lang="en"/>
-              <a:t> and earlier applications for a </a:t>
-            </a:r>
-            <a:r>
-              <a:rPr lang="en"/>
-              <a:t>mortgage</a:t>
-            </a:r>
-            <a:r>
-              <a:rPr lang="en"/>
-              <a:t>. Now for the Demo</a:t>
+              <a:t>The banks can also win, that pool of 100 people is a pipeline of 100 potential mortgage appliers, that can also drive up customer acquisition and earlier applications for a mortgage. Now for the Demo</a:t>
             </a:r>
             <a:endParaRPr/>
           </a:p>
@@ -1376,11 +1388,11 @@
 </file>
 
 <file path=ppt/notesSlides/notesSlide6.xml><?xml version="1.0" encoding="utf-8"?>
-<p:notes xmlns:a="http://schemas.openxmlformats.org/drawingml/2006/main" xmlns:r="http://schemas.openxmlformats.org/officeDocument/2006/relationships" xmlns:mc="http://schemas.openxmlformats.org/markup-compatibility/2006" xmlns:mv="urn:schemas-microsoft-com:mac:vml" xmlns:p="http://schemas.openxmlformats.org/presentationml/2006/main" xmlns:c="http://schemas.openxmlformats.org/drawingml/2006/chart" xmlns:dgm="http://schemas.openxmlformats.org/drawingml/2006/diagram" xmlns:o="urn:schemas-microsoft-com:office:office" xmlns:v="urn:schemas-microsoft-com:vml" xmlns:pvml="urn:schemas-microsoft-com:office:powerpoint" xmlns:com="http://schemas.openxmlformats.org/drawingml/2006/compatibility" xmlns:p14="http://schemas.microsoft.com/office/powerpoint/2010/main" xmlns:p15="http://schemas.microsoft.com/office/powerpoint/2012/main" xmlns:ahyp="http://schemas.microsoft.com/office/drawing/2018/hyperlinkcolor" showMasterPhAnim="0" showMasterSp="0">
+<p:notes xmlns:a="http://schemas.openxmlformats.org/drawingml/2006/main" xmlns:r="http://schemas.openxmlformats.org/officeDocument/2006/relationships" xmlns:p="http://schemas.openxmlformats.org/presentationml/2006/main" showMasterSp="0" showMasterPhAnim="0">
   <p:cSld>
     <p:spTree>
       <p:nvGrpSpPr>
-        <p:cNvPr id="100" name="Shape 100"/>
+        <p:cNvPr id="1" name="Shape 100"/>
         <p:cNvGrpSpPr/>
         <p:nvPr/>
       </p:nvGrpSpPr>
@@ -1395,9 +1407,11 @@
       <p:sp>
         <p:nvSpPr>
           <p:cNvPr id="101" name="Google Shape;101;g169ce7b3d44_1_46:notes"/>
-          <p:cNvSpPr/>
+          <p:cNvSpPr>
+            <a:spLocks noGrp="1" noRot="1" noChangeAspect="1"/>
+          </p:cNvSpPr>
           <p:nvPr>
-            <p:ph idx="2" type="sldImg"/>
+            <p:ph type="sldImg" idx="2"/>
           </p:nvPr>
         </p:nvSpPr>
         <p:spPr>
@@ -1406,9 +1420,13 @@
             <a:ext cx="6096000" cy="3429000"/>
           </a:xfrm>
           <a:custGeom>
-            <a:rect b="b" l="l" r="r" t="t"/>
+            <a:avLst/>
+            <a:gdLst/>
+            <a:ahLst/>
+            <a:cxnLst/>
+            <a:rect l="l" t="t" r="r" b="b"/>
             <a:pathLst>
-              <a:path extrusionOk="0" h="120000" w="120000">
+              <a:path w="120000" h="120000" extrusionOk="0">
                 <a:moveTo>
                   <a:pt x="0" y="0"/>
                 </a:moveTo>
@@ -1430,9 +1448,11 @@
       <p:sp>
         <p:nvSpPr>
           <p:cNvPr id="102" name="Google Shape;102;g169ce7b3d44_1_46:notes"/>
-          <p:cNvSpPr txBox="1"/>
+          <p:cNvSpPr txBox="1">
+            <a:spLocks noGrp="1"/>
+          </p:cNvSpPr>
           <p:nvPr>
-            <p:ph idx="1" type="body"/>
+            <p:ph type="body" idx="1"/>
           </p:nvPr>
         </p:nvSpPr>
         <p:spPr>
@@ -1445,12 +1465,12 @@
           </a:prstGeom>
         </p:spPr>
         <p:txBody>
-          <a:bodyPr anchorCtr="0" anchor="t" bIns="91425" lIns="91425" spcFirstLastPara="1" rIns="91425" wrap="square" tIns="91425">
+          <a:bodyPr spcFirstLastPara="1" wrap="square" lIns="91425" tIns="91425" rIns="91425" bIns="91425" anchor="t" anchorCtr="0">
             <a:noAutofit/>
           </a:bodyPr>
           <a:lstStyle/>
           <a:p>
-            <a:pPr indent="0" lvl="0" marL="0" rtl="0" algn="l">
+            <a:pPr marL="0" lvl="0" indent="0" algn="l" rtl="0">
               <a:spcBef>
                 <a:spcPts val="0"/>
               </a:spcBef>
@@ -1459,9 +1479,6 @@
               </a:spcAft>
               <a:buNone/>
             </a:pPr>
-            <a:r>
-              <a:t/>
-            </a:r>
             <a:endParaRPr/>
           </a:p>
         </p:txBody>
@@ -1475,11 +1492,11 @@
 </file>
 
 <file path=ppt/notesSlides/notesSlide7.xml><?xml version="1.0" encoding="utf-8"?>
-<p:notes xmlns:a="http://schemas.openxmlformats.org/drawingml/2006/main" xmlns:r="http://schemas.openxmlformats.org/officeDocument/2006/relationships" xmlns:mc="http://schemas.openxmlformats.org/markup-compatibility/2006" xmlns:mv="urn:schemas-microsoft-com:mac:vml" xmlns:p="http://schemas.openxmlformats.org/presentationml/2006/main" xmlns:c="http://schemas.openxmlformats.org/drawingml/2006/chart" xmlns:dgm="http://schemas.openxmlformats.org/drawingml/2006/diagram" xmlns:o="urn:schemas-microsoft-com:office:office" xmlns:v="urn:schemas-microsoft-com:vml" xmlns:pvml="urn:schemas-microsoft-com:office:powerpoint" xmlns:com="http://schemas.openxmlformats.org/drawingml/2006/compatibility" xmlns:p14="http://schemas.microsoft.com/office/powerpoint/2010/main" xmlns:p15="http://schemas.microsoft.com/office/powerpoint/2012/main" xmlns:ahyp="http://schemas.microsoft.com/office/drawing/2018/hyperlinkcolor" showMasterPhAnim="0" showMasterSp="0">
+<p:notes xmlns:a="http://schemas.openxmlformats.org/drawingml/2006/main" xmlns:r="http://schemas.openxmlformats.org/officeDocument/2006/relationships" xmlns:p="http://schemas.openxmlformats.org/presentationml/2006/main" showMasterSp="0" showMasterPhAnim="0">
   <p:cSld>
     <p:spTree>
       <p:nvGrpSpPr>
-        <p:cNvPr id="105" name="Shape 105"/>
+        <p:cNvPr id="1" name="Shape 105"/>
         <p:cNvGrpSpPr/>
         <p:nvPr/>
       </p:nvGrpSpPr>
@@ -1494,9 +1511,11 @@
       <p:sp>
         <p:nvSpPr>
           <p:cNvPr id="106" name="Google Shape;106;g169ce7b3d44_1_52:notes"/>
-          <p:cNvSpPr/>
+          <p:cNvSpPr>
+            <a:spLocks noGrp="1" noRot="1" noChangeAspect="1"/>
+          </p:cNvSpPr>
           <p:nvPr>
-            <p:ph idx="2" type="sldImg"/>
+            <p:ph type="sldImg" idx="2"/>
           </p:nvPr>
         </p:nvSpPr>
         <p:spPr>
@@ -1505,9 +1524,13 @@
             <a:ext cx="6096000" cy="3429000"/>
           </a:xfrm>
           <a:custGeom>
-            <a:rect b="b" l="l" r="r" t="t"/>
+            <a:avLst/>
+            <a:gdLst/>
+            <a:ahLst/>
+            <a:cxnLst/>
+            <a:rect l="l" t="t" r="r" b="b"/>
             <a:pathLst>
-              <a:path extrusionOk="0" h="120000" w="120000">
+              <a:path w="120000" h="120000" extrusionOk="0">
                 <a:moveTo>
                   <a:pt x="0" y="0"/>
                 </a:moveTo>
@@ -1529,9 +1552,11 @@
       <p:sp>
         <p:nvSpPr>
           <p:cNvPr id="107" name="Google Shape;107;g169ce7b3d44_1_52:notes"/>
-          <p:cNvSpPr txBox="1"/>
+          <p:cNvSpPr txBox="1">
+            <a:spLocks noGrp="1"/>
+          </p:cNvSpPr>
           <p:nvPr>
-            <p:ph idx="1" type="body"/>
+            <p:ph type="body" idx="1"/>
           </p:nvPr>
         </p:nvSpPr>
         <p:spPr>
@@ -1544,12 +1569,12 @@
           </a:prstGeom>
         </p:spPr>
         <p:txBody>
-          <a:bodyPr anchorCtr="0" anchor="t" bIns="91425" lIns="91425" spcFirstLastPara="1" rIns="91425" wrap="square" tIns="91425">
+          <a:bodyPr spcFirstLastPara="1" wrap="square" lIns="91425" tIns="91425" rIns="91425" bIns="91425" anchor="t" anchorCtr="0">
             <a:noAutofit/>
           </a:bodyPr>
           <a:lstStyle/>
           <a:p>
-            <a:pPr indent="0" lvl="0" marL="0" rtl="0" algn="l">
+            <a:pPr marL="0" lvl="0" indent="0" algn="l" rtl="0">
               <a:spcBef>
                 <a:spcPts val="0"/>
               </a:spcBef>
@@ -1558,9 +1583,6 @@
               </a:spcAft>
               <a:buNone/>
             </a:pPr>
-            <a:r>
-              <a:t/>
-            </a:r>
             <a:endParaRPr/>
           </a:p>
         </p:txBody>
@@ -1574,11 +1596,11 @@
 </file>
 
 <file path=ppt/notesSlides/notesSlide8.xml><?xml version="1.0" encoding="utf-8"?>
-<p:notes xmlns:a="http://schemas.openxmlformats.org/drawingml/2006/main" xmlns:r="http://schemas.openxmlformats.org/officeDocument/2006/relationships" xmlns:mc="http://schemas.openxmlformats.org/markup-compatibility/2006" xmlns:mv="urn:schemas-microsoft-com:mac:vml" xmlns:p="http://schemas.openxmlformats.org/presentationml/2006/main" xmlns:c="http://schemas.openxmlformats.org/drawingml/2006/chart" xmlns:dgm="http://schemas.openxmlformats.org/drawingml/2006/diagram" xmlns:o="urn:schemas-microsoft-com:office:office" xmlns:v="urn:schemas-microsoft-com:vml" xmlns:pvml="urn:schemas-microsoft-com:office:powerpoint" xmlns:com="http://schemas.openxmlformats.org/drawingml/2006/compatibility" xmlns:p14="http://schemas.microsoft.com/office/powerpoint/2010/main" xmlns:p15="http://schemas.microsoft.com/office/powerpoint/2012/main" xmlns:ahyp="http://schemas.microsoft.com/office/drawing/2018/hyperlinkcolor" showMasterPhAnim="0" showMasterSp="0">
+<p:notes xmlns:a="http://schemas.openxmlformats.org/drawingml/2006/main" xmlns:r="http://schemas.openxmlformats.org/officeDocument/2006/relationships" xmlns:p="http://schemas.openxmlformats.org/presentationml/2006/main" showMasterSp="0" showMasterPhAnim="0">
   <p:cSld>
     <p:spTree>
       <p:nvGrpSpPr>
-        <p:cNvPr id="110" name="Shape 110"/>
+        <p:cNvPr id="1" name="Shape 110"/>
         <p:cNvGrpSpPr/>
         <p:nvPr/>
       </p:nvGrpSpPr>
@@ -1593,9 +1615,11 @@
       <p:sp>
         <p:nvSpPr>
           <p:cNvPr id="111" name="Google Shape;111;g169ce7b3d44_1_18:notes"/>
-          <p:cNvSpPr/>
+          <p:cNvSpPr>
+            <a:spLocks noGrp="1" noRot="1" noChangeAspect="1"/>
+          </p:cNvSpPr>
           <p:nvPr>
-            <p:ph idx="2" type="sldImg"/>
+            <p:ph type="sldImg" idx="2"/>
           </p:nvPr>
         </p:nvSpPr>
         <p:spPr>
@@ -1604,9 +1628,13 @@
             <a:ext cx="6096000" cy="3429000"/>
           </a:xfrm>
           <a:custGeom>
-            <a:rect b="b" l="l" r="r" t="t"/>
+            <a:avLst/>
+            <a:gdLst/>
+            <a:ahLst/>
+            <a:cxnLst/>
+            <a:rect l="l" t="t" r="r" b="b"/>
             <a:pathLst>
-              <a:path extrusionOk="0" h="120000" w="120000">
+              <a:path w="120000" h="120000" extrusionOk="0">
                 <a:moveTo>
                   <a:pt x="0" y="0"/>
                 </a:moveTo>
@@ -1628,9 +1656,11 @@
       <p:sp>
         <p:nvSpPr>
           <p:cNvPr id="112" name="Google Shape;112;g169ce7b3d44_1_18:notes"/>
-          <p:cNvSpPr txBox="1"/>
+          <p:cNvSpPr txBox="1">
+            <a:spLocks noGrp="1"/>
+          </p:cNvSpPr>
           <p:nvPr>
-            <p:ph idx="1" type="body"/>
+            <p:ph type="body" idx="1"/>
           </p:nvPr>
         </p:nvSpPr>
         <p:spPr>
@@ -1643,12 +1673,12 @@
           </a:prstGeom>
         </p:spPr>
         <p:txBody>
-          <a:bodyPr anchorCtr="0" anchor="t" bIns="91425" lIns="91425" spcFirstLastPara="1" rIns="91425" wrap="square" tIns="91425">
+          <a:bodyPr spcFirstLastPara="1" wrap="square" lIns="91425" tIns="91425" rIns="91425" bIns="91425" anchor="t" anchorCtr="0">
             <a:noAutofit/>
           </a:bodyPr>
           <a:lstStyle/>
           <a:p>
-            <a:pPr indent="0" lvl="0" marL="0" rtl="0" algn="l">
+            <a:pPr marL="0" lvl="0" indent="0" algn="l" rtl="0">
               <a:spcBef>
                 <a:spcPts val="0"/>
               </a:spcBef>
@@ -1657,9 +1687,6 @@
               </a:spcAft>
               <a:buNone/>
             </a:pPr>
-            <a:r>
-              <a:t/>
-            </a:r>
             <a:endParaRPr/>
           </a:p>
         </p:txBody>
@@ -1673,18 +1700,19 @@
 </file>
 
 <file path=ppt/slideLayouts/slideLayout1.xml><?xml version="1.0" encoding="utf-8"?>
-<p:sldLayout xmlns:a="http://schemas.openxmlformats.org/drawingml/2006/main" xmlns:r="http://schemas.openxmlformats.org/officeDocument/2006/relationships" xmlns:mc="http://schemas.openxmlformats.org/markup-compatibility/2006" xmlns:mv="urn:schemas-microsoft-com:mac:vml" xmlns:p="http://schemas.openxmlformats.org/presentationml/2006/main" xmlns:c="http://schemas.openxmlformats.org/drawingml/2006/chart" xmlns:dgm="http://schemas.openxmlformats.org/drawingml/2006/diagram" xmlns:o="urn:schemas-microsoft-com:office:office" xmlns:v="urn:schemas-microsoft-com:vml" xmlns:pvml="urn:schemas-microsoft-com:office:powerpoint" xmlns:com="http://schemas.openxmlformats.org/drawingml/2006/compatibility" xmlns:p14="http://schemas.microsoft.com/office/powerpoint/2010/main" xmlns:p15="http://schemas.microsoft.com/office/powerpoint/2012/main" xmlns:ahyp="http://schemas.microsoft.com/office/drawing/2018/hyperlinkcolor" matchingName="Title slide" type="title">
+<p:sldLayout xmlns:a="http://schemas.openxmlformats.org/drawingml/2006/main" xmlns:r="http://schemas.openxmlformats.org/officeDocument/2006/relationships" xmlns:p="http://schemas.openxmlformats.org/presentationml/2006/main" matchingName="Title slide" type="title">
   <p:cSld name="TITLE">
     <p:bg>
       <p:bgPr>
         <a:solidFill>
           <a:schemeClr val="dk1"/>
         </a:solidFill>
+        <a:effectLst/>
       </p:bgPr>
     </p:bg>
     <p:spTree>
       <p:nvGrpSpPr>
-        <p:cNvPr id="9" name="Shape 9"/>
+        <p:cNvPr id="1" name="Shape 9"/>
         <p:cNvGrpSpPr/>
         <p:nvPr/>
       </p:nvGrpSpPr>
@@ -1711,14 +1739,14 @@
             <a:avLst/>
           </a:prstGeom>
           <a:noFill/>
-          <a:ln cap="flat" cmpd="sng" w="38100">
+          <a:ln w="38100" cap="flat" cmpd="sng">
             <a:solidFill>
               <a:schemeClr val="lt1"/>
             </a:solidFill>
             <a:prstDash val="solid"/>
             <a:round/>
-            <a:headEnd len="sm" w="sm" type="none"/>
-            <a:tailEnd len="sm" w="sm" type="none"/>
+            <a:headEnd type="none" w="sm" len="sm"/>
+            <a:tailEnd type="none" w="sm" len="sm"/>
           </a:ln>
         </p:spPr>
       </p:cxnSp>
@@ -1737,14 +1765,14 @@
             <a:avLst/>
           </a:prstGeom>
           <a:noFill/>
-          <a:ln cap="flat" cmpd="sng" w="19050">
+          <a:ln w="19050" cap="flat" cmpd="sng">
             <a:solidFill>
               <a:schemeClr val="lt1"/>
             </a:solidFill>
             <a:prstDash val="solid"/>
             <a:round/>
-            <a:headEnd len="sm" w="sm" type="none"/>
-            <a:tailEnd len="sm" w="sm" type="none"/>
+            <a:headEnd type="none" w="sm" len="sm"/>
+            <a:tailEnd type="none" w="sm" len="sm"/>
           </a:ln>
         </p:spPr>
       </p:cxnSp>
@@ -1763,21 +1791,23 @@
             <a:avLst/>
           </a:prstGeom>
           <a:noFill/>
-          <a:ln cap="flat" cmpd="sng" w="19050">
+          <a:ln w="19050" cap="flat" cmpd="sng">
             <a:solidFill>
               <a:schemeClr val="lt1"/>
             </a:solidFill>
             <a:prstDash val="solid"/>
             <a:round/>
-            <a:headEnd len="sm" w="sm" type="none"/>
-            <a:tailEnd len="sm" w="sm" type="none"/>
+            <a:headEnd type="none" w="sm" len="sm"/>
+            <a:tailEnd type="none" w="sm" len="sm"/>
           </a:ln>
         </p:spPr>
       </p:cxnSp>
       <p:sp>
         <p:nvSpPr>
           <p:cNvPr id="13" name="Google Shape;13;p2"/>
-          <p:cNvSpPr txBox="1"/>
+          <p:cNvSpPr txBox="1">
+            <a:spLocks noGrp="1"/>
+          </p:cNvSpPr>
           <p:nvPr>
             <p:ph type="ctrTitle"/>
           </p:nvPr>
@@ -1792,7 +1822,7 @@
           </a:prstGeom>
         </p:spPr>
         <p:txBody>
-          <a:bodyPr anchorCtr="0" anchor="t" bIns="91425" lIns="91425" spcFirstLastPara="1" rIns="91425" wrap="square" tIns="91425">
+          <a:bodyPr spcFirstLastPara="1" wrap="square" lIns="91425" tIns="91425" rIns="91425" bIns="91425" anchor="t" anchorCtr="0">
             <a:noAutofit/>
           </a:bodyPr>
           <a:lstStyle>
@@ -1959,15 +1989,19 @@
               </a:defRPr>
             </a:lvl9pPr>
           </a:lstStyle>
-          <a:p/>
+          <a:p>
+            <a:endParaRPr/>
+          </a:p>
         </p:txBody>
       </p:sp>
       <p:sp>
         <p:nvSpPr>
           <p:cNvPr id="14" name="Google Shape;14;p2"/>
-          <p:cNvSpPr txBox="1"/>
+          <p:cNvSpPr txBox="1">
+            <a:spLocks noGrp="1"/>
+          </p:cNvSpPr>
           <p:nvPr>
-            <p:ph idx="1" type="subTitle"/>
+            <p:ph type="subTitle" idx="1"/>
           </p:nvPr>
         </p:nvSpPr>
         <p:spPr>
@@ -1980,7 +2014,7 @@
           </a:prstGeom>
         </p:spPr>
         <p:txBody>
-          <a:bodyPr anchorCtr="0" anchor="b" bIns="91425" lIns="91425" spcFirstLastPara="1" rIns="91425" wrap="square" tIns="91425">
+          <a:bodyPr spcFirstLastPara="1" wrap="square" lIns="91425" tIns="91425" rIns="91425" bIns="91425" anchor="b" anchorCtr="0">
             <a:noAutofit/>
           </a:bodyPr>
           <a:lstStyle>
@@ -2174,15 +2208,19 @@
               </a:defRPr>
             </a:lvl9pPr>
           </a:lstStyle>
-          <a:p/>
+          <a:p>
+            <a:endParaRPr/>
+          </a:p>
         </p:txBody>
       </p:sp>
       <p:sp>
         <p:nvSpPr>
           <p:cNvPr id="15" name="Google Shape;15;p2"/>
-          <p:cNvSpPr txBox="1"/>
+          <p:cNvSpPr txBox="1">
+            <a:spLocks noGrp="1"/>
+          </p:cNvSpPr>
           <p:nvPr>
-            <p:ph idx="12" type="sldNum"/>
+            <p:ph type="sldNum" idx="12"/>
           </p:nvPr>
         </p:nvSpPr>
         <p:spPr>
@@ -2195,7 +2233,7 @@
           </a:prstGeom>
         </p:spPr>
         <p:txBody>
-          <a:bodyPr anchorCtr="0" anchor="ctr" bIns="91425" lIns="91425" spcFirstLastPara="1" rIns="91425" wrap="square" tIns="91425">
+          <a:bodyPr spcFirstLastPara="1" wrap="square" lIns="91425" tIns="91425" rIns="91425" bIns="91425" anchor="ctr" anchorCtr="0">
             <a:noAutofit/>
           </a:bodyPr>
           <a:lstStyle>
@@ -2273,7 +2311,7 @@
             </a:lvl9pPr>
           </a:lstStyle>
           <a:p>
-            <a:pPr indent="0" lvl="0" marL="0" rtl="0" algn="r">
+            <a:pPr marL="0" lvl="0" indent="0" algn="r" rtl="0">
               <a:spcBef>
                 <a:spcPts val="0"/>
               </a:spcBef>
@@ -2299,11 +2337,11 @@
 </file>
 
 <file path=ppt/slideLayouts/slideLayout10.xml><?xml version="1.0" encoding="utf-8"?>
-<p:sldLayout xmlns:a="http://schemas.openxmlformats.org/drawingml/2006/main" xmlns:r="http://schemas.openxmlformats.org/officeDocument/2006/relationships" xmlns:mc="http://schemas.openxmlformats.org/markup-compatibility/2006" xmlns:mv="urn:schemas-microsoft-com:mac:vml" xmlns:p="http://schemas.openxmlformats.org/presentationml/2006/main" xmlns:c="http://schemas.openxmlformats.org/drawingml/2006/chart" xmlns:dgm="http://schemas.openxmlformats.org/drawingml/2006/diagram" xmlns:o="urn:schemas-microsoft-com:office:office" xmlns:v="urn:schemas-microsoft-com:vml" xmlns:pvml="urn:schemas-microsoft-com:office:powerpoint" xmlns:com="http://schemas.openxmlformats.org/drawingml/2006/compatibility" xmlns:p14="http://schemas.microsoft.com/office/powerpoint/2010/main" xmlns:p15="http://schemas.microsoft.com/office/powerpoint/2012/main" xmlns:ahyp="http://schemas.microsoft.com/office/drawing/2018/hyperlinkcolor" matchingName="Big number">
+<p:sldLayout xmlns:a="http://schemas.openxmlformats.org/drawingml/2006/main" xmlns:r="http://schemas.openxmlformats.org/officeDocument/2006/relationships" xmlns:p="http://schemas.openxmlformats.org/presentationml/2006/main" matchingName="Big number">
   <p:cSld name="BIG_NUMBER">
     <p:spTree>
       <p:nvGrpSpPr>
-        <p:cNvPr id="60" name="Shape 60"/>
+        <p:cNvPr id="1" name="Shape 60"/>
         <p:cNvGrpSpPr/>
         <p:nvPr/>
       </p:nvGrpSpPr>
@@ -2330,14 +2368,14 @@
             <a:avLst/>
           </a:prstGeom>
           <a:noFill/>
-          <a:ln cap="flat" cmpd="sng" w="19050">
+          <a:ln w="19050" cap="flat" cmpd="sng">
             <a:solidFill>
               <a:schemeClr val="dk2"/>
             </a:solidFill>
             <a:prstDash val="solid"/>
             <a:round/>
-            <a:headEnd len="sm" w="sm" type="none"/>
-            <a:tailEnd len="sm" w="sm" type="none"/>
+            <a:headEnd type="none" w="sm" len="sm"/>
+            <a:tailEnd type="none" w="sm" len="sm"/>
           </a:ln>
         </p:spPr>
       </p:cxnSp>
@@ -2356,23 +2394,25 @@
             <a:avLst/>
           </a:prstGeom>
           <a:noFill/>
-          <a:ln cap="flat" cmpd="sng" w="38100">
+          <a:ln w="38100" cap="flat" cmpd="sng">
             <a:solidFill>
               <a:schemeClr val="dk2"/>
             </a:solidFill>
             <a:prstDash val="solid"/>
             <a:round/>
-            <a:headEnd len="sm" w="sm" type="none"/>
-            <a:tailEnd len="sm" w="sm" type="none"/>
+            <a:headEnd type="none" w="sm" len="sm"/>
+            <a:tailEnd type="none" w="sm" len="sm"/>
           </a:ln>
         </p:spPr>
       </p:cxnSp>
       <p:sp>
         <p:nvSpPr>
           <p:cNvPr id="63" name="Google Shape;63;p11"/>
-          <p:cNvSpPr txBox="1"/>
+          <p:cNvSpPr txBox="1">
+            <a:spLocks noGrp="1"/>
+          </p:cNvSpPr>
           <p:nvPr>
-            <p:ph hasCustomPrompt="1" type="title"/>
+            <p:ph type="title" hasCustomPrompt="1"/>
           </p:nvPr>
         </p:nvSpPr>
         <p:spPr>
@@ -2385,11 +2425,11 @@
           </a:prstGeom>
         </p:spPr>
         <p:txBody>
-          <a:bodyPr anchorCtr="0" anchor="ctr" bIns="91425" lIns="91425" spcFirstLastPara="1" rIns="91425" wrap="square" tIns="91425">
+          <a:bodyPr spcFirstLastPara="1" wrap="square" lIns="91425" tIns="91425" rIns="91425" bIns="91425" anchor="ctr" anchorCtr="0">
             <a:noAutofit/>
           </a:bodyPr>
           <a:lstStyle>
-            <a:lvl1pPr lvl="0" rtl="0" algn="ctr">
+            <a:lvl1pPr lvl="0" algn="ctr" rtl="0">
               <a:spcBef>
                 <a:spcPts val="0"/>
               </a:spcBef>
@@ -2412,7 +2452,7 @@
                 <a:sym typeface="Lato"/>
               </a:defRPr>
             </a:lvl1pPr>
-            <a:lvl2pPr lvl="1" rtl="0" algn="ctr">
+            <a:lvl2pPr lvl="1" algn="ctr" rtl="0">
               <a:spcBef>
                 <a:spcPts val="0"/>
               </a:spcBef>
@@ -2435,7 +2475,7 @@
                 <a:sym typeface="Lato"/>
               </a:defRPr>
             </a:lvl2pPr>
-            <a:lvl3pPr lvl="2" rtl="0" algn="ctr">
+            <a:lvl3pPr lvl="2" algn="ctr" rtl="0">
               <a:spcBef>
                 <a:spcPts val="0"/>
               </a:spcBef>
@@ -2458,7 +2498,7 @@
                 <a:sym typeface="Lato"/>
               </a:defRPr>
             </a:lvl3pPr>
-            <a:lvl4pPr lvl="3" rtl="0" algn="ctr">
+            <a:lvl4pPr lvl="3" algn="ctr" rtl="0">
               <a:spcBef>
                 <a:spcPts val="0"/>
               </a:spcBef>
@@ -2481,7 +2521,7 @@
                 <a:sym typeface="Lato"/>
               </a:defRPr>
             </a:lvl4pPr>
-            <a:lvl5pPr lvl="4" rtl="0" algn="ctr">
+            <a:lvl5pPr lvl="4" algn="ctr" rtl="0">
               <a:spcBef>
                 <a:spcPts val="0"/>
               </a:spcBef>
@@ -2504,7 +2544,7 @@
                 <a:sym typeface="Lato"/>
               </a:defRPr>
             </a:lvl5pPr>
-            <a:lvl6pPr lvl="5" rtl="0" algn="ctr">
+            <a:lvl6pPr lvl="5" algn="ctr" rtl="0">
               <a:spcBef>
                 <a:spcPts val="0"/>
               </a:spcBef>
@@ -2527,7 +2567,7 @@
                 <a:sym typeface="Lato"/>
               </a:defRPr>
             </a:lvl6pPr>
-            <a:lvl7pPr lvl="6" rtl="0" algn="ctr">
+            <a:lvl7pPr lvl="6" algn="ctr" rtl="0">
               <a:spcBef>
                 <a:spcPts val="0"/>
               </a:spcBef>
@@ -2550,7 +2590,7 @@
                 <a:sym typeface="Lato"/>
               </a:defRPr>
             </a:lvl7pPr>
-            <a:lvl8pPr lvl="7" rtl="0" algn="ctr">
+            <a:lvl8pPr lvl="7" algn="ctr" rtl="0">
               <a:spcBef>
                 <a:spcPts val="0"/>
               </a:spcBef>
@@ -2573,7 +2613,7 @@
                 <a:sym typeface="Lato"/>
               </a:defRPr>
             </a:lvl8pPr>
-            <a:lvl9pPr lvl="8" rtl="0" algn="ctr">
+            <a:lvl9pPr lvl="8" algn="ctr" rtl="0">
               <a:spcBef>
                 <a:spcPts val="0"/>
               </a:spcBef>
@@ -2607,9 +2647,11 @@
       <p:sp>
         <p:nvSpPr>
           <p:cNvPr id="64" name="Google Shape;64;p11"/>
-          <p:cNvSpPr txBox="1"/>
+          <p:cNvSpPr txBox="1">
+            <a:spLocks noGrp="1"/>
+          </p:cNvSpPr>
           <p:nvPr>
-            <p:ph idx="1" type="body"/>
+            <p:ph type="body" idx="1"/>
           </p:nvPr>
         </p:nvSpPr>
         <p:spPr>
@@ -2622,11 +2664,11 @@
           </a:prstGeom>
         </p:spPr>
         <p:txBody>
-          <a:bodyPr anchorCtr="0" anchor="t" bIns="91425" lIns="91425" spcFirstLastPara="1" rIns="91425" wrap="square" tIns="91425">
+          <a:bodyPr spcFirstLastPara="1" wrap="square" lIns="91425" tIns="91425" rIns="91425" bIns="91425" anchor="t" anchorCtr="0">
             <a:noAutofit/>
           </a:bodyPr>
           <a:lstStyle>
-            <a:lvl1pPr indent="-342900" lvl="0" marL="457200" rtl="0" algn="ctr">
+            <a:lvl1pPr marL="457200" lvl="0" indent="-342900" algn="ctr" rtl="0">
               <a:spcBef>
                 <a:spcPts val="0"/>
               </a:spcBef>
@@ -2637,7 +2679,7 @@
               <a:buChar char="●"/>
               <a:defRPr/>
             </a:lvl1pPr>
-            <a:lvl2pPr indent="-317500" lvl="1" marL="914400" rtl="0" algn="ctr">
+            <a:lvl2pPr marL="914400" lvl="1" indent="-317500" algn="ctr" rtl="0">
               <a:spcBef>
                 <a:spcPts val="1600"/>
               </a:spcBef>
@@ -2648,7 +2690,7 @@
               <a:buChar char="○"/>
               <a:defRPr/>
             </a:lvl2pPr>
-            <a:lvl3pPr indent="-317500" lvl="2" marL="1371600" rtl="0" algn="ctr">
+            <a:lvl3pPr marL="1371600" lvl="2" indent="-317500" algn="ctr" rtl="0">
               <a:spcBef>
                 <a:spcPts val="1600"/>
               </a:spcBef>
@@ -2659,7 +2701,7 @@
               <a:buChar char="■"/>
               <a:defRPr/>
             </a:lvl3pPr>
-            <a:lvl4pPr indent="-317500" lvl="3" marL="1828800" rtl="0" algn="ctr">
+            <a:lvl4pPr marL="1828800" lvl="3" indent="-317500" algn="ctr" rtl="0">
               <a:spcBef>
                 <a:spcPts val="1600"/>
               </a:spcBef>
@@ -2670,7 +2712,7 @@
               <a:buChar char="●"/>
               <a:defRPr/>
             </a:lvl4pPr>
-            <a:lvl5pPr indent="-317500" lvl="4" marL="2286000" rtl="0" algn="ctr">
+            <a:lvl5pPr marL="2286000" lvl="4" indent="-317500" algn="ctr" rtl="0">
               <a:spcBef>
                 <a:spcPts val="1600"/>
               </a:spcBef>
@@ -2681,7 +2723,7 @@
               <a:buChar char="○"/>
               <a:defRPr/>
             </a:lvl5pPr>
-            <a:lvl6pPr indent="-317500" lvl="5" marL="2743200" rtl="0" algn="ctr">
+            <a:lvl6pPr marL="2743200" lvl="5" indent="-317500" algn="ctr" rtl="0">
               <a:spcBef>
                 <a:spcPts val="1600"/>
               </a:spcBef>
@@ -2692,7 +2734,7 @@
               <a:buChar char="■"/>
               <a:defRPr/>
             </a:lvl6pPr>
-            <a:lvl7pPr indent="-317500" lvl="6" marL="3200400" rtl="0" algn="ctr">
+            <a:lvl7pPr marL="3200400" lvl="6" indent="-317500" algn="ctr" rtl="0">
               <a:spcBef>
                 <a:spcPts val="1600"/>
               </a:spcBef>
@@ -2703,7 +2745,7 @@
               <a:buChar char="●"/>
               <a:defRPr/>
             </a:lvl7pPr>
-            <a:lvl8pPr indent="-317500" lvl="7" marL="3657600" rtl="0" algn="ctr">
+            <a:lvl8pPr marL="3657600" lvl="7" indent="-317500" algn="ctr" rtl="0">
               <a:spcBef>
                 <a:spcPts val="1600"/>
               </a:spcBef>
@@ -2714,7 +2756,7 @@
               <a:buChar char="○"/>
               <a:defRPr/>
             </a:lvl8pPr>
-            <a:lvl9pPr indent="-317500" lvl="8" marL="4114800" rtl="0" algn="ctr">
+            <a:lvl9pPr marL="4114800" lvl="8" indent="-317500" algn="ctr" rtl="0">
               <a:spcBef>
                 <a:spcPts val="1600"/>
               </a:spcBef>
@@ -2726,15 +2768,19 @@
               <a:defRPr/>
             </a:lvl9pPr>
           </a:lstStyle>
-          <a:p/>
+          <a:p>
+            <a:endParaRPr/>
+          </a:p>
         </p:txBody>
       </p:sp>
       <p:sp>
         <p:nvSpPr>
           <p:cNvPr id="65" name="Google Shape;65;p11"/>
-          <p:cNvSpPr txBox="1"/>
+          <p:cNvSpPr txBox="1">
+            <a:spLocks noGrp="1"/>
+          </p:cNvSpPr>
           <p:nvPr>
-            <p:ph idx="12" type="sldNum"/>
+            <p:ph type="sldNum" idx="12"/>
           </p:nvPr>
         </p:nvSpPr>
         <p:spPr>
@@ -2747,7 +2793,7 @@
           </a:prstGeom>
         </p:spPr>
         <p:txBody>
-          <a:bodyPr anchorCtr="0" anchor="ctr" bIns="91425" lIns="91425" spcFirstLastPara="1" rIns="91425" wrap="square" tIns="91425">
+          <a:bodyPr spcFirstLastPara="1" wrap="square" lIns="91425" tIns="91425" rIns="91425" bIns="91425" anchor="ctr" anchorCtr="0">
             <a:noAutofit/>
           </a:bodyPr>
           <a:lstStyle>
@@ -2789,7 +2835,7 @@
             </a:lvl9pPr>
           </a:lstStyle>
           <a:p>
-            <a:pPr indent="0" lvl="0" marL="0" rtl="0" algn="r">
+            <a:pPr marL="0" lvl="0" indent="0" algn="r" rtl="0">
               <a:spcBef>
                 <a:spcPts val="0"/>
               </a:spcBef>
@@ -2815,11 +2861,11 @@
 </file>
 
 <file path=ppt/slideLayouts/slideLayout11.xml><?xml version="1.0" encoding="utf-8"?>
-<p:sldLayout xmlns:a="http://schemas.openxmlformats.org/drawingml/2006/main" xmlns:r="http://schemas.openxmlformats.org/officeDocument/2006/relationships" xmlns:mc="http://schemas.openxmlformats.org/markup-compatibility/2006" xmlns:mv="urn:schemas-microsoft-com:mac:vml" xmlns:p="http://schemas.openxmlformats.org/presentationml/2006/main" xmlns:c="http://schemas.openxmlformats.org/drawingml/2006/chart" xmlns:dgm="http://schemas.openxmlformats.org/drawingml/2006/diagram" xmlns:o="urn:schemas-microsoft-com:office:office" xmlns:v="urn:schemas-microsoft-com:vml" xmlns:pvml="urn:schemas-microsoft-com:office:powerpoint" xmlns:com="http://schemas.openxmlformats.org/drawingml/2006/compatibility" xmlns:p14="http://schemas.microsoft.com/office/powerpoint/2010/main" xmlns:p15="http://schemas.microsoft.com/office/powerpoint/2012/main" xmlns:ahyp="http://schemas.microsoft.com/office/drawing/2018/hyperlinkcolor" matchingName="Blank" type="blank">
+<p:sldLayout xmlns:a="http://schemas.openxmlformats.org/drawingml/2006/main" xmlns:r="http://schemas.openxmlformats.org/officeDocument/2006/relationships" xmlns:p="http://schemas.openxmlformats.org/presentationml/2006/main" matchingName="Blank" type="blank">
   <p:cSld name="BLANK">
     <p:spTree>
       <p:nvGrpSpPr>
-        <p:cNvPr id="66" name="Shape 66"/>
+        <p:cNvPr id="1" name="Shape 66"/>
         <p:cNvGrpSpPr/>
         <p:nvPr/>
       </p:nvGrpSpPr>
@@ -2834,9 +2880,11 @@
       <p:sp>
         <p:nvSpPr>
           <p:cNvPr id="67" name="Google Shape;67;p12"/>
-          <p:cNvSpPr txBox="1"/>
+          <p:cNvSpPr txBox="1">
+            <a:spLocks noGrp="1"/>
+          </p:cNvSpPr>
           <p:nvPr>
-            <p:ph idx="12" type="sldNum"/>
+            <p:ph type="sldNum" idx="12"/>
           </p:nvPr>
         </p:nvSpPr>
         <p:spPr>
@@ -2849,7 +2897,7 @@
           </a:prstGeom>
         </p:spPr>
         <p:txBody>
-          <a:bodyPr anchorCtr="0" anchor="ctr" bIns="91425" lIns="91425" spcFirstLastPara="1" rIns="91425" wrap="square" tIns="91425">
+          <a:bodyPr spcFirstLastPara="1" wrap="square" lIns="91425" tIns="91425" rIns="91425" bIns="91425" anchor="ctr" anchorCtr="0">
             <a:noAutofit/>
           </a:bodyPr>
           <a:lstStyle>
@@ -2891,7 +2939,7 @@
             </a:lvl9pPr>
           </a:lstStyle>
           <a:p>
-            <a:pPr indent="0" lvl="0" marL="0" rtl="0" algn="r">
+            <a:pPr marL="0" lvl="0" indent="0" algn="r" rtl="0">
               <a:spcBef>
                 <a:spcPts val="0"/>
               </a:spcBef>
@@ -2917,18 +2965,19 @@
 </file>
 
 <file path=ppt/slideLayouts/slideLayout2.xml><?xml version="1.0" encoding="utf-8"?>
-<p:sldLayout xmlns:a="http://schemas.openxmlformats.org/drawingml/2006/main" xmlns:r="http://schemas.openxmlformats.org/officeDocument/2006/relationships" xmlns:mc="http://schemas.openxmlformats.org/markup-compatibility/2006" xmlns:mv="urn:schemas-microsoft-com:mac:vml" xmlns:p="http://schemas.openxmlformats.org/presentationml/2006/main" xmlns:c="http://schemas.openxmlformats.org/drawingml/2006/chart" xmlns:dgm="http://schemas.openxmlformats.org/drawingml/2006/diagram" xmlns:o="urn:schemas-microsoft-com:office:office" xmlns:v="urn:schemas-microsoft-com:vml" xmlns:pvml="urn:schemas-microsoft-com:office:powerpoint" xmlns:com="http://schemas.openxmlformats.org/drawingml/2006/compatibility" xmlns:p14="http://schemas.microsoft.com/office/powerpoint/2010/main" xmlns:p15="http://schemas.microsoft.com/office/powerpoint/2012/main" xmlns:ahyp="http://schemas.microsoft.com/office/drawing/2018/hyperlinkcolor" matchingName="Section header" type="secHead">
+<p:sldLayout xmlns:a="http://schemas.openxmlformats.org/drawingml/2006/main" xmlns:r="http://schemas.openxmlformats.org/officeDocument/2006/relationships" xmlns:p="http://schemas.openxmlformats.org/presentationml/2006/main" matchingName="Section header" type="secHead">
   <p:cSld name="SECTION_HEADER">
     <p:bg>
       <p:bgPr>
         <a:solidFill>
           <a:schemeClr val="dk1"/>
         </a:solidFill>
+        <a:effectLst/>
       </p:bgPr>
     </p:bg>
     <p:spTree>
       <p:nvGrpSpPr>
-        <p:cNvPr id="16" name="Shape 16"/>
+        <p:cNvPr id="1" name="Shape 16"/>
         <p:cNvGrpSpPr/>
         <p:nvPr/>
       </p:nvGrpSpPr>
@@ -2955,14 +3004,14 @@
             <a:avLst/>
           </a:prstGeom>
           <a:noFill/>
-          <a:ln cap="flat" cmpd="sng" w="38100">
+          <a:ln w="38100" cap="flat" cmpd="sng">
             <a:solidFill>
               <a:schemeClr val="lt1"/>
             </a:solidFill>
             <a:prstDash val="solid"/>
             <a:round/>
-            <a:headEnd len="sm" w="sm" type="none"/>
-            <a:tailEnd len="sm" w="sm" type="none"/>
+            <a:headEnd type="none" w="sm" len="sm"/>
+            <a:tailEnd type="none" w="sm" len="sm"/>
           </a:ln>
         </p:spPr>
       </p:cxnSp>
@@ -2981,21 +3030,23 @@
             <a:avLst/>
           </a:prstGeom>
           <a:noFill/>
-          <a:ln cap="flat" cmpd="sng" w="19050">
+          <a:ln w="19050" cap="flat" cmpd="sng">
             <a:solidFill>
               <a:schemeClr val="lt1"/>
             </a:solidFill>
             <a:prstDash val="solid"/>
             <a:round/>
-            <a:headEnd len="sm" w="sm" type="none"/>
-            <a:tailEnd len="sm" w="sm" type="none"/>
+            <a:headEnd type="none" w="sm" len="sm"/>
+            <a:tailEnd type="none" w="sm" len="sm"/>
           </a:ln>
         </p:spPr>
       </p:cxnSp>
       <p:sp>
         <p:nvSpPr>
           <p:cNvPr id="19" name="Google Shape;19;p3"/>
-          <p:cNvSpPr txBox="1"/>
+          <p:cNvSpPr txBox="1">
+            <a:spLocks noGrp="1"/>
+          </p:cNvSpPr>
           <p:nvPr>
             <p:ph type="title"/>
           </p:nvPr>
@@ -3010,11 +3061,11 @@
           </a:prstGeom>
         </p:spPr>
         <p:txBody>
-          <a:bodyPr anchorCtr="0" anchor="ctr" bIns="91425" lIns="91425" spcFirstLastPara="1" rIns="91425" wrap="square" tIns="91425">
+          <a:bodyPr spcFirstLastPara="1" wrap="square" lIns="91425" tIns="91425" rIns="91425" bIns="91425" anchor="ctr" anchorCtr="0">
             <a:noAutofit/>
           </a:bodyPr>
           <a:lstStyle>
-            <a:lvl1pPr lvl="0" rtl="0" algn="ctr">
+            <a:lvl1pPr lvl="0" algn="ctr" rtl="0">
               <a:spcBef>
                 <a:spcPts val="0"/>
               </a:spcBef>
@@ -3032,7 +3083,7 @@
                 </a:solidFill>
               </a:defRPr>
             </a:lvl1pPr>
-            <a:lvl2pPr lvl="1" rtl="0" algn="ctr">
+            <a:lvl2pPr lvl="1" algn="ctr" rtl="0">
               <a:spcBef>
                 <a:spcPts val="0"/>
               </a:spcBef>
@@ -3050,7 +3101,7 @@
                 </a:solidFill>
               </a:defRPr>
             </a:lvl2pPr>
-            <a:lvl3pPr lvl="2" rtl="0" algn="ctr">
+            <a:lvl3pPr lvl="2" algn="ctr" rtl="0">
               <a:spcBef>
                 <a:spcPts val="0"/>
               </a:spcBef>
@@ -3068,7 +3119,7 @@
                 </a:solidFill>
               </a:defRPr>
             </a:lvl3pPr>
-            <a:lvl4pPr lvl="3" rtl="0" algn="ctr">
+            <a:lvl4pPr lvl="3" algn="ctr" rtl="0">
               <a:spcBef>
                 <a:spcPts val="0"/>
               </a:spcBef>
@@ -3086,7 +3137,7 @@
                 </a:solidFill>
               </a:defRPr>
             </a:lvl4pPr>
-            <a:lvl5pPr lvl="4" rtl="0" algn="ctr">
+            <a:lvl5pPr lvl="4" algn="ctr" rtl="0">
               <a:spcBef>
                 <a:spcPts val="0"/>
               </a:spcBef>
@@ -3104,7 +3155,7 @@
                 </a:solidFill>
               </a:defRPr>
             </a:lvl5pPr>
-            <a:lvl6pPr lvl="5" rtl="0" algn="ctr">
+            <a:lvl6pPr lvl="5" algn="ctr" rtl="0">
               <a:spcBef>
                 <a:spcPts val="0"/>
               </a:spcBef>
@@ -3122,7 +3173,7 @@
                 </a:solidFill>
               </a:defRPr>
             </a:lvl6pPr>
-            <a:lvl7pPr lvl="6" rtl="0" algn="ctr">
+            <a:lvl7pPr lvl="6" algn="ctr" rtl="0">
               <a:spcBef>
                 <a:spcPts val="0"/>
               </a:spcBef>
@@ -3140,7 +3191,7 @@
                 </a:solidFill>
               </a:defRPr>
             </a:lvl7pPr>
-            <a:lvl8pPr lvl="7" rtl="0" algn="ctr">
+            <a:lvl8pPr lvl="7" algn="ctr" rtl="0">
               <a:spcBef>
                 <a:spcPts val="0"/>
               </a:spcBef>
@@ -3158,7 +3209,7 @@
                 </a:solidFill>
               </a:defRPr>
             </a:lvl8pPr>
-            <a:lvl9pPr lvl="8" rtl="0" algn="ctr">
+            <a:lvl9pPr lvl="8" algn="ctr" rtl="0">
               <a:spcBef>
                 <a:spcPts val="0"/>
               </a:spcBef>
@@ -3177,15 +3228,19 @@
               </a:defRPr>
             </a:lvl9pPr>
           </a:lstStyle>
-          <a:p/>
+          <a:p>
+            <a:endParaRPr/>
+          </a:p>
         </p:txBody>
       </p:sp>
       <p:sp>
         <p:nvSpPr>
           <p:cNvPr id="20" name="Google Shape;20;p3"/>
-          <p:cNvSpPr txBox="1"/>
+          <p:cNvSpPr txBox="1">
+            <a:spLocks noGrp="1"/>
+          </p:cNvSpPr>
           <p:nvPr>
-            <p:ph idx="12" type="sldNum"/>
+            <p:ph type="sldNum" idx="12"/>
           </p:nvPr>
         </p:nvSpPr>
         <p:spPr>
@@ -3198,7 +3253,7 @@
           </a:prstGeom>
         </p:spPr>
         <p:txBody>
-          <a:bodyPr anchorCtr="0" anchor="ctr" bIns="91425" lIns="91425" spcFirstLastPara="1" rIns="91425" wrap="square" tIns="91425">
+          <a:bodyPr spcFirstLastPara="1" wrap="square" lIns="91425" tIns="91425" rIns="91425" bIns="91425" anchor="ctr" anchorCtr="0">
             <a:noAutofit/>
           </a:bodyPr>
           <a:lstStyle>
@@ -3276,7 +3331,7 @@
             </a:lvl9pPr>
           </a:lstStyle>
           <a:p>
-            <a:pPr indent="0" lvl="0" marL="0" rtl="0" algn="r">
+            <a:pPr marL="0" lvl="0" indent="0" algn="r" rtl="0">
               <a:spcBef>
                 <a:spcPts val="0"/>
               </a:spcBef>
@@ -3302,11 +3357,11 @@
 </file>
 
 <file path=ppt/slideLayouts/slideLayout3.xml><?xml version="1.0" encoding="utf-8"?>
-<p:sldLayout xmlns:a="http://schemas.openxmlformats.org/drawingml/2006/main" xmlns:r="http://schemas.openxmlformats.org/officeDocument/2006/relationships" xmlns:mc="http://schemas.openxmlformats.org/markup-compatibility/2006" xmlns:mv="urn:schemas-microsoft-com:mac:vml" xmlns:p="http://schemas.openxmlformats.org/presentationml/2006/main" xmlns:c="http://schemas.openxmlformats.org/drawingml/2006/chart" xmlns:dgm="http://schemas.openxmlformats.org/drawingml/2006/diagram" xmlns:o="urn:schemas-microsoft-com:office:office" xmlns:v="urn:schemas-microsoft-com:vml" xmlns:pvml="urn:schemas-microsoft-com:office:powerpoint" xmlns:com="http://schemas.openxmlformats.org/drawingml/2006/compatibility" xmlns:p14="http://schemas.microsoft.com/office/powerpoint/2010/main" xmlns:p15="http://schemas.microsoft.com/office/powerpoint/2012/main" xmlns:ahyp="http://schemas.microsoft.com/office/drawing/2018/hyperlinkcolor" matchingName="Title and body" type="tx">
+<p:sldLayout xmlns:a="http://schemas.openxmlformats.org/drawingml/2006/main" xmlns:r="http://schemas.openxmlformats.org/officeDocument/2006/relationships" xmlns:p="http://schemas.openxmlformats.org/presentationml/2006/main" matchingName="Title and body" type="tx">
   <p:cSld name="TITLE_AND_BODY">
     <p:spTree>
       <p:nvGrpSpPr>
-        <p:cNvPr id="21" name="Shape 21"/>
+        <p:cNvPr id="1" name="Shape 21"/>
         <p:cNvGrpSpPr/>
         <p:nvPr/>
       </p:nvGrpSpPr>
@@ -3333,14 +3388,14 @@
             <a:avLst/>
           </a:prstGeom>
           <a:noFill/>
-          <a:ln cap="flat" cmpd="sng" w="38100">
+          <a:ln w="38100" cap="flat" cmpd="sng">
             <a:solidFill>
               <a:schemeClr val="dk2"/>
             </a:solidFill>
             <a:prstDash val="solid"/>
             <a:round/>
-            <a:headEnd len="sm" w="sm" type="none"/>
-            <a:tailEnd len="sm" w="sm" type="none"/>
+            <a:headEnd type="none" w="sm" len="sm"/>
+            <a:tailEnd type="none" w="sm" len="sm"/>
           </a:ln>
         </p:spPr>
       </p:cxnSp>
@@ -3359,14 +3414,14 @@
             <a:avLst/>
           </a:prstGeom>
           <a:noFill/>
-          <a:ln cap="flat" cmpd="sng" w="19050">
+          <a:ln w="19050" cap="flat" cmpd="sng">
             <a:solidFill>
               <a:schemeClr val="dk2"/>
             </a:solidFill>
             <a:prstDash val="solid"/>
             <a:round/>
-            <a:headEnd len="sm" w="sm" type="none"/>
-            <a:tailEnd len="sm" w="sm" type="none"/>
+            <a:headEnd type="none" w="sm" len="sm"/>
+            <a:tailEnd type="none" w="sm" len="sm"/>
           </a:ln>
         </p:spPr>
       </p:cxnSp>
@@ -3385,21 +3440,23 @@
             <a:avLst/>
           </a:prstGeom>
           <a:noFill/>
-          <a:ln cap="flat" cmpd="sng" w="19050">
+          <a:ln w="19050" cap="flat" cmpd="sng">
             <a:solidFill>
               <a:schemeClr val="dk2"/>
             </a:solidFill>
             <a:prstDash val="solid"/>
             <a:round/>
-            <a:headEnd len="sm" w="sm" type="none"/>
-            <a:tailEnd len="sm" w="sm" type="none"/>
+            <a:headEnd type="none" w="sm" len="sm"/>
+            <a:tailEnd type="none" w="sm" len="sm"/>
           </a:ln>
         </p:spPr>
       </p:cxnSp>
       <p:sp>
         <p:nvSpPr>
           <p:cNvPr id="25" name="Google Shape;25;p4"/>
-          <p:cNvSpPr txBox="1"/>
+          <p:cNvSpPr txBox="1">
+            <a:spLocks noGrp="1"/>
+          </p:cNvSpPr>
           <p:nvPr>
             <p:ph type="title"/>
           </p:nvPr>
@@ -3414,7 +3471,7 @@
           </a:prstGeom>
         </p:spPr>
         <p:txBody>
-          <a:bodyPr anchorCtr="0" anchor="t" bIns="91425" lIns="91425" spcFirstLastPara="1" rIns="91425" wrap="square" tIns="91425">
+          <a:bodyPr spcFirstLastPara="1" wrap="square" lIns="91425" tIns="91425" rIns="91425" bIns="91425" anchor="t" anchorCtr="0">
             <a:noAutofit/>
           </a:bodyPr>
           <a:lstStyle>
@@ -3518,15 +3575,19 @@
               <a:defRPr/>
             </a:lvl9pPr>
           </a:lstStyle>
-          <a:p/>
+          <a:p>
+            <a:endParaRPr/>
+          </a:p>
         </p:txBody>
       </p:sp>
       <p:sp>
         <p:nvSpPr>
           <p:cNvPr id="26" name="Google Shape;26;p4"/>
-          <p:cNvSpPr txBox="1"/>
+          <p:cNvSpPr txBox="1">
+            <a:spLocks noGrp="1"/>
+          </p:cNvSpPr>
           <p:nvPr>
-            <p:ph idx="1" type="body"/>
+            <p:ph type="body" idx="1"/>
           </p:nvPr>
         </p:nvSpPr>
         <p:spPr>
@@ -3539,11 +3600,11 @@
           </a:prstGeom>
         </p:spPr>
         <p:txBody>
-          <a:bodyPr anchorCtr="0" anchor="t" bIns="91425" lIns="91425" spcFirstLastPara="1" rIns="91425" wrap="square" tIns="91425">
+          <a:bodyPr spcFirstLastPara="1" wrap="square" lIns="91425" tIns="91425" rIns="91425" bIns="91425" anchor="t" anchorCtr="0">
             <a:noAutofit/>
           </a:bodyPr>
           <a:lstStyle>
-            <a:lvl1pPr indent="-342900" lvl="0" marL="457200" rtl="0">
+            <a:lvl1pPr marL="457200" lvl="0" indent="-342900" rtl="0">
               <a:spcBef>
                 <a:spcPts val="0"/>
               </a:spcBef>
@@ -3554,7 +3615,7 @@
               <a:buChar char="●"/>
               <a:defRPr/>
             </a:lvl1pPr>
-            <a:lvl2pPr indent="-317500" lvl="1" marL="914400" rtl="0">
+            <a:lvl2pPr marL="914400" lvl="1" indent="-317500" rtl="0">
               <a:spcBef>
                 <a:spcPts val="1600"/>
               </a:spcBef>
@@ -3565,7 +3626,7 @@
               <a:buChar char="○"/>
               <a:defRPr/>
             </a:lvl2pPr>
-            <a:lvl3pPr indent="-317500" lvl="2" marL="1371600" rtl="0">
+            <a:lvl3pPr marL="1371600" lvl="2" indent="-317500" rtl="0">
               <a:spcBef>
                 <a:spcPts val="1600"/>
               </a:spcBef>
@@ -3576,7 +3637,7 @@
               <a:buChar char="■"/>
               <a:defRPr/>
             </a:lvl3pPr>
-            <a:lvl4pPr indent="-317500" lvl="3" marL="1828800" rtl="0">
+            <a:lvl4pPr marL="1828800" lvl="3" indent="-317500" rtl="0">
               <a:spcBef>
                 <a:spcPts val="1600"/>
               </a:spcBef>
@@ -3587,7 +3648,7 @@
               <a:buChar char="●"/>
               <a:defRPr/>
             </a:lvl4pPr>
-            <a:lvl5pPr indent="-317500" lvl="4" marL="2286000" rtl="0">
+            <a:lvl5pPr marL="2286000" lvl="4" indent="-317500" rtl="0">
               <a:spcBef>
                 <a:spcPts val="1600"/>
               </a:spcBef>
@@ -3598,7 +3659,7 @@
               <a:buChar char="○"/>
               <a:defRPr/>
             </a:lvl5pPr>
-            <a:lvl6pPr indent="-317500" lvl="5" marL="2743200" rtl="0">
+            <a:lvl6pPr marL="2743200" lvl="5" indent="-317500" rtl="0">
               <a:spcBef>
                 <a:spcPts val="1600"/>
               </a:spcBef>
@@ -3609,7 +3670,7 @@
               <a:buChar char="■"/>
               <a:defRPr/>
             </a:lvl6pPr>
-            <a:lvl7pPr indent="-317500" lvl="6" marL="3200400" rtl="0">
+            <a:lvl7pPr marL="3200400" lvl="6" indent="-317500" rtl="0">
               <a:spcBef>
                 <a:spcPts val="1600"/>
               </a:spcBef>
@@ -3620,7 +3681,7 @@
               <a:buChar char="●"/>
               <a:defRPr/>
             </a:lvl7pPr>
-            <a:lvl8pPr indent="-317500" lvl="7" marL="3657600" rtl="0">
+            <a:lvl8pPr marL="3657600" lvl="7" indent="-317500" rtl="0">
               <a:spcBef>
                 <a:spcPts val="1600"/>
               </a:spcBef>
@@ -3631,7 +3692,7 @@
               <a:buChar char="○"/>
               <a:defRPr/>
             </a:lvl8pPr>
-            <a:lvl9pPr indent="-317500" lvl="8" marL="4114800" rtl="0">
+            <a:lvl9pPr marL="4114800" lvl="8" indent="-317500" rtl="0">
               <a:spcBef>
                 <a:spcPts val="1600"/>
               </a:spcBef>
@@ -3643,15 +3704,19 @@
               <a:defRPr/>
             </a:lvl9pPr>
           </a:lstStyle>
-          <a:p/>
+          <a:p>
+            <a:endParaRPr/>
+          </a:p>
         </p:txBody>
       </p:sp>
       <p:sp>
         <p:nvSpPr>
           <p:cNvPr id="27" name="Google Shape;27;p4"/>
-          <p:cNvSpPr txBox="1"/>
+          <p:cNvSpPr txBox="1">
+            <a:spLocks noGrp="1"/>
+          </p:cNvSpPr>
           <p:nvPr>
-            <p:ph idx="12" type="sldNum"/>
+            <p:ph type="sldNum" idx="12"/>
           </p:nvPr>
         </p:nvSpPr>
         <p:spPr>
@@ -3664,7 +3729,7 @@
           </a:prstGeom>
         </p:spPr>
         <p:txBody>
-          <a:bodyPr anchorCtr="0" anchor="ctr" bIns="91425" lIns="91425" spcFirstLastPara="1" rIns="91425" wrap="square" tIns="91425">
+          <a:bodyPr spcFirstLastPara="1" wrap="square" lIns="91425" tIns="91425" rIns="91425" bIns="91425" anchor="ctr" anchorCtr="0">
             <a:noAutofit/>
           </a:bodyPr>
           <a:lstStyle>
@@ -3706,7 +3771,7 @@
             </a:lvl9pPr>
           </a:lstStyle>
           <a:p>
-            <a:pPr indent="0" lvl="0" marL="0" rtl="0" algn="r">
+            <a:pPr marL="0" lvl="0" indent="0" algn="r" rtl="0">
               <a:spcBef>
                 <a:spcPts val="0"/>
               </a:spcBef>
@@ -3732,11 +3797,11 @@
 </file>
 
 <file path=ppt/slideLayouts/slideLayout4.xml><?xml version="1.0" encoding="utf-8"?>
-<p:sldLayout xmlns:a="http://schemas.openxmlformats.org/drawingml/2006/main" xmlns:r="http://schemas.openxmlformats.org/officeDocument/2006/relationships" xmlns:mc="http://schemas.openxmlformats.org/markup-compatibility/2006" xmlns:mv="urn:schemas-microsoft-com:mac:vml" xmlns:p="http://schemas.openxmlformats.org/presentationml/2006/main" xmlns:c="http://schemas.openxmlformats.org/drawingml/2006/chart" xmlns:dgm="http://schemas.openxmlformats.org/drawingml/2006/diagram" xmlns:o="urn:schemas-microsoft-com:office:office" xmlns:v="urn:schemas-microsoft-com:vml" xmlns:pvml="urn:schemas-microsoft-com:office:powerpoint" xmlns:com="http://schemas.openxmlformats.org/drawingml/2006/compatibility" xmlns:p14="http://schemas.microsoft.com/office/powerpoint/2010/main" xmlns:p15="http://schemas.microsoft.com/office/powerpoint/2012/main" xmlns:ahyp="http://schemas.microsoft.com/office/drawing/2018/hyperlinkcolor" matchingName="Title and two columns" type="twoColTx">
+<p:sldLayout xmlns:a="http://schemas.openxmlformats.org/drawingml/2006/main" xmlns:r="http://schemas.openxmlformats.org/officeDocument/2006/relationships" xmlns:p="http://schemas.openxmlformats.org/presentationml/2006/main" matchingName="Title and two columns" type="twoColTx">
   <p:cSld name="TITLE_AND_TWO_COLUMNS">
     <p:spTree>
       <p:nvGrpSpPr>
-        <p:cNvPr id="28" name="Shape 28"/>
+        <p:cNvPr id="1" name="Shape 28"/>
         <p:cNvGrpSpPr/>
         <p:nvPr/>
       </p:nvGrpSpPr>
@@ -3763,14 +3828,14 @@
             <a:avLst/>
           </a:prstGeom>
           <a:noFill/>
-          <a:ln cap="flat" cmpd="sng" w="38100">
+          <a:ln w="38100" cap="flat" cmpd="sng">
             <a:solidFill>
               <a:schemeClr val="dk2"/>
             </a:solidFill>
             <a:prstDash val="solid"/>
             <a:round/>
-            <a:headEnd len="sm" w="sm" type="none"/>
-            <a:tailEnd len="sm" w="sm" type="none"/>
+            <a:headEnd type="none" w="sm" len="sm"/>
+            <a:tailEnd type="none" w="sm" len="sm"/>
           </a:ln>
         </p:spPr>
       </p:cxnSp>
@@ -3789,14 +3854,14 @@
             <a:avLst/>
           </a:prstGeom>
           <a:noFill/>
-          <a:ln cap="flat" cmpd="sng" w="19050">
+          <a:ln w="19050" cap="flat" cmpd="sng">
             <a:solidFill>
               <a:schemeClr val="dk2"/>
             </a:solidFill>
             <a:prstDash val="solid"/>
             <a:round/>
-            <a:headEnd len="sm" w="sm" type="none"/>
-            <a:tailEnd len="sm" w="sm" type="none"/>
+            <a:headEnd type="none" w="sm" len="sm"/>
+            <a:tailEnd type="none" w="sm" len="sm"/>
           </a:ln>
         </p:spPr>
       </p:cxnSp>
@@ -3815,21 +3880,23 @@
             <a:avLst/>
           </a:prstGeom>
           <a:noFill/>
-          <a:ln cap="flat" cmpd="sng" w="19050">
+          <a:ln w="19050" cap="flat" cmpd="sng">
             <a:solidFill>
               <a:schemeClr val="dk2"/>
             </a:solidFill>
             <a:prstDash val="solid"/>
             <a:round/>
-            <a:headEnd len="sm" w="sm" type="none"/>
-            <a:tailEnd len="sm" w="sm" type="none"/>
+            <a:headEnd type="none" w="sm" len="sm"/>
+            <a:tailEnd type="none" w="sm" len="sm"/>
           </a:ln>
         </p:spPr>
       </p:cxnSp>
       <p:sp>
         <p:nvSpPr>
           <p:cNvPr id="32" name="Google Shape;32;p5"/>
-          <p:cNvSpPr txBox="1"/>
+          <p:cNvSpPr txBox="1">
+            <a:spLocks noGrp="1"/>
+          </p:cNvSpPr>
           <p:nvPr>
             <p:ph type="title"/>
           </p:nvPr>
@@ -3844,7 +3911,7 @@
           </a:prstGeom>
         </p:spPr>
         <p:txBody>
-          <a:bodyPr anchorCtr="0" anchor="t" bIns="91425" lIns="91425" spcFirstLastPara="1" rIns="91425" wrap="square" tIns="91425">
+          <a:bodyPr spcFirstLastPara="1" wrap="square" lIns="91425" tIns="91425" rIns="91425" bIns="91425" anchor="t" anchorCtr="0">
             <a:noAutofit/>
           </a:bodyPr>
           <a:lstStyle>
@@ -3948,15 +4015,19 @@
               <a:defRPr/>
             </a:lvl9pPr>
           </a:lstStyle>
-          <a:p/>
+          <a:p>
+            <a:endParaRPr/>
+          </a:p>
         </p:txBody>
       </p:sp>
       <p:sp>
         <p:nvSpPr>
           <p:cNvPr id="33" name="Google Shape;33;p5"/>
-          <p:cNvSpPr txBox="1"/>
+          <p:cNvSpPr txBox="1">
+            <a:spLocks noGrp="1"/>
+          </p:cNvSpPr>
           <p:nvPr>
-            <p:ph idx="1" type="body"/>
+            <p:ph type="body" idx="1"/>
           </p:nvPr>
         </p:nvSpPr>
         <p:spPr>
@@ -3969,11 +4040,11 @@
           </a:prstGeom>
         </p:spPr>
         <p:txBody>
-          <a:bodyPr anchorCtr="0" anchor="t" bIns="91425" lIns="91425" spcFirstLastPara="1" rIns="91425" wrap="square" tIns="91425">
+          <a:bodyPr spcFirstLastPara="1" wrap="square" lIns="91425" tIns="91425" rIns="91425" bIns="91425" anchor="t" anchorCtr="0">
             <a:noAutofit/>
           </a:bodyPr>
           <a:lstStyle>
-            <a:lvl1pPr indent="-317500" lvl="0" marL="457200" rtl="0">
+            <a:lvl1pPr marL="457200" lvl="0" indent="-317500" rtl="0">
               <a:spcBef>
                 <a:spcPts val="0"/>
               </a:spcBef>
@@ -3984,7 +4055,7 @@
               <a:buChar char="●"/>
               <a:defRPr sz="1400"/>
             </a:lvl1pPr>
-            <a:lvl2pPr indent="-304800" lvl="1" marL="914400" rtl="0">
+            <a:lvl2pPr marL="914400" lvl="1" indent="-304800" rtl="0">
               <a:spcBef>
                 <a:spcPts val="1600"/>
               </a:spcBef>
@@ -3995,7 +4066,7 @@
               <a:buChar char="○"/>
               <a:defRPr sz="1200"/>
             </a:lvl2pPr>
-            <a:lvl3pPr indent="-304800" lvl="2" marL="1371600" rtl="0">
+            <a:lvl3pPr marL="1371600" lvl="2" indent="-304800" rtl="0">
               <a:spcBef>
                 <a:spcPts val="1600"/>
               </a:spcBef>
@@ -4006,7 +4077,7 @@
               <a:buChar char="■"/>
               <a:defRPr sz="1200"/>
             </a:lvl3pPr>
-            <a:lvl4pPr indent="-304800" lvl="3" marL="1828800" rtl="0">
+            <a:lvl4pPr marL="1828800" lvl="3" indent="-304800" rtl="0">
               <a:spcBef>
                 <a:spcPts val="1600"/>
               </a:spcBef>
@@ -4017,7 +4088,7 @@
               <a:buChar char="●"/>
               <a:defRPr sz="1200"/>
             </a:lvl4pPr>
-            <a:lvl5pPr indent="-304800" lvl="4" marL="2286000" rtl="0">
+            <a:lvl5pPr marL="2286000" lvl="4" indent="-304800" rtl="0">
               <a:spcBef>
                 <a:spcPts val="1600"/>
               </a:spcBef>
@@ -4028,7 +4099,7 @@
               <a:buChar char="○"/>
               <a:defRPr sz="1200"/>
             </a:lvl5pPr>
-            <a:lvl6pPr indent="-304800" lvl="5" marL="2743200" rtl="0">
+            <a:lvl6pPr marL="2743200" lvl="5" indent="-304800" rtl="0">
               <a:spcBef>
                 <a:spcPts val="1600"/>
               </a:spcBef>
@@ -4039,7 +4110,7 @@
               <a:buChar char="■"/>
               <a:defRPr sz="1200"/>
             </a:lvl6pPr>
-            <a:lvl7pPr indent="-304800" lvl="6" marL="3200400" rtl="0">
+            <a:lvl7pPr marL="3200400" lvl="6" indent="-304800" rtl="0">
               <a:spcBef>
                 <a:spcPts val="1600"/>
               </a:spcBef>
@@ -4050,7 +4121,7 @@
               <a:buChar char="●"/>
               <a:defRPr sz="1200"/>
             </a:lvl7pPr>
-            <a:lvl8pPr indent="-304800" lvl="7" marL="3657600" rtl="0">
+            <a:lvl8pPr marL="3657600" lvl="7" indent="-304800" rtl="0">
               <a:spcBef>
                 <a:spcPts val="1600"/>
               </a:spcBef>
@@ -4061,7 +4132,7 @@
               <a:buChar char="○"/>
               <a:defRPr sz="1200"/>
             </a:lvl8pPr>
-            <a:lvl9pPr indent="-304800" lvl="8" marL="4114800" rtl="0">
+            <a:lvl9pPr marL="4114800" lvl="8" indent="-304800" rtl="0">
               <a:spcBef>
                 <a:spcPts val="1600"/>
               </a:spcBef>
@@ -4073,15 +4144,19 @@
               <a:defRPr sz="1200"/>
             </a:lvl9pPr>
           </a:lstStyle>
-          <a:p/>
+          <a:p>
+            <a:endParaRPr/>
+          </a:p>
         </p:txBody>
       </p:sp>
       <p:sp>
         <p:nvSpPr>
           <p:cNvPr id="34" name="Google Shape;34;p5"/>
-          <p:cNvSpPr txBox="1"/>
+          <p:cNvSpPr txBox="1">
+            <a:spLocks noGrp="1"/>
+          </p:cNvSpPr>
           <p:nvPr>
-            <p:ph idx="2" type="body"/>
+            <p:ph type="body" idx="2"/>
           </p:nvPr>
         </p:nvSpPr>
         <p:spPr>
@@ -4094,11 +4169,11 @@
           </a:prstGeom>
         </p:spPr>
         <p:txBody>
-          <a:bodyPr anchorCtr="0" anchor="t" bIns="91425" lIns="91425" spcFirstLastPara="1" rIns="91425" wrap="square" tIns="91425">
+          <a:bodyPr spcFirstLastPara="1" wrap="square" lIns="91425" tIns="91425" rIns="91425" bIns="91425" anchor="t" anchorCtr="0">
             <a:noAutofit/>
           </a:bodyPr>
           <a:lstStyle>
-            <a:lvl1pPr indent="-317500" lvl="0" marL="457200" rtl="0">
+            <a:lvl1pPr marL="457200" lvl="0" indent="-317500" rtl="0">
               <a:spcBef>
                 <a:spcPts val="0"/>
               </a:spcBef>
@@ -4109,7 +4184,7 @@
               <a:buChar char="●"/>
               <a:defRPr sz="1400"/>
             </a:lvl1pPr>
-            <a:lvl2pPr indent="-304800" lvl="1" marL="914400" rtl="0">
+            <a:lvl2pPr marL="914400" lvl="1" indent="-304800" rtl="0">
               <a:spcBef>
                 <a:spcPts val="1600"/>
               </a:spcBef>
@@ -4120,7 +4195,7 @@
               <a:buChar char="○"/>
               <a:defRPr sz="1200"/>
             </a:lvl2pPr>
-            <a:lvl3pPr indent="-304800" lvl="2" marL="1371600" rtl="0">
+            <a:lvl3pPr marL="1371600" lvl="2" indent="-304800" rtl="0">
               <a:spcBef>
                 <a:spcPts val="1600"/>
               </a:spcBef>
@@ -4131,7 +4206,7 @@
               <a:buChar char="■"/>
               <a:defRPr sz="1200"/>
             </a:lvl3pPr>
-            <a:lvl4pPr indent="-304800" lvl="3" marL="1828800" rtl="0">
+            <a:lvl4pPr marL="1828800" lvl="3" indent="-304800" rtl="0">
               <a:spcBef>
                 <a:spcPts val="1600"/>
               </a:spcBef>
@@ -4142,7 +4217,7 @@
               <a:buChar char="●"/>
               <a:defRPr sz="1200"/>
             </a:lvl4pPr>
-            <a:lvl5pPr indent="-304800" lvl="4" marL="2286000" rtl="0">
+            <a:lvl5pPr marL="2286000" lvl="4" indent="-304800" rtl="0">
               <a:spcBef>
                 <a:spcPts val="1600"/>
               </a:spcBef>
@@ -4153,7 +4228,7 @@
               <a:buChar char="○"/>
               <a:defRPr sz="1200"/>
             </a:lvl5pPr>
-            <a:lvl6pPr indent="-304800" lvl="5" marL="2743200" rtl="0">
+            <a:lvl6pPr marL="2743200" lvl="5" indent="-304800" rtl="0">
               <a:spcBef>
                 <a:spcPts val="1600"/>
               </a:spcBef>
@@ -4164,7 +4239,7 @@
               <a:buChar char="■"/>
               <a:defRPr sz="1200"/>
             </a:lvl6pPr>
-            <a:lvl7pPr indent="-304800" lvl="6" marL="3200400" rtl="0">
+            <a:lvl7pPr marL="3200400" lvl="6" indent="-304800" rtl="0">
               <a:spcBef>
                 <a:spcPts val="1600"/>
               </a:spcBef>
@@ -4175,7 +4250,7 @@
               <a:buChar char="●"/>
               <a:defRPr sz="1200"/>
             </a:lvl7pPr>
-            <a:lvl8pPr indent="-304800" lvl="7" marL="3657600" rtl="0">
+            <a:lvl8pPr marL="3657600" lvl="7" indent="-304800" rtl="0">
               <a:spcBef>
                 <a:spcPts val="1600"/>
               </a:spcBef>
@@ -4186,7 +4261,7 @@
               <a:buChar char="○"/>
               <a:defRPr sz="1200"/>
             </a:lvl8pPr>
-            <a:lvl9pPr indent="-304800" lvl="8" marL="4114800" rtl="0">
+            <a:lvl9pPr marL="4114800" lvl="8" indent="-304800" rtl="0">
               <a:spcBef>
                 <a:spcPts val="1600"/>
               </a:spcBef>
@@ -4198,15 +4273,19 @@
               <a:defRPr sz="1200"/>
             </a:lvl9pPr>
           </a:lstStyle>
-          <a:p/>
+          <a:p>
+            <a:endParaRPr/>
+          </a:p>
         </p:txBody>
       </p:sp>
       <p:sp>
         <p:nvSpPr>
           <p:cNvPr id="35" name="Google Shape;35;p5"/>
-          <p:cNvSpPr txBox="1"/>
+          <p:cNvSpPr txBox="1">
+            <a:spLocks noGrp="1"/>
+          </p:cNvSpPr>
           <p:nvPr>
-            <p:ph idx="12" type="sldNum"/>
+            <p:ph type="sldNum" idx="12"/>
           </p:nvPr>
         </p:nvSpPr>
         <p:spPr>
@@ -4219,7 +4298,7 @@
           </a:prstGeom>
         </p:spPr>
         <p:txBody>
-          <a:bodyPr anchorCtr="0" anchor="ctr" bIns="91425" lIns="91425" spcFirstLastPara="1" rIns="91425" wrap="square" tIns="91425">
+          <a:bodyPr spcFirstLastPara="1" wrap="square" lIns="91425" tIns="91425" rIns="91425" bIns="91425" anchor="ctr" anchorCtr="0">
             <a:noAutofit/>
           </a:bodyPr>
           <a:lstStyle>
@@ -4261,7 +4340,7 @@
             </a:lvl9pPr>
           </a:lstStyle>
           <a:p>
-            <a:pPr indent="0" lvl="0" marL="0" rtl="0" algn="r">
+            <a:pPr marL="0" lvl="0" indent="0" algn="r" rtl="0">
               <a:spcBef>
                 <a:spcPts val="0"/>
               </a:spcBef>
@@ -4287,11 +4366,11 @@
 </file>
 
 <file path=ppt/slideLayouts/slideLayout5.xml><?xml version="1.0" encoding="utf-8"?>
-<p:sldLayout xmlns:a="http://schemas.openxmlformats.org/drawingml/2006/main" xmlns:r="http://schemas.openxmlformats.org/officeDocument/2006/relationships" xmlns:mc="http://schemas.openxmlformats.org/markup-compatibility/2006" xmlns:mv="urn:schemas-microsoft-com:mac:vml" xmlns:p="http://schemas.openxmlformats.org/presentationml/2006/main" xmlns:c="http://schemas.openxmlformats.org/drawingml/2006/chart" xmlns:dgm="http://schemas.openxmlformats.org/drawingml/2006/diagram" xmlns:o="urn:schemas-microsoft-com:office:office" xmlns:v="urn:schemas-microsoft-com:vml" xmlns:pvml="urn:schemas-microsoft-com:office:powerpoint" xmlns:com="http://schemas.openxmlformats.org/drawingml/2006/compatibility" xmlns:p14="http://schemas.microsoft.com/office/powerpoint/2010/main" xmlns:p15="http://schemas.microsoft.com/office/powerpoint/2012/main" xmlns:ahyp="http://schemas.microsoft.com/office/drawing/2018/hyperlinkcolor" matchingName="Title only" type="titleOnly">
+<p:sldLayout xmlns:a="http://schemas.openxmlformats.org/drawingml/2006/main" xmlns:r="http://schemas.openxmlformats.org/officeDocument/2006/relationships" xmlns:p="http://schemas.openxmlformats.org/presentationml/2006/main" matchingName="Title only" type="titleOnly">
   <p:cSld name="TITLE_ONLY">
     <p:spTree>
       <p:nvGrpSpPr>
-        <p:cNvPr id="36" name="Shape 36"/>
+        <p:cNvPr id="1" name="Shape 36"/>
         <p:cNvGrpSpPr/>
         <p:nvPr/>
       </p:nvGrpSpPr>
@@ -4306,7 +4385,9 @@
       <p:sp>
         <p:nvSpPr>
           <p:cNvPr id="37" name="Google Shape;37;p6"/>
-          <p:cNvSpPr txBox="1"/>
+          <p:cNvSpPr txBox="1">
+            <a:spLocks noGrp="1"/>
+          </p:cNvSpPr>
           <p:nvPr>
             <p:ph type="title"/>
           </p:nvPr>
@@ -4321,7 +4402,7 @@
           </a:prstGeom>
         </p:spPr>
         <p:txBody>
-          <a:bodyPr anchorCtr="0" anchor="t" bIns="91425" lIns="91425" spcFirstLastPara="1" rIns="91425" wrap="square" tIns="91425">
+          <a:bodyPr spcFirstLastPara="1" wrap="square" lIns="91425" tIns="91425" rIns="91425" bIns="91425" anchor="t" anchorCtr="0">
             <a:noAutofit/>
           </a:bodyPr>
           <a:lstStyle>
@@ -4425,15 +4506,19 @@
               <a:defRPr/>
             </a:lvl9pPr>
           </a:lstStyle>
-          <a:p/>
+          <a:p>
+            <a:endParaRPr/>
+          </a:p>
         </p:txBody>
       </p:sp>
       <p:sp>
         <p:nvSpPr>
           <p:cNvPr id="38" name="Google Shape;38;p6"/>
-          <p:cNvSpPr txBox="1"/>
+          <p:cNvSpPr txBox="1">
+            <a:spLocks noGrp="1"/>
+          </p:cNvSpPr>
           <p:nvPr>
-            <p:ph idx="12" type="sldNum"/>
+            <p:ph type="sldNum" idx="12"/>
           </p:nvPr>
         </p:nvSpPr>
         <p:spPr>
@@ -4446,7 +4531,7 @@
           </a:prstGeom>
         </p:spPr>
         <p:txBody>
-          <a:bodyPr anchorCtr="0" anchor="ctr" bIns="91425" lIns="91425" spcFirstLastPara="1" rIns="91425" wrap="square" tIns="91425">
+          <a:bodyPr spcFirstLastPara="1" wrap="square" lIns="91425" tIns="91425" rIns="91425" bIns="91425" anchor="ctr" anchorCtr="0">
             <a:noAutofit/>
           </a:bodyPr>
           <a:lstStyle>
@@ -4488,7 +4573,7 @@
             </a:lvl9pPr>
           </a:lstStyle>
           <a:p>
-            <a:pPr indent="0" lvl="0" marL="0" rtl="0" algn="r">
+            <a:pPr marL="0" lvl="0" indent="0" algn="r" rtl="0">
               <a:spcBef>
                 <a:spcPts val="0"/>
               </a:spcBef>
@@ -4514,11 +4599,11 @@
 </file>
 
 <file path=ppt/slideLayouts/slideLayout6.xml><?xml version="1.0" encoding="utf-8"?>
-<p:sldLayout xmlns:a="http://schemas.openxmlformats.org/drawingml/2006/main" xmlns:r="http://schemas.openxmlformats.org/officeDocument/2006/relationships" xmlns:mc="http://schemas.openxmlformats.org/markup-compatibility/2006" xmlns:mv="urn:schemas-microsoft-com:mac:vml" xmlns:p="http://schemas.openxmlformats.org/presentationml/2006/main" xmlns:c="http://schemas.openxmlformats.org/drawingml/2006/chart" xmlns:dgm="http://schemas.openxmlformats.org/drawingml/2006/diagram" xmlns:o="urn:schemas-microsoft-com:office:office" xmlns:v="urn:schemas-microsoft-com:vml" xmlns:pvml="urn:schemas-microsoft-com:office:powerpoint" xmlns:com="http://schemas.openxmlformats.org/drawingml/2006/compatibility" xmlns:p14="http://schemas.microsoft.com/office/powerpoint/2010/main" xmlns:p15="http://schemas.microsoft.com/office/powerpoint/2012/main" xmlns:ahyp="http://schemas.microsoft.com/office/drawing/2018/hyperlinkcolor" matchingName="One column text">
+<p:sldLayout xmlns:a="http://schemas.openxmlformats.org/drawingml/2006/main" xmlns:r="http://schemas.openxmlformats.org/officeDocument/2006/relationships" xmlns:p="http://schemas.openxmlformats.org/presentationml/2006/main" matchingName="One column text">
   <p:cSld name="ONE_COLUMN_TEXT">
     <p:spTree>
       <p:nvGrpSpPr>
-        <p:cNvPr id="39" name="Shape 39"/>
+        <p:cNvPr id="1" name="Shape 39"/>
         <p:cNvGrpSpPr/>
         <p:nvPr/>
       </p:nvGrpSpPr>
@@ -4545,21 +4630,23 @@
             <a:avLst/>
           </a:prstGeom>
           <a:noFill/>
-          <a:ln cap="flat" cmpd="sng" w="19050">
+          <a:ln w="19050" cap="flat" cmpd="sng">
             <a:solidFill>
               <a:schemeClr val="dk2"/>
             </a:solidFill>
             <a:prstDash val="solid"/>
             <a:round/>
-            <a:headEnd len="sm" w="sm" type="none"/>
-            <a:tailEnd len="sm" w="sm" type="none"/>
+            <a:headEnd type="none" w="sm" len="sm"/>
+            <a:tailEnd type="none" w="sm" len="sm"/>
           </a:ln>
         </p:spPr>
       </p:cxnSp>
       <p:sp>
         <p:nvSpPr>
           <p:cNvPr id="41" name="Google Shape;41;p7"/>
-          <p:cNvSpPr txBox="1"/>
+          <p:cNvSpPr txBox="1">
+            <a:spLocks noGrp="1"/>
+          </p:cNvSpPr>
           <p:nvPr>
             <p:ph type="title"/>
           </p:nvPr>
@@ -4574,7 +4661,7 @@
           </a:prstGeom>
         </p:spPr>
         <p:txBody>
-          <a:bodyPr anchorCtr="0" anchor="b" bIns="91425" lIns="91425" spcFirstLastPara="1" rIns="91425" wrap="square" tIns="91425">
+          <a:bodyPr spcFirstLastPara="1" wrap="square" lIns="91425" tIns="91425" rIns="91425" bIns="91425" anchor="b" anchorCtr="0">
             <a:noAutofit/>
           </a:bodyPr>
           <a:lstStyle>
@@ -4678,15 +4765,19 @@
               <a:defRPr sz="2400"/>
             </a:lvl9pPr>
           </a:lstStyle>
-          <a:p/>
+          <a:p>
+            <a:endParaRPr/>
+          </a:p>
         </p:txBody>
       </p:sp>
       <p:sp>
         <p:nvSpPr>
           <p:cNvPr id="42" name="Google Shape;42;p7"/>
-          <p:cNvSpPr txBox="1"/>
+          <p:cNvSpPr txBox="1">
+            <a:spLocks noGrp="1"/>
+          </p:cNvSpPr>
           <p:nvPr>
-            <p:ph idx="1" type="body"/>
+            <p:ph type="body" idx="1"/>
           </p:nvPr>
         </p:nvSpPr>
         <p:spPr>
@@ -4699,11 +4790,11 @@
           </a:prstGeom>
         </p:spPr>
         <p:txBody>
-          <a:bodyPr anchorCtr="0" anchor="t" bIns="91425" lIns="91425" spcFirstLastPara="1" rIns="91425" wrap="square" tIns="91425">
+          <a:bodyPr spcFirstLastPara="1" wrap="square" lIns="91425" tIns="91425" rIns="91425" bIns="91425" anchor="t" anchorCtr="0">
             <a:noAutofit/>
           </a:bodyPr>
           <a:lstStyle>
-            <a:lvl1pPr indent="-304800" lvl="0" marL="457200" rtl="0">
+            <a:lvl1pPr marL="457200" lvl="0" indent="-304800" rtl="0">
               <a:spcBef>
                 <a:spcPts val="0"/>
               </a:spcBef>
@@ -4714,7 +4805,7 @@
               <a:buChar char="●"/>
               <a:defRPr sz="1200"/>
             </a:lvl1pPr>
-            <a:lvl2pPr indent="-304800" lvl="1" marL="914400" rtl="0">
+            <a:lvl2pPr marL="914400" lvl="1" indent="-304800" rtl="0">
               <a:spcBef>
                 <a:spcPts val="1600"/>
               </a:spcBef>
@@ -4725,7 +4816,7 @@
               <a:buChar char="○"/>
               <a:defRPr sz="1200"/>
             </a:lvl2pPr>
-            <a:lvl3pPr indent="-304800" lvl="2" marL="1371600" rtl="0">
+            <a:lvl3pPr marL="1371600" lvl="2" indent="-304800" rtl="0">
               <a:spcBef>
                 <a:spcPts val="1600"/>
               </a:spcBef>
@@ -4736,7 +4827,7 @@
               <a:buChar char="■"/>
               <a:defRPr sz="1200"/>
             </a:lvl3pPr>
-            <a:lvl4pPr indent="-304800" lvl="3" marL="1828800" rtl="0">
+            <a:lvl4pPr marL="1828800" lvl="3" indent="-304800" rtl="0">
               <a:spcBef>
                 <a:spcPts val="1600"/>
               </a:spcBef>
@@ -4747,7 +4838,7 @@
               <a:buChar char="●"/>
               <a:defRPr sz="1200"/>
             </a:lvl4pPr>
-            <a:lvl5pPr indent="-304800" lvl="4" marL="2286000" rtl="0">
+            <a:lvl5pPr marL="2286000" lvl="4" indent="-304800" rtl="0">
               <a:spcBef>
                 <a:spcPts val="1600"/>
               </a:spcBef>
@@ -4758,7 +4849,7 @@
               <a:buChar char="○"/>
               <a:defRPr sz="1200"/>
             </a:lvl5pPr>
-            <a:lvl6pPr indent="-304800" lvl="5" marL="2743200" rtl="0">
+            <a:lvl6pPr marL="2743200" lvl="5" indent="-304800" rtl="0">
               <a:spcBef>
                 <a:spcPts val="1600"/>
               </a:spcBef>
@@ -4769,7 +4860,7 @@
               <a:buChar char="■"/>
               <a:defRPr sz="1200"/>
             </a:lvl6pPr>
-            <a:lvl7pPr indent="-304800" lvl="6" marL="3200400" rtl="0">
+            <a:lvl7pPr marL="3200400" lvl="6" indent="-304800" rtl="0">
               <a:spcBef>
                 <a:spcPts val="1600"/>
               </a:spcBef>
@@ -4780,7 +4871,7 @@
               <a:buChar char="●"/>
               <a:defRPr sz="1200"/>
             </a:lvl7pPr>
-            <a:lvl8pPr indent="-304800" lvl="7" marL="3657600" rtl="0">
+            <a:lvl8pPr marL="3657600" lvl="7" indent="-304800" rtl="0">
               <a:spcBef>
                 <a:spcPts val="1600"/>
               </a:spcBef>
@@ -4791,7 +4882,7 @@
               <a:buChar char="○"/>
               <a:defRPr sz="1200"/>
             </a:lvl8pPr>
-            <a:lvl9pPr indent="-304800" lvl="8" marL="4114800" rtl="0">
+            <a:lvl9pPr marL="4114800" lvl="8" indent="-304800" rtl="0">
               <a:spcBef>
                 <a:spcPts val="1600"/>
               </a:spcBef>
@@ -4803,15 +4894,19 @@
               <a:defRPr sz="1200"/>
             </a:lvl9pPr>
           </a:lstStyle>
-          <a:p/>
+          <a:p>
+            <a:endParaRPr/>
+          </a:p>
         </p:txBody>
       </p:sp>
       <p:sp>
         <p:nvSpPr>
           <p:cNvPr id="43" name="Google Shape;43;p7"/>
-          <p:cNvSpPr txBox="1"/>
+          <p:cNvSpPr txBox="1">
+            <a:spLocks noGrp="1"/>
+          </p:cNvSpPr>
           <p:nvPr>
-            <p:ph idx="12" type="sldNum"/>
+            <p:ph type="sldNum" idx="12"/>
           </p:nvPr>
         </p:nvSpPr>
         <p:spPr>
@@ -4824,7 +4919,7 @@
           </a:prstGeom>
         </p:spPr>
         <p:txBody>
-          <a:bodyPr anchorCtr="0" anchor="ctr" bIns="91425" lIns="91425" spcFirstLastPara="1" rIns="91425" wrap="square" tIns="91425">
+          <a:bodyPr spcFirstLastPara="1" wrap="square" lIns="91425" tIns="91425" rIns="91425" bIns="91425" anchor="ctr" anchorCtr="0">
             <a:noAutofit/>
           </a:bodyPr>
           <a:lstStyle>
@@ -4866,7 +4961,7 @@
             </a:lvl9pPr>
           </a:lstStyle>
           <a:p>
-            <a:pPr indent="0" lvl="0" marL="0" rtl="0" algn="r">
+            <a:pPr marL="0" lvl="0" indent="0" algn="r" rtl="0">
               <a:spcBef>
                 <a:spcPts val="0"/>
               </a:spcBef>
@@ -4892,18 +4987,19 @@
 </file>
 
 <file path=ppt/slideLayouts/slideLayout7.xml><?xml version="1.0" encoding="utf-8"?>
-<p:sldLayout xmlns:a="http://schemas.openxmlformats.org/drawingml/2006/main" xmlns:r="http://schemas.openxmlformats.org/officeDocument/2006/relationships" xmlns:mc="http://schemas.openxmlformats.org/markup-compatibility/2006" xmlns:mv="urn:schemas-microsoft-com:mac:vml" xmlns:p="http://schemas.openxmlformats.org/presentationml/2006/main" xmlns:c="http://schemas.openxmlformats.org/drawingml/2006/chart" xmlns:dgm="http://schemas.openxmlformats.org/drawingml/2006/diagram" xmlns:o="urn:schemas-microsoft-com:office:office" xmlns:v="urn:schemas-microsoft-com:vml" xmlns:pvml="urn:schemas-microsoft-com:office:powerpoint" xmlns:com="http://schemas.openxmlformats.org/drawingml/2006/compatibility" xmlns:p14="http://schemas.microsoft.com/office/powerpoint/2010/main" xmlns:p15="http://schemas.microsoft.com/office/powerpoint/2012/main" xmlns:ahyp="http://schemas.microsoft.com/office/drawing/2018/hyperlinkcolor" matchingName="Main point">
+<p:sldLayout xmlns:a="http://schemas.openxmlformats.org/drawingml/2006/main" xmlns:r="http://schemas.openxmlformats.org/officeDocument/2006/relationships" xmlns:p="http://schemas.openxmlformats.org/presentationml/2006/main" matchingName="Main point">
   <p:cSld name="MAIN_POINT">
     <p:bg>
       <p:bgPr>
         <a:solidFill>
           <a:srgbClr val="353535"/>
         </a:solidFill>
+        <a:effectLst/>
       </p:bgPr>
     </p:bg>
     <p:spTree>
       <p:nvGrpSpPr>
-        <p:cNvPr id="44" name="Shape 44"/>
+        <p:cNvPr id="1" name="Shape 44"/>
         <p:cNvGrpSpPr/>
         <p:nvPr/>
       </p:nvGrpSpPr>
@@ -4930,21 +5026,23 @@
             <a:avLst/>
           </a:prstGeom>
           <a:noFill/>
-          <a:ln cap="flat" cmpd="sng" w="19050">
+          <a:ln w="19050" cap="flat" cmpd="sng">
             <a:solidFill>
               <a:schemeClr val="lt1"/>
             </a:solidFill>
             <a:prstDash val="solid"/>
             <a:round/>
-            <a:headEnd len="sm" w="sm" type="none"/>
-            <a:tailEnd len="sm" w="sm" type="none"/>
+            <a:headEnd type="none" w="sm" len="sm"/>
+            <a:tailEnd type="none" w="sm" len="sm"/>
           </a:ln>
         </p:spPr>
       </p:cxnSp>
       <p:sp>
         <p:nvSpPr>
           <p:cNvPr id="46" name="Google Shape;46;p8"/>
-          <p:cNvSpPr txBox="1"/>
+          <p:cNvSpPr txBox="1">
+            <a:spLocks noGrp="1"/>
+          </p:cNvSpPr>
           <p:nvPr>
             <p:ph type="title"/>
           </p:nvPr>
@@ -4959,7 +5057,7 @@
           </a:prstGeom>
         </p:spPr>
         <p:txBody>
-          <a:bodyPr anchorCtr="0" anchor="ctr" bIns="91425" lIns="91425" spcFirstLastPara="1" rIns="91425" wrap="square" tIns="91425">
+          <a:bodyPr spcFirstLastPara="1" wrap="square" lIns="91425" tIns="91425" rIns="91425" bIns="91425" anchor="ctr" anchorCtr="0">
             <a:noAutofit/>
           </a:bodyPr>
           <a:lstStyle>
@@ -5126,15 +5224,19 @@
               </a:defRPr>
             </a:lvl9pPr>
           </a:lstStyle>
-          <a:p/>
+          <a:p>
+            <a:endParaRPr/>
+          </a:p>
         </p:txBody>
       </p:sp>
       <p:sp>
         <p:nvSpPr>
           <p:cNvPr id="47" name="Google Shape;47;p8"/>
-          <p:cNvSpPr txBox="1"/>
+          <p:cNvSpPr txBox="1">
+            <a:spLocks noGrp="1"/>
+          </p:cNvSpPr>
           <p:nvPr>
-            <p:ph idx="12" type="sldNum"/>
+            <p:ph type="sldNum" idx="12"/>
           </p:nvPr>
         </p:nvSpPr>
         <p:spPr>
@@ -5147,7 +5249,7 @@
           </a:prstGeom>
         </p:spPr>
         <p:txBody>
-          <a:bodyPr anchorCtr="0" anchor="ctr" bIns="91425" lIns="91425" spcFirstLastPara="1" rIns="91425" wrap="square" tIns="91425">
+          <a:bodyPr spcFirstLastPara="1" wrap="square" lIns="91425" tIns="91425" rIns="91425" bIns="91425" anchor="ctr" anchorCtr="0">
             <a:noAutofit/>
           </a:bodyPr>
           <a:lstStyle>
@@ -5225,7 +5327,7 @@
             </a:lvl9pPr>
           </a:lstStyle>
           <a:p>
-            <a:pPr indent="0" lvl="0" marL="0" rtl="0" algn="r">
+            <a:pPr marL="0" lvl="0" indent="0" algn="r" rtl="0">
               <a:spcBef>
                 <a:spcPts val="0"/>
               </a:spcBef>
@@ -5251,11 +5353,11 @@
 </file>
 
 <file path=ppt/slideLayouts/slideLayout8.xml><?xml version="1.0" encoding="utf-8"?>
-<p:sldLayout xmlns:a="http://schemas.openxmlformats.org/drawingml/2006/main" xmlns:r="http://schemas.openxmlformats.org/officeDocument/2006/relationships" xmlns:mc="http://schemas.openxmlformats.org/markup-compatibility/2006" xmlns:mv="urn:schemas-microsoft-com:mac:vml" xmlns:p="http://schemas.openxmlformats.org/presentationml/2006/main" xmlns:c="http://schemas.openxmlformats.org/drawingml/2006/chart" xmlns:dgm="http://schemas.openxmlformats.org/drawingml/2006/diagram" xmlns:o="urn:schemas-microsoft-com:office:office" xmlns:v="urn:schemas-microsoft-com:vml" xmlns:pvml="urn:schemas-microsoft-com:office:powerpoint" xmlns:com="http://schemas.openxmlformats.org/drawingml/2006/compatibility" xmlns:p14="http://schemas.microsoft.com/office/powerpoint/2010/main" xmlns:p15="http://schemas.microsoft.com/office/powerpoint/2012/main" xmlns:ahyp="http://schemas.microsoft.com/office/drawing/2018/hyperlinkcolor" matchingName="Section title and description">
+<p:sldLayout xmlns:a="http://schemas.openxmlformats.org/drawingml/2006/main" xmlns:r="http://schemas.openxmlformats.org/officeDocument/2006/relationships" xmlns:p="http://schemas.openxmlformats.org/presentationml/2006/main" matchingName="Section title and description">
   <p:cSld name="SECTION_TITLE_AND_DESCRIPTION">
     <p:spTree>
       <p:nvGrpSpPr>
-        <p:cNvPr id="48" name="Shape 48"/>
+        <p:cNvPr id="1" name="Shape 48"/>
         <p:cNvGrpSpPr/>
         <p:nvPr/>
       </p:nvGrpSpPr>
@@ -5289,12 +5391,12 @@
           </a:ln>
         </p:spPr>
         <p:txBody>
-          <a:bodyPr anchorCtr="0" anchor="ctr" bIns="91425" lIns="91425" spcFirstLastPara="1" rIns="91425" wrap="square" tIns="91425">
+          <a:bodyPr spcFirstLastPara="1" wrap="square" lIns="91425" tIns="91425" rIns="91425" bIns="91425" anchor="ctr" anchorCtr="0">
             <a:noAutofit/>
           </a:bodyPr>
           <a:lstStyle/>
           <a:p>
-            <a:pPr indent="0" lvl="0" marL="0" rtl="0" algn="l">
+            <a:pPr marL="0" lvl="0" indent="0" algn="l" rtl="0">
               <a:spcBef>
                 <a:spcPts val="0"/>
               </a:spcBef>
@@ -5303,9 +5405,6 @@
               </a:spcAft>
               <a:buNone/>
             </a:pPr>
-            <a:r>
-              <a:t/>
-            </a:r>
             <a:endParaRPr/>
           </a:p>
         </p:txBody>
@@ -5325,21 +5424,23 @@
             <a:avLst/>
           </a:prstGeom>
           <a:noFill/>
-          <a:ln cap="flat" cmpd="sng" w="19050">
+          <a:ln w="19050" cap="flat" cmpd="sng">
             <a:solidFill>
               <a:schemeClr val="lt1"/>
             </a:solidFill>
             <a:prstDash val="solid"/>
             <a:round/>
-            <a:headEnd len="sm" w="sm" type="none"/>
-            <a:tailEnd len="sm" w="sm" type="none"/>
+            <a:headEnd type="none" w="sm" len="sm"/>
+            <a:tailEnd type="none" w="sm" len="sm"/>
           </a:ln>
         </p:spPr>
       </p:cxnSp>
       <p:sp>
         <p:nvSpPr>
           <p:cNvPr id="51" name="Google Shape;51;p9"/>
-          <p:cNvSpPr txBox="1"/>
+          <p:cNvSpPr txBox="1">
+            <a:spLocks noGrp="1"/>
+          </p:cNvSpPr>
           <p:nvPr>
             <p:ph type="title"/>
           </p:nvPr>
@@ -5354,11 +5455,11 @@
           </a:prstGeom>
         </p:spPr>
         <p:txBody>
-          <a:bodyPr anchorCtr="0" anchor="b" bIns="91425" lIns="91425" spcFirstLastPara="1" rIns="91425" wrap="square" tIns="91425">
+          <a:bodyPr spcFirstLastPara="1" wrap="square" lIns="91425" tIns="91425" rIns="91425" bIns="91425" anchor="b" anchorCtr="0">
             <a:noAutofit/>
           </a:bodyPr>
           <a:lstStyle>
-            <a:lvl1pPr lvl="0" rtl="0" algn="ctr">
+            <a:lvl1pPr lvl="0" algn="ctr" rtl="0">
               <a:spcBef>
                 <a:spcPts val="0"/>
               </a:spcBef>
@@ -5376,7 +5477,7 @@
                 </a:solidFill>
               </a:defRPr>
             </a:lvl1pPr>
-            <a:lvl2pPr lvl="1" rtl="0" algn="ctr">
+            <a:lvl2pPr lvl="1" algn="ctr" rtl="0">
               <a:spcBef>
                 <a:spcPts val="0"/>
               </a:spcBef>
@@ -5394,7 +5495,7 @@
                 </a:solidFill>
               </a:defRPr>
             </a:lvl2pPr>
-            <a:lvl3pPr lvl="2" rtl="0" algn="ctr">
+            <a:lvl3pPr lvl="2" algn="ctr" rtl="0">
               <a:spcBef>
                 <a:spcPts val="0"/>
               </a:spcBef>
@@ -5412,7 +5513,7 @@
                 </a:solidFill>
               </a:defRPr>
             </a:lvl3pPr>
-            <a:lvl4pPr lvl="3" rtl="0" algn="ctr">
+            <a:lvl4pPr lvl="3" algn="ctr" rtl="0">
               <a:spcBef>
                 <a:spcPts val="0"/>
               </a:spcBef>
@@ -5430,7 +5531,7 @@
                 </a:solidFill>
               </a:defRPr>
             </a:lvl4pPr>
-            <a:lvl5pPr lvl="4" rtl="0" algn="ctr">
+            <a:lvl5pPr lvl="4" algn="ctr" rtl="0">
               <a:spcBef>
                 <a:spcPts val="0"/>
               </a:spcBef>
@@ -5448,7 +5549,7 @@
                 </a:solidFill>
               </a:defRPr>
             </a:lvl5pPr>
-            <a:lvl6pPr lvl="5" rtl="0" algn="ctr">
+            <a:lvl6pPr lvl="5" algn="ctr" rtl="0">
               <a:spcBef>
                 <a:spcPts val="0"/>
               </a:spcBef>
@@ -5466,7 +5567,7 @@
                 </a:solidFill>
               </a:defRPr>
             </a:lvl6pPr>
-            <a:lvl7pPr lvl="6" rtl="0" algn="ctr">
+            <a:lvl7pPr lvl="6" algn="ctr" rtl="0">
               <a:spcBef>
                 <a:spcPts val="0"/>
               </a:spcBef>
@@ -5484,7 +5585,7 @@
                 </a:solidFill>
               </a:defRPr>
             </a:lvl7pPr>
-            <a:lvl8pPr lvl="7" rtl="0" algn="ctr">
+            <a:lvl8pPr lvl="7" algn="ctr" rtl="0">
               <a:spcBef>
                 <a:spcPts val="0"/>
               </a:spcBef>
@@ -5502,7 +5603,7 @@
                 </a:solidFill>
               </a:defRPr>
             </a:lvl8pPr>
-            <a:lvl9pPr lvl="8" rtl="0" algn="ctr">
+            <a:lvl9pPr lvl="8" algn="ctr" rtl="0">
               <a:spcBef>
                 <a:spcPts val="0"/>
               </a:spcBef>
@@ -5521,15 +5622,19 @@
               </a:defRPr>
             </a:lvl9pPr>
           </a:lstStyle>
-          <a:p/>
+          <a:p>
+            <a:endParaRPr/>
+          </a:p>
         </p:txBody>
       </p:sp>
       <p:sp>
         <p:nvSpPr>
           <p:cNvPr id="52" name="Google Shape;52;p9"/>
-          <p:cNvSpPr txBox="1"/>
+          <p:cNvSpPr txBox="1">
+            <a:spLocks noGrp="1"/>
+          </p:cNvSpPr>
           <p:nvPr>
-            <p:ph idx="1" type="subTitle"/>
+            <p:ph type="subTitle" idx="1"/>
           </p:nvPr>
         </p:nvSpPr>
         <p:spPr>
@@ -5542,11 +5647,11 @@
           </a:prstGeom>
         </p:spPr>
         <p:txBody>
-          <a:bodyPr anchorCtr="0" anchor="t" bIns="91425" lIns="91425" spcFirstLastPara="1" rIns="91425" wrap="square" tIns="91425">
+          <a:bodyPr spcFirstLastPara="1" wrap="square" lIns="91425" tIns="91425" rIns="91425" bIns="91425" anchor="t" anchorCtr="0">
             <a:noAutofit/>
           </a:bodyPr>
           <a:lstStyle>
-            <a:lvl1pPr lvl="0" rtl="0" algn="ctr">
+            <a:lvl1pPr lvl="0" algn="ctr" rtl="0">
               <a:lnSpc>
                 <a:spcPct val="100000"/>
               </a:lnSpc>
@@ -5560,7 +5665,7 @@
               <a:buNone/>
               <a:defRPr sz="2100"/>
             </a:lvl1pPr>
-            <a:lvl2pPr lvl="1" rtl="0" algn="ctr">
+            <a:lvl2pPr lvl="1" algn="ctr" rtl="0">
               <a:lnSpc>
                 <a:spcPct val="100000"/>
               </a:lnSpc>
@@ -5574,7 +5679,7 @@
               <a:buNone/>
               <a:defRPr sz="2100"/>
             </a:lvl2pPr>
-            <a:lvl3pPr lvl="2" rtl="0" algn="ctr">
+            <a:lvl3pPr lvl="2" algn="ctr" rtl="0">
               <a:lnSpc>
                 <a:spcPct val="100000"/>
               </a:lnSpc>
@@ -5588,7 +5693,7 @@
               <a:buNone/>
               <a:defRPr sz="2100"/>
             </a:lvl3pPr>
-            <a:lvl4pPr lvl="3" rtl="0" algn="ctr">
+            <a:lvl4pPr lvl="3" algn="ctr" rtl="0">
               <a:lnSpc>
                 <a:spcPct val="100000"/>
               </a:lnSpc>
@@ -5602,7 +5707,7 @@
               <a:buNone/>
               <a:defRPr sz="2100"/>
             </a:lvl4pPr>
-            <a:lvl5pPr lvl="4" rtl="0" algn="ctr">
+            <a:lvl5pPr lvl="4" algn="ctr" rtl="0">
               <a:lnSpc>
                 <a:spcPct val="100000"/>
               </a:lnSpc>
@@ -5616,7 +5721,7 @@
               <a:buNone/>
               <a:defRPr sz="2100"/>
             </a:lvl5pPr>
-            <a:lvl6pPr lvl="5" rtl="0" algn="ctr">
+            <a:lvl6pPr lvl="5" algn="ctr" rtl="0">
               <a:lnSpc>
                 <a:spcPct val="100000"/>
               </a:lnSpc>
@@ -5630,7 +5735,7 @@
               <a:buNone/>
               <a:defRPr sz="2100"/>
             </a:lvl6pPr>
-            <a:lvl7pPr lvl="6" rtl="0" algn="ctr">
+            <a:lvl7pPr lvl="6" algn="ctr" rtl="0">
               <a:lnSpc>
                 <a:spcPct val="100000"/>
               </a:lnSpc>
@@ -5644,7 +5749,7 @@
               <a:buNone/>
               <a:defRPr sz="2100"/>
             </a:lvl7pPr>
-            <a:lvl8pPr lvl="7" rtl="0" algn="ctr">
+            <a:lvl8pPr lvl="7" algn="ctr" rtl="0">
               <a:lnSpc>
                 <a:spcPct val="100000"/>
               </a:lnSpc>
@@ -5658,7 +5763,7 @@
               <a:buNone/>
               <a:defRPr sz="2100"/>
             </a:lvl8pPr>
-            <a:lvl9pPr lvl="8" rtl="0" algn="ctr">
+            <a:lvl9pPr lvl="8" algn="ctr" rtl="0">
               <a:lnSpc>
                 <a:spcPct val="100000"/>
               </a:lnSpc>
@@ -5673,15 +5778,19 @@
               <a:defRPr sz="2100"/>
             </a:lvl9pPr>
           </a:lstStyle>
-          <a:p/>
+          <a:p>
+            <a:endParaRPr/>
+          </a:p>
         </p:txBody>
       </p:sp>
       <p:sp>
         <p:nvSpPr>
           <p:cNvPr id="53" name="Google Shape;53;p9"/>
-          <p:cNvSpPr txBox="1"/>
+          <p:cNvSpPr txBox="1">
+            <a:spLocks noGrp="1"/>
+          </p:cNvSpPr>
           <p:nvPr>
-            <p:ph idx="2" type="body"/>
+            <p:ph type="body" idx="2"/>
           </p:nvPr>
         </p:nvSpPr>
         <p:spPr>
@@ -5694,11 +5803,11 @@
           </a:prstGeom>
         </p:spPr>
         <p:txBody>
-          <a:bodyPr anchorCtr="0" anchor="ctr" bIns="91425" lIns="91425" spcFirstLastPara="1" rIns="91425" wrap="square" tIns="91425">
+          <a:bodyPr spcFirstLastPara="1" wrap="square" lIns="91425" tIns="91425" rIns="91425" bIns="91425" anchor="ctr" anchorCtr="0">
             <a:noAutofit/>
           </a:bodyPr>
           <a:lstStyle>
-            <a:lvl1pPr indent="-342900" lvl="0" marL="457200" rtl="0">
+            <a:lvl1pPr marL="457200" lvl="0" indent="-342900" rtl="0">
               <a:spcBef>
                 <a:spcPts val="0"/>
               </a:spcBef>
@@ -5716,7 +5825,7 @@
                 </a:solidFill>
               </a:defRPr>
             </a:lvl1pPr>
-            <a:lvl2pPr indent="-317500" lvl="1" marL="914400" rtl="0">
+            <a:lvl2pPr marL="914400" lvl="1" indent="-317500" rtl="0">
               <a:spcBef>
                 <a:spcPts val="1600"/>
               </a:spcBef>
@@ -5734,7 +5843,7 @@
                 </a:solidFill>
               </a:defRPr>
             </a:lvl2pPr>
-            <a:lvl3pPr indent="-317500" lvl="2" marL="1371600" rtl="0">
+            <a:lvl3pPr marL="1371600" lvl="2" indent="-317500" rtl="0">
               <a:spcBef>
                 <a:spcPts val="1600"/>
               </a:spcBef>
@@ -5752,7 +5861,7 @@
                 </a:solidFill>
               </a:defRPr>
             </a:lvl3pPr>
-            <a:lvl4pPr indent="-317500" lvl="3" marL="1828800" rtl="0">
+            <a:lvl4pPr marL="1828800" lvl="3" indent="-317500" rtl="0">
               <a:spcBef>
                 <a:spcPts val="1600"/>
               </a:spcBef>
@@ -5770,7 +5879,7 @@
                 </a:solidFill>
               </a:defRPr>
             </a:lvl4pPr>
-            <a:lvl5pPr indent="-317500" lvl="4" marL="2286000" rtl="0">
+            <a:lvl5pPr marL="2286000" lvl="4" indent="-317500" rtl="0">
               <a:spcBef>
                 <a:spcPts val="1600"/>
               </a:spcBef>
@@ -5788,7 +5897,7 @@
                 </a:solidFill>
               </a:defRPr>
             </a:lvl5pPr>
-            <a:lvl6pPr indent="-317500" lvl="5" marL="2743200" rtl="0">
+            <a:lvl6pPr marL="2743200" lvl="5" indent="-317500" rtl="0">
               <a:spcBef>
                 <a:spcPts val="1600"/>
               </a:spcBef>
@@ -5806,7 +5915,7 @@
                 </a:solidFill>
               </a:defRPr>
             </a:lvl6pPr>
-            <a:lvl7pPr indent="-317500" lvl="6" marL="3200400" rtl="0">
+            <a:lvl7pPr marL="3200400" lvl="6" indent="-317500" rtl="0">
               <a:spcBef>
                 <a:spcPts val="1600"/>
               </a:spcBef>
@@ -5824,7 +5933,7 @@
                 </a:solidFill>
               </a:defRPr>
             </a:lvl7pPr>
-            <a:lvl8pPr indent="-317500" lvl="7" marL="3657600" rtl="0">
+            <a:lvl8pPr marL="3657600" lvl="7" indent="-317500" rtl="0">
               <a:spcBef>
                 <a:spcPts val="1600"/>
               </a:spcBef>
@@ -5842,7 +5951,7 @@
                 </a:solidFill>
               </a:defRPr>
             </a:lvl8pPr>
-            <a:lvl9pPr indent="-317500" lvl="8" marL="4114800" rtl="0">
+            <a:lvl9pPr marL="4114800" lvl="8" indent="-317500" rtl="0">
               <a:spcBef>
                 <a:spcPts val="1600"/>
               </a:spcBef>
@@ -5861,15 +5970,19 @@
               </a:defRPr>
             </a:lvl9pPr>
           </a:lstStyle>
-          <a:p/>
+          <a:p>
+            <a:endParaRPr/>
+          </a:p>
         </p:txBody>
       </p:sp>
       <p:sp>
         <p:nvSpPr>
           <p:cNvPr id="54" name="Google Shape;54;p9"/>
-          <p:cNvSpPr txBox="1"/>
+          <p:cNvSpPr txBox="1">
+            <a:spLocks noGrp="1"/>
+          </p:cNvSpPr>
           <p:nvPr>
-            <p:ph idx="12" type="sldNum"/>
+            <p:ph type="sldNum" idx="12"/>
           </p:nvPr>
         </p:nvSpPr>
         <p:spPr>
@@ -5882,7 +5995,7 @@
           </a:prstGeom>
         </p:spPr>
         <p:txBody>
-          <a:bodyPr anchorCtr="0" anchor="ctr" bIns="91425" lIns="91425" spcFirstLastPara="1" rIns="91425" wrap="square" tIns="91425">
+          <a:bodyPr spcFirstLastPara="1" wrap="square" lIns="91425" tIns="91425" rIns="91425" bIns="91425" anchor="ctr" anchorCtr="0">
             <a:noAutofit/>
           </a:bodyPr>
           <a:lstStyle>
@@ -5960,7 +6073,7 @@
             </a:lvl9pPr>
           </a:lstStyle>
           <a:p>
-            <a:pPr indent="0" lvl="0" marL="0" rtl="0" algn="r">
+            <a:pPr marL="0" lvl="0" indent="0" algn="r" rtl="0">
               <a:spcBef>
                 <a:spcPts val="0"/>
               </a:spcBef>
@@ -5986,11 +6099,11 @@
 </file>
 
 <file path=ppt/slideLayouts/slideLayout9.xml><?xml version="1.0" encoding="utf-8"?>
-<p:sldLayout xmlns:a="http://schemas.openxmlformats.org/drawingml/2006/main" xmlns:r="http://schemas.openxmlformats.org/officeDocument/2006/relationships" xmlns:mc="http://schemas.openxmlformats.org/markup-compatibility/2006" xmlns:mv="urn:schemas-microsoft-com:mac:vml" xmlns:p="http://schemas.openxmlformats.org/presentationml/2006/main" xmlns:c="http://schemas.openxmlformats.org/drawingml/2006/chart" xmlns:dgm="http://schemas.openxmlformats.org/drawingml/2006/diagram" xmlns:o="urn:schemas-microsoft-com:office:office" xmlns:v="urn:schemas-microsoft-com:vml" xmlns:pvml="urn:schemas-microsoft-com:office:powerpoint" xmlns:com="http://schemas.openxmlformats.org/drawingml/2006/compatibility" xmlns:p14="http://schemas.microsoft.com/office/powerpoint/2010/main" xmlns:p15="http://schemas.microsoft.com/office/powerpoint/2012/main" xmlns:ahyp="http://schemas.microsoft.com/office/drawing/2018/hyperlinkcolor" matchingName="Caption">
+<p:sldLayout xmlns:a="http://schemas.openxmlformats.org/drawingml/2006/main" xmlns:r="http://schemas.openxmlformats.org/officeDocument/2006/relationships" xmlns:p="http://schemas.openxmlformats.org/presentationml/2006/main" matchingName="Caption">
   <p:cSld name="CAPTION_ONLY">
     <p:spTree>
       <p:nvGrpSpPr>
-        <p:cNvPr id="55" name="Shape 55"/>
+        <p:cNvPr id="1" name="Shape 55"/>
         <p:cNvGrpSpPr/>
         <p:nvPr/>
       </p:nvGrpSpPr>
@@ -6017,14 +6130,14 @@
             <a:avLst/>
           </a:prstGeom>
           <a:noFill/>
-          <a:ln cap="flat" cmpd="sng" w="19050">
+          <a:ln w="19050" cap="flat" cmpd="sng">
             <a:solidFill>
               <a:schemeClr val="dk2"/>
             </a:solidFill>
             <a:prstDash val="solid"/>
             <a:round/>
-            <a:headEnd len="sm" w="sm" type="none"/>
-            <a:tailEnd len="sm" w="sm" type="none"/>
+            <a:headEnd type="none" w="sm" len="sm"/>
+            <a:tailEnd type="none" w="sm" len="sm"/>
           </a:ln>
         </p:spPr>
       </p:cxnSp>
@@ -6043,23 +6156,25 @@
             <a:avLst/>
           </a:prstGeom>
           <a:noFill/>
-          <a:ln cap="flat" cmpd="sng" w="19050">
+          <a:ln w="19050" cap="flat" cmpd="sng">
             <a:solidFill>
               <a:schemeClr val="dk2"/>
             </a:solidFill>
             <a:prstDash val="solid"/>
             <a:round/>
-            <a:headEnd len="sm" w="sm" type="none"/>
-            <a:tailEnd len="sm" w="sm" type="none"/>
+            <a:headEnd type="none" w="sm" len="sm"/>
+            <a:tailEnd type="none" w="sm" len="sm"/>
           </a:ln>
         </p:spPr>
       </p:cxnSp>
       <p:sp>
         <p:nvSpPr>
           <p:cNvPr id="58" name="Google Shape;58;p10"/>
-          <p:cNvSpPr txBox="1"/>
+          <p:cNvSpPr txBox="1">
+            <a:spLocks noGrp="1"/>
+          </p:cNvSpPr>
           <p:nvPr>
-            <p:ph idx="1" type="body"/>
+            <p:ph type="body" idx="1"/>
           </p:nvPr>
         </p:nvSpPr>
         <p:spPr>
@@ -6072,11 +6187,11 @@
           </a:prstGeom>
         </p:spPr>
         <p:txBody>
-          <a:bodyPr anchorCtr="0" anchor="ctr" bIns="91425" lIns="91425" spcFirstLastPara="1" rIns="91425" wrap="square" tIns="91425">
+          <a:bodyPr spcFirstLastPara="1" wrap="square" lIns="91425" tIns="91425" rIns="91425" bIns="91425" anchor="ctr" anchorCtr="0">
             <a:noAutofit/>
           </a:bodyPr>
           <a:lstStyle>
-            <a:lvl1pPr indent="-228600" lvl="0" marL="457200" rtl="0">
+            <a:lvl1pPr marL="457200" lvl="0" indent="-228600" rtl="0">
               <a:lnSpc>
                 <a:spcPct val="100000"/>
               </a:lnSpc>
@@ -6091,15 +6206,19 @@
               <a:defRPr/>
             </a:lvl1pPr>
           </a:lstStyle>
-          <a:p/>
+          <a:p>
+            <a:endParaRPr/>
+          </a:p>
         </p:txBody>
       </p:sp>
       <p:sp>
         <p:nvSpPr>
           <p:cNvPr id="59" name="Google Shape;59;p10"/>
-          <p:cNvSpPr txBox="1"/>
+          <p:cNvSpPr txBox="1">
+            <a:spLocks noGrp="1"/>
+          </p:cNvSpPr>
           <p:nvPr>
-            <p:ph idx="12" type="sldNum"/>
+            <p:ph type="sldNum" idx="12"/>
           </p:nvPr>
         </p:nvSpPr>
         <p:spPr>
@@ -6112,7 +6231,7 @@
           </a:prstGeom>
         </p:spPr>
         <p:txBody>
-          <a:bodyPr anchorCtr="0" anchor="ctr" bIns="91425" lIns="91425" spcFirstLastPara="1" rIns="91425" wrap="square" tIns="91425">
+          <a:bodyPr spcFirstLastPara="1" wrap="square" lIns="91425" tIns="91425" rIns="91425" bIns="91425" anchor="ctr" anchorCtr="0">
             <a:noAutofit/>
           </a:bodyPr>
           <a:lstStyle>
@@ -6154,7 +6273,7 @@
             </a:lvl9pPr>
           </a:lstStyle>
           <a:p>
-            <a:pPr indent="0" lvl="0" marL="0" rtl="0" algn="r">
+            <a:pPr marL="0" lvl="0" indent="0" algn="r" rtl="0">
               <a:spcBef>
                 <a:spcPts val="0"/>
               </a:spcBef>
@@ -6180,18 +6299,19 @@
 </file>
 
 <file path=ppt/slideMasters/slideMaster1.xml><?xml version="1.0" encoding="utf-8"?>
-<p:sldMaster xmlns:a="http://schemas.openxmlformats.org/drawingml/2006/main" xmlns:r="http://schemas.openxmlformats.org/officeDocument/2006/relationships" xmlns:mc="http://schemas.openxmlformats.org/markup-compatibility/2006" xmlns:mv="urn:schemas-microsoft-com:mac:vml" xmlns:p="http://schemas.openxmlformats.org/presentationml/2006/main" xmlns:c="http://schemas.openxmlformats.org/drawingml/2006/chart" xmlns:dgm="http://schemas.openxmlformats.org/drawingml/2006/diagram" xmlns:o="urn:schemas-microsoft-com:office:office" xmlns:v="urn:schemas-microsoft-com:vml" xmlns:pvml="urn:schemas-microsoft-com:office:powerpoint" xmlns:com="http://schemas.openxmlformats.org/drawingml/2006/compatibility" xmlns:p14="http://schemas.microsoft.com/office/powerpoint/2010/main" xmlns:p15="http://schemas.microsoft.com/office/powerpoint/2012/main" xmlns:ahyp="http://schemas.microsoft.com/office/drawing/2018/hyperlinkcolor">
+<p:sldMaster xmlns:a="http://schemas.openxmlformats.org/drawingml/2006/main" xmlns:r="http://schemas.openxmlformats.org/officeDocument/2006/relationships" xmlns:p="http://schemas.openxmlformats.org/presentationml/2006/main">
   <p:cSld name="swiss-2">
     <p:bg>
       <p:bgPr>
         <a:solidFill>
           <a:schemeClr val="lt1"/>
         </a:solidFill>
+        <a:effectLst/>
       </p:bgPr>
     </p:bg>
     <p:spTree>
       <p:nvGrpSpPr>
-        <p:cNvPr id="5" name="Shape 5"/>
+        <p:cNvPr id="1" name="Shape 5"/>
         <p:cNvGrpSpPr/>
         <p:nvPr/>
       </p:nvGrpSpPr>
@@ -6206,7 +6326,9 @@
       <p:sp>
         <p:nvSpPr>
           <p:cNvPr id="6" name="Google Shape;6;p1"/>
-          <p:cNvSpPr txBox="1"/>
+          <p:cNvSpPr txBox="1">
+            <a:spLocks noGrp="1"/>
+          </p:cNvSpPr>
           <p:nvPr>
             <p:ph type="title"/>
           </p:nvPr>
@@ -6225,7 +6347,7 @@
           </a:ln>
         </p:spPr>
         <p:txBody>
-          <a:bodyPr anchorCtr="0" anchor="t" bIns="91425" lIns="91425" spcFirstLastPara="1" rIns="91425" wrap="square" tIns="91425">
+          <a:bodyPr spcFirstLastPara="1" wrap="square" lIns="91425" tIns="91425" rIns="91425" bIns="91425" anchor="t" anchorCtr="0">
             <a:noAutofit/>
           </a:bodyPr>
           <a:lstStyle>
@@ -6242,7 +6364,7 @@
               <a:buSzPts val="3000"/>
               <a:buFont typeface="Raleway"/>
               <a:buNone/>
-              <a:defRPr b="1" sz="3000">
+              <a:defRPr sz="3000" b="1">
                 <a:solidFill>
                   <a:schemeClr val="dk2"/>
                 </a:solidFill>
@@ -6265,7 +6387,7 @@
               <a:buSzPts val="3000"/>
               <a:buFont typeface="Raleway"/>
               <a:buNone/>
-              <a:defRPr b="1" sz="3000">
+              <a:defRPr sz="3000" b="1">
                 <a:solidFill>
                   <a:schemeClr val="dk2"/>
                 </a:solidFill>
@@ -6288,7 +6410,7 @@
               <a:buSzPts val="3000"/>
               <a:buFont typeface="Raleway"/>
               <a:buNone/>
-              <a:defRPr b="1" sz="3000">
+              <a:defRPr sz="3000" b="1">
                 <a:solidFill>
                   <a:schemeClr val="dk2"/>
                 </a:solidFill>
@@ -6311,7 +6433,7 @@
               <a:buSzPts val="3000"/>
               <a:buFont typeface="Raleway"/>
               <a:buNone/>
-              <a:defRPr b="1" sz="3000">
+              <a:defRPr sz="3000" b="1">
                 <a:solidFill>
                   <a:schemeClr val="dk2"/>
                 </a:solidFill>
@@ -6334,7 +6456,7 @@
               <a:buSzPts val="3000"/>
               <a:buFont typeface="Raleway"/>
               <a:buNone/>
-              <a:defRPr b="1" sz="3000">
+              <a:defRPr sz="3000" b="1">
                 <a:solidFill>
                   <a:schemeClr val="dk2"/>
                 </a:solidFill>
@@ -6357,7 +6479,7 @@
               <a:buSzPts val="3000"/>
               <a:buFont typeface="Raleway"/>
               <a:buNone/>
-              <a:defRPr b="1" sz="3000">
+              <a:defRPr sz="3000" b="1">
                 <a:solidFill>
                   <a:schemeClr val="dk2"/>
                 </a:solidFill>
@@ -6380,7 +6502,7 @@
               <a:buSzPts val="3000"/>
               <a:buFont typeface="Raleway"/>
               <a:buNone/>
-              <a:defRPr b="1" sz="3000">
+              <a:defRPr sz="3000" b="1">
                 <a:solidFill>
                   <a:schemeClr val="dk2"/>
                 </a:solidFill>
@@ -6403,7 +6525,7 @@
               <a:buSzPts val="3000"/>
               <a:buFont typeface="Raleway"/>
               <a:buNone/>
-              <a:defRPr b="1" sz="3000">
+              <a:defRPr sz="3000" b="1">
                 <a:solidFill>
                   <a:schemeClr val="dk2"/>
                 </a:solidFill>
@@ -6426,7 +6548,7 @@
               <a:buSzPts val="3000"/>
               <a:buFont typeface="Raleway"/>
               <a:buNone/>
-              <a:defRPr b="1" sz="3000">
+              <a:defRPr sz="3000" b="1">
                 <a:solidFill>
                   <a:schemeClr val="dk2"/>
                 </a:solidFill>
@@ -6437,15 +6559,19 @@
               </a:defRPr>
             </a:lvl9pPr>
           </a:lstStyle>
-          <a:p/>
+          <a:p>
+            <a:endParaRPr/>
+          </a:p>
         </p:txBody>
       </p:sp>
       <p:sp>
         <p:nvSpPr>
           <p:cNvPr id="7" name="Google Shape;7;p1"/>
-          <p:cNvSpPr txBox="1"/>
+          <p:cNvSpPr txBox="1">
+            <a:spLocks noGrp="1"/>
+          </p:cNvSpPr>
           <p:nvPr>
-            <p:ph idx="1" type="body"/>
+            <p:ph type="body" idx="1"/>
           </p:nvPr>
         </p:nvSpPr>
         <p:spPr>
@@ -6462,11 +6588,11 @@
           </a:ln>
         </p:spPr>
         <p:txBody>
-          <a:bodyPr anchorCtr="0" anchor="t" bIns="91425" lIns="91425" spcFirstLastPara="1" rIns="91425" wrap="square" tIns="91425">
+          <a:bodyPr spcFirstLastPara="1" wrap="square" lIns="91425" tIns="91425" rIns="91425" bIns="91425" anchor="t" anchorCtr="0">
             <a:noAutofit/>
           </a:bodyPr>
           <a:lstStyle>
-            <a:lvl1pPr indent="-342900" lvl="0" marL="457200" rtl="0">
+            <a:lvl1pPr marL="457200" lvl="0" indent="-342900" rtl="0">
               <a:lnSpc>
                 <a:spcPct val="115000"/>
               </a:lnSpc>
@@ -6492,7 +6618,7 @@
                 <a:sym typeface="Lato"/>
               </a:defRPr>
             </a:lvl1pPr>
-            <a:lvl2pPr indent="-317500" lvl="1" marL="914400" rtl="0">
+            <a:lvl2pPr marL="914400" lvl="1" indent="-317500" rtl="0">
               <a:lnSpc>
                 <a:spcPct val="115000"/>
               </a:lnSpc>
@@ -6518,7 +6644,7 @@
                 <a:sym typeface="Lato"/>
               </a:defRPr>
             </a:lvl2pPr>
-            <a:lvl3pPr indent="-317500" lvl="2" marL="1371600" rtl="0">
+            <a:lvl3pPr marL="1371600" lvl="2" indent="-317500" rtl="0">
               <a:lnSpc>
                 <a:spcPct val="115000"/>
               </a:lnSpc>
@@ -6544,7 +6670,7 @@
                 <a:sym typeface="Lato"/>
               </a:defRPr>
             </a:lvl3pPr>
-            <a:lvl4pPr indent="-317500" lvl="3" marL="1828800" rtl="0">
+            <a:lvl4pPr marL="1828800" lvl="3" indent="-317500" rtl="0">
               <a:lnSpc>
                 <a:spcPct val="115000"/>
               </a:lnSpc>
@@ -6570,7 +6696,7 @@
                 <a:sym typeface="Lato"/>
               </a:defRPr>
             </a:lvl4pPr>
-            <a:lvl5pPr indent="-317500" lvl="4" marL="2286000" rtl="0">
+            <a:lvl5pPr marL="2286000" lvl="4" indent="-317500" rtl="0">
               <a:lnSpc>
                 <a:spcPct val="115000"/>
               </a:lnSpc>
@@ -6596,7 +6722,7 @@
                 <a:sym typeface="Lato"/>
               </a:defRPr>
             </a:lvl5pPr>
-            <a:lvl6pPr indent="-317500" lvl="5" marL="2743200" rtl="0">
+            <a:lvl6pPr marL="2743200" lvl="5" indent="-317500" rtl="0">
               <a:lnSpc>
                 <a:spcPct val="115000"/>
               </a:lnSpc>
@@ -6622,7 +6748,7 @@
                 <a:sym typeface="Lato"/>
               </a:defRPr>
             </a:lvl6pPr>
-            <a:lvl7pPr indent="-317500" lvl="6" marL="3200400" rtl="0">
+            <a:lvl7pPr marL="3200400" lvl="6" indent="-317500" rtl="0">
               <a:lnSpc>
                 <a:spcPct val="115000"/>
               </a:lnSpc>
@@ -6648,7 +6774,7 @@
                 <a:sym typeface="Lato"/>
               </a:defRPr>
             </a:lvl7pPr>
-            <a:lvl8pPr indent="-317500" lvl="7" marL="3657600" rtl="0">
+            <a:lvl8pPr marL="3657600" lvl="7" indent="-317500" rtl="0">
               <a:lnSpc>
                 <a:spcPct val="115000"/>
               </a:lnSpc>
@@ -6674,7 +6800,7 @@
                 <a:sym typeface="Lato"/>
               </a:defRPr>
             </a:lvl8pPr>
-            <a:lvl9pPr indent="-317500" lvl="8" marL="4114800" rtl="0">
+            <a:lvl9pPr marL="4114800" lvl="8" indent="-317500" rtl="0">
               <a:lnSpc>
                 <a:spcPct val="115000"/>
               </a:lnSpc>
@@ -6701,15 +6827,19 @@
               </a:defRPr>
             </a:lvl9pPr>
           </a:lstStyle>
-          <a:p/>
+          <a:p>
+            <a:endParaRPr/>
+          </a:p>
         </p:txBody>
       </p:sp>
       <p:sp>
         <p:nvSpPr>
           <p:cNvPr id="8" name="Google Shape;8;p1"/>
-          <p:cNvSpPr txBox="1"/>
+          <p:cNvSpPr txBox="1">
+            <a:spLocks noGrp="1"/>
+          </p:cNvSpPr>
           <p:nvPr>
-            <p:ph idx="12" type="sldNum"/>
+            <p:ph type="sldNum" idx="12"/>
           </p:nvPr>
         </p:nvSpPr>
         <p:spPr>
@@ -6726,11 +6856,11 @@
           </a:ln>
         </p:spPr>
         <p:txBody>
-          <a:bodyPr anchorCtr="0" anchor="ctr" bIns="91425" lIns="91425" spcFirstLastPara="1" rIns="91425" wrap="square" tIns="91425">
+          <a:bodyPr spcFirstLastPara="1" wrap="square" lIns="91425" tIns="91425" rIns="91425" bIns="91425" anchor="ctr" anchorCtr="0">
             <a:noAutofit/>
           </a:bodyPr>
           <a:lstStyle>
-            <a:lvl1pPr lvl="0" rtl="0" algn="r">
+            <a:lvl1pPr lvl="0" algn="r" rtl="0">
               <a:buNone/>
               <a:defRPr sz="1000">
                 <a:solidFill>
@@ -6742,7 +6872,7 @@
                 <a:sym typeface="Lato"/>
               </a:defRPr>
             </a:lvl1pPr>
-            <a:lvl2pPr lvl="1" rtl="0" algn="r">
+            <a:lvl2pPr lvl="1" algn="r" rtl="0">
               <a:buNone/>
               <a:defRPr sz="1000">
                 <a:solidFill>
@@ -6754,7 +6884,7 @@
                 <a:sym typeface="Lato"/>
               </a:defRPr>
             </a:lvl2pPr>
-            <a:lvl3pPr lvl="2" rtl="0" algn="r">
+            <a:lvl3pPr lvl="2" algn="r" rtl="0">
               <a:buNone/>
               <a:defRPr sz="1000">
                 <a:solidFill>
@@ -6766,7 +6896,7 @@
                 <a:sym typeface="Lato"/>
               </a:defRPr>
             </a:lvl3pPr>
-            <a:lvl4pPr lvl="3" rtl="0" algn="r">
+            <a:lvl4pPr lvl="3" algn="r" rtl="0">
               <a:buNone/>
               <a:defRPr sz="1000">
                 <a:solidFill>
@@ -6778,7 +6908,7 @@
                 <a:sym typeface="Lato"/>
               </a:defRPr>
             </a:lvl4pPr>
-            <a:lvl5pPr lvl="4" rtl="0" algn="r">
+            <a:lvl5pPr lvl="4" algn="r" rtl="0">
               <a:buNone/>
               <a:defRPr sz="1000">
                 <a:solidFill>
@@ -6790,7 +6920,7 @@
                 <a:sym typeface="Lato"/>
               </a:defRPr>
             </a:lvl5pPr>
-            <a:lvl6pPr lvl="5" rtl="0" algn="r">
+            <a:lvl6pPr lvl="5" algn="r" rtl="0">
               <a:buNone/>
               <a:defRPr sz="1000">
                 <a:solidFill>
@@ -6802,7 +6932,7 @@
                 <a:sym typeface="Lato"/>
               </a:defRPr>
             </a:lvl6pPr>
-            <a:lvl7pPr lvl="6" rtl="0" algn="r">
+            <a:lvl7pPr lvl="6" algn="r" rtl="0">
               <a:buNone/>
               <a:defRPr sz="1000">
                 <a:solidFill>
@@ -6814,7 +6944,7 @@
                 <a:sym typeface="Lato"/>
               </a:defRPr>
             </a:lvl7pPr>
-            <a:lvl8pPr lvl="7" rtl="0" algn="r">
+            <a:lvl8pPr lvl="7" algn="r" rtl="0">
               <a:buNone/>
               <a:defRPr sz="1000">
                 <a:solidFill>
@@ -6826,7 +6956,7 @@
                 <a:sym typeface="Lato"/>
               </a:defRPr>
             </a:lvl8pPr>
-            <a:lvl9pPr lvl="8" rtl="0" algn="r">
+            <a:lvl9pPr lvl="8" algn="r" rtl="0">
               <a:buNone/>
               <a:defRPr sz="1000">
                 <a:solidFill>
@@ -6840,7 +6970,7 @@
             </a:lvl9pPr>
           </a:lstStyle>
           <a:p>
-            <a:pPr indent="0" lvl="0" marL="0" rtl="0" algn="r">
+            <a:pPr marL="0" lvl="0" indent="0" algn="r" rtl="0">
               <a:spcBef>
                 <a:spcPts val="0"/>
               </a:spcBef>
@@ -6859,7 +6989,7 @@
       </p:sp>
     </p:spTree>
   </p:cSld>
-  <p:clrMap accent1="accent1" accent2="accent2" accent3="accent3" accent4="accent4" accent5="accent5" accent6="accent6" bg1="lt1" bg2="dk2" tx1="dk1" tx2="lt2" folHlink="folHlink" hlink="hlink"/>
+  <p:clrMap bg1="lt1" tx1="dk1" bg2="dk2" tx2="lt2" accent1="accent1" accent2="accent2" accent3="accent3" accent4="accent4" accent5="accent5" accent6="accent6" hlink="hlink" folHlink="folHlink"/>
   <p:sldLayoutIdLst>
     <p:sldLayoutId id="2147483648" r:id="rId1"/>
     <p:sldLayoutId id="2147483649" r:id="rId2"/>
@@ -6873,10 +7003,10 @@
     <p:sldLayoutId id="2147483657" r:id="rId10"/>
     <p:sldLayoutId id="2147483658" r:id="rId11"/>
   </p:sldLayoutIdLst>
-  <p:hf dt="0" ftr="0" hdr="0" sldNum="0"/>
+  <p:hf sldNum="0" hdr="0" ftr="0" dt="0"/>
   <p:txStyles>
     <p:titleStyle>
-      <a:defPPr lvl="0" marR="0" rtl="0" algn="l">
+      <a:defPPr marR="0" lvl="0" algn="l" rtl="0">
         <a:lnSpc>
           <a:spcPct val="100000"/>
         </a:lnSpc>
@@ -6887,7 +7017,7 @@
           <a:spcPts val="0"/>
         </a:spcAft>
       </a:defPPr>
-      <a:lvl1pPr lvl="0" marR="0" rtl="0" algn="l">
+      <a:lvl1pPr marR="0" lvl="0" algn="l" rtl="0">
         <a:lnSpc>
           <a:spcPct val="100000"/>
         </a:lnSpc>
@@ -6901,7 +7031,7 @@
           <a:srgbClr val="000000"/>
         </a:buClr>
         <a:buFont typeface="Arial"/>
-        <a:defRPr b="0" i="0" sz="1400" u="none" cap="none" strike="noStrike">
+        <a:defRPr sz="1400" b="0" i="0" u="none" strike="noStrike" cap="none">
           <a:solidFill>
             <a:srgbClr val="000000"/>
           </a:solidFill>
@@ -6911,7 +7041,7 @@
           <a:sym typeface="Arial"/>
         </a:defRPr>
       </a:lvl1pPr>
-      <a:lvl2pPr lvl="1" marR="0" rtl="0" algn="l">
+      <a:lvl2pPr marR="0" lvl="1" algn="l" rtl="0">
         <a:lnSpc>
           <a:spcPct val="100000"/>
         </a:lnSpc>
@@ -6925,7 +7055,7 @@
           <a:srgbClr val="000000"/>
         </a:buClr>
         <a:buFont typeface="Arial"/>
-        <a:defRPr b="0" i="0" sz="1400" u="none" cap="none" strike="noStrike">
+        <a:defRPr sz="1400" b="0" i="0" u="none" strike="noStrike" cap="none">
           <a:solidFill>
             <a:srgbClr val="000000"/>
           </a:solidFill>
@@ -6935,7 +7065,7 @@
           <a:sym typeface="Arial"/>
         </a:defRPr>
       </a:lvl2pPr>
-      <a:lvl3pPr lvl="2" marR="0" rtl="0" algn="l">
+      <a:lvl3pPr marR="0" lvl="2" algn="l" rtl="0">
         <a:lnSpc>
           <a:spcPct val="100000"/>
         </a:lnSpc>
@@ -6949,7 +7079,7 @@
           <a:srgbClr val="000000"/>
         </a:buClr>
         <a:buFont typeface="Arial"/>
-        <a:defRPr b="0" i="0" sz="1400" u="none" cap="none" strike="noStrike">
+        <a:defRPr sz="1400" b="0" i="0" u="none" strike="noStrike" cap="none">
           <a:solidFill>
             <a:srgbClr val="000000"/>
           </a:solidFill>
@@ -6959,7 +7089,7 @@
           <a:sym typeface="Arial"/>
         </a:defRPr>
       </a:lvl3pPr>
-      <a:lvl4pPr lvl="3" marR="0" rtl="0" algn="l">
+      <a:lvl4pPr marR="0" lvl="3" algn="l" rtl="0">
         <a:lnSpc>
           <a:spcPct val="100000"/>
         </a:lnSpc>
@@ -6973,7 +7103,7 @@
           <a:srgbClr val="000000"/>
         </a:buClr>
         <a:buFont typeface="Arial"/>
-        <a:defRPr b="0" i="0" sz="1400" u="none" cap="none" strike="noStrike">
+        <a:defRPr sz="1400" b="0" i="0" u="none" strike="noStrike" cap="none">
           <a:solidFill>
             <a:srgbClr val="000000"/>
           </a:solidFill>
@@ -6983,7 +7113,7 @@
           <a:sym typeface="Arial"/>
         </a:defRPr>
       </a:lvl4pPr>
-      <a:lvl5pPr lvl="4" marR="0" rtl="0" algn="l">
+      <a:lvl5pPr marR="0" lvl="4" algn="l" rtl="0">
         <a:lnSpc>
           <a:spcPct val="100000"/>
         </a:lnSpc>
@@ -6997,7 +7127,7 @@
           <a:srgbClr val="000000"/>
         </a:buClr>
         <a:buFont typeface="Arial"/>
-        <a:defRPr b="0" i="0" sz="1400" u="none" cap="none" strike="noStrike">
+        <a:defRPr sz="1400" b="0" i="0" u="none" strike="noStrike" cap="none">
           <a:solidFill>
             <a:srgbClr val="000000"/>
           </a:solidFill>
@@ -7007,7 +7137,7 @@
           <a:sym typeface="Arial"/>
         </a:defRPr>
       </a:lvl5pPr>
-      <a:lvl6pPr lvl="5" marR="0" rtl="0" algn="l">
+      <a:lvl6pPr marR="0" lvl="5" algn="l" rtl="0">
         <a:lnSpc>
           <a:spcPct val="100000"/>
         </a:lnSpc>
@@ -7021,7 +7151,7 @@
           <a:srgbClr val="000000"/>
         </a:buClr>
         <a:buFont typeface="Arial"/>
-        <a:defRPr b="0" i="0" sz="1400" u="none" cap="none" strike="noStrike">
+        <a:defRPr sz="1400" b="0" i="0" u="none" strike="noStrike" cap="none">
           <a:solidFill>
             <a:srgbClr val="000000"/>
           </a:solidFill>
@@ -7031,7 +7161,7 @@
           <a:sym typeface="Arial"/>
         </a:defRPr>
       </a:lvl6pPr>
-      <a:lvl7pPr lvl="6" marR="0" rtl="0" algn="l">
+      <a:lvl7pPr marR="0" lvl="6" algn="l" rtl="0">
         <a:lnSpc>
           <a:spcPct val="100000"/>
         </a:lnSpc>
@@ -7045,7 +7175,7 @@
           <a:srgbClr val="000000"/>
         </a:buClr>
         <a:buFont typeface="Arial"/>
-        <a:defRPr b="0" i="0" sz="1400" u="none" cap="none" strike="noStrike">
+        <a:defRPr sz="1400" b="0" i="0" u="none" strike="noStrike" cap="none">
           <a:solidFill>
             <a:srgbClr val="000000"/>
           </a:solidFill>
@@ -7055,7 +7185,7 @@
           <a:sym typeface="Arial"/>
         </a:defRPr>
       </a:lvl7pPr>
-      <a:lvl8pPr lvl="7" marR="0" rtl="0" algn="l">
+      <a:lvl8pPr marR="0" lvl="7" algn="l" rtl="0">
         <a:lnSpc>
           <a:spcPct val="100000"/>
         </a:lnSpc>
@@ -7069,7 +7199,7 @@
           <a:srgbClr val="000000"/>
         </a:buClr>
         <a:buFont typeface="Arial"/>
-        <a:defRPr b="0" i="0" sz="1400" u="none" cap="none" strike="noStrike">
+        <a:defRPr sz="1400" b="0" i="0" u="none" strike="noStrike" cap="none">
           <a:solidFill>
             <a:srgbClr val="000000"/>
           </a:solidFill>
@@ -7079,7 +7209,7 @@
           <a:sym typeface="Arial"/>
         </a:defRPr>
       </a:lvl8pPr>
-      <a:lvl9pPr lvl="8" marR="0" rtl="0" algn="l">
+      <a:lvl9pPr marR="0" lvl="8" algn="l" rtl="0">
         <a:lnSpc>
           <a:spcPct val="100000"/>
         </a:lnSpc>
@@ -7093,7 +7223,7 @@
           <a:srgbClr val="000000"/>
         </a:buClr>
         <a:buFont typeface="Arial"/>
-        <a:defRPr b="0" i="0" sz="1400" u="none" cap="none" strike="noStrike">
+        <a:defRPr sz="1400" b="0" i="0" u="none" strike="noStrike" cap="none">
           <a:solidFill>
             <a:srgbClr val="000000"/>
           </a:solidFill>
@@ -7105,7 +7235,7 @@
       </a:lvl9pPr>
     </p:titleStyle>
     <p:bodyStyle>
-      <a:defPPr lvl="0" marR="0" rtl="0" algn="l">
+      <a:defPPr marR="0" lvl="0" algn="l" rtl="0">
         <a:lnSpc>
           <a:spcPct val="100000"/>
         </a:lnSpc>
@@ -7116,7 +7246,7 @@
           <a:spcPts val="0"/>
         </a:spcAft>
       </a:defPPr>
-      <a:lvl1pPr lvl="0" marR="0" rtl="0" algn="l">
+      <a:lvl1pPr marR="0" lvl="0" algn="l" rtl="0">
         <a:lnSpc>
           <a:spcPct val="100000"/>
         </a:lnSpc>
@@ -7130,7 +7260,7 @@
           <a:srgbClr val="000000"/>
         </a:buClr>
         <a:buFont typeface="Arial"/>
-        <a:defRPr b="0" i="0" sz="1400" u="none" cap="none" strike="noStrike">
+        <a:defRPr sz="1400" b="0" i="0" u="none" strike="noStrike" cap="none">
           <a:solidFill>
             <a:srgbClr val="000000"/>
           </a:solidFill>
@@ -7140,7 +7270,7 @@
           <a:sym typeface="Arial"/>
         </a:defRPr>
       </a:lvl1pPr>
-      <a:lvl2pPr lvl="1" marR="0" rtl="0" algn="l">
+      <a:lvl2pPr marR="0" lvl="1" algn="l" rtl="0">
         <a:lnSpc>
           <a:spcPct val="100000"/>
         </a:lnSpc>
@@ -7154,7 +7284,7 @@
           <a:srgbClr val="000000"/>
         </a:buClr>
         <a:buFont typeface="Arial"/>
-        <a:defRPr b="0" i="0" sz="1400" u="none" cap="none" strike="noStrike">
+        <a:defRPr sz="1400" b="0" i="0" u="none" strike="noStrike" cap="none">
           <a:solidFill>
             <a:srgbClr val="000000"/>
           </a:solidFill>
@@ -7164,7 +7294,7 @@
           <a:sym typeface="Arial"/>
         </a:defRPr>
       </a:lvl2pPr>
-      <a:lvl3pPr lvl="2" marR="0" rtl="0" algn="l">
+      <a:lvl3pPr marR="0" lvl="2" algn="l" rtl="0">
         <a:lnSpc>
           <a:spcPct val="100000"/>
         </a:lnSpc>
@@ -7178,7 +7308,7 @@
           <a:srgbClr val="000000"/>
         </a:buClr>
         <a:buFont typeface="Arial"/>
-        <a:defRPr b="0" i="0" sz="1400" u="none" cap="none" strike="noStrike">
+        <a:defRPr sz="1400" b="0" i="0" u="none" strike="noStrike" cap="none">
           <a:solidFill>
             <a:srgbClr val="000000"/>
           </a:solidFill>
@@ -7188,7 +7318,7 @@
           <a:sym typeface="Arial"/>
         </a:defRPr>
       </a:lvl3pPr>
-      <a:lvl4pPr lvl="3" marR="0" rtl="0" algn="l">
+      <a:lvl4pPr marR="0" lvl="3" algn="l" rtl="0">
         <a:lnSpc>
           <a:spcPct val="100000"/>
         </a:lnSpc>
@@ -7202,7 +7332,7 @@
           <a:srgbClr val="000000"/>
         </a:buClr>
         <a:buFont typeface="Arial"/>
-        <a:defRPr b="0" i="0" sz="1400" u="none" cap="none" strike="noStrike">
+        <a:defRPr sz="1400" b="0" i="0" u="none" strike="noStrike" cap="none">
           <a:solidFill>
             <a:srgbClr val="000000"/>
           </a:solidFill>
@@ -7212,7 +7342,7 @@
           <a:sym typeface="Arial"/>
         </a:defRPr>
       </a:lvl4pPr>
-      <a:lvl5pPr lvl="4" marR="0" rtl="0" algn="l">
+      <a:lvl5pPr marR="0" lvl="4" algn="l" rtl="0">
         <a:lnSpc>
           <a:spcPct val="100000"/>
         </a:lnSpc>
@@ -7226,7 +7356,7 @@
           <a:srgbClr val="000000"/>
         </a:buClr>
         <a:buFont typeface="Arial"/>
-        <a:defRPr b="0" i="0" sz="1400" u="none" cap="none" strike="noStrike">
+        <a:defRPr sz="1400" b="0" i="0" u="none" strike="noStrike" cap="none">
           <a:solidFill>
             <a:srgbClr val="000000"/>
           </a:solidFill>
@@ -7236,7 +7366,7 @@
           <a:sym typeface="Arial"/>
         </a:defRPr>
       </a:lvl5pPr>
-      <a:lvl6pPr lvl="5" marR="0" rtl="0" algn="l">
+      <a:lvl6pPr marR="0" lvl="5" algn="l" rtl="0">
         <a:lnSpc>
           <a:spcPct val="100000"/>
         </a:lnSpc>
@@ -7250,7 +7380,7 @@
           <a:srgbClr val="000000"/>
         </a:buClr>
         <a:buFont typeface="Arial"/>
-        <a:defRPr b="0" i="0" sz="1400" u="none" cap="none" strike="noStrike">
+        <a:defRPr sz="1400" b="0" i="0" u="none" strike="noStrike" cap="none">
           <a:solidFill>
             <a:srgbClr val="000000"/>
           </a:solidFill>
@@ -7260,7 +7390,7 @@
           <a:sym typeface="Arial"/>
         </a:defRPr>
       </a:lvl6pPr>
-      <a:lvl7pPr lvl="6" marR="0" rtl="0" algn="l">
+      <a:lvl7pPr marR="0" lvl="6" algn="l" rtl="0">
         <a:lnSpc>
           <a:spcPct val="100000"/>
         </a:lnSpc>
@@ -7274,7 +7404,7 @@
           <a:srgbClr val="000000"/>
         </a:buClr>
         <a:buFont typeface="Arial"/>
-        <a:defRPr b="0" i="0" sz="1400" u="none" cap="none" strike="noStrike">
+        <a:defRPr sz="1400" b="0" i="0" u="none" strike="noStrike" cap="none">
           <a:solidFill>
             <a:srgbClr val="000000"/>
           </a:solidFill>
@@ -7284,7 +7414,7 @@
           <a:sym typeface="Arial"/>
         </a:defRPr>
       </a:lvl7pPr>
-      <a:lvl8pPr lvl="7" marR="0" rtl="0" algn="l">
+      <a:lvl8pPr marR="0" lvl="7" algn="l" rtl="0">
         <a:lnSpc>
           <a:spcPct val="100000"/>
         </a:lnSpc>
@@ -7298,7 +7428,7 @@
           <a:srgbClr val="000000"/>
         </a:buClr>
         <a:buFont typeface="Arial"/>
-        <a:defRPr b="0" i="0" sz="1400" u="none" cap="none" strike="noStrike">
+        <a:defRPr sz="1400" b="0" i="0" u="none" strike="noStrike" cap="none">
           <a:solidFill>
             <a:srgbClr val="000000"/>
           </a:solidFill>
@@ -7308,7 +7438,7 @@
           <a:sym typeface="Arial"/>
         </a:defRPr>
       </a:lvl8pPr>
-      <a:lvl9pPr lvl="8" marR="0" rtl="0" algn="l">
+      <a:lvl9pPr marR="0" lvl="8" algn="l" rtl="0">
         <a:lnSpc>
           <a:spcPct val="100000"/>
         </a:lnSpc>
@@ -7322,7 +7452,7 @@
           <a:srgbClr val="000000"/>
         </a:buClr>
         <a:buFont typeface="Arial"/>
-        <a:defRPr b="0" i="0" sz="1400" u="none" cap="none" strike="noStrike">
+        <a:defRPr sz="1400" b="0" i="0" u="none" strike="noStrike" cap="none">
           <a:solidFill>
             <a:srgbClr val="000000"/>
           </a:solidFill>
@@ -7334,7 +7464,7 @@
       </a:lvl9pPr>
     </p:bodyStyle>
     <p:otherStyle>
-      <a:defPPr lvl="0" marR="0" rtl="0" algn="l">
+      <a:defPPr marR="0" lvl="0" algn="l" rtl="0">
         <a:lnSpc>
           <a:spcPct val="100000"/>
         </a:lnSpc>
@@ -7345,7 +7475,7 @@
           <a:spcPts val="0"/>
         </a:spcAft>
       </a:defPPr>
-      <a:lvl1pPr lvl="0" marR="0" rtl="0" algn="l">
+      <a:lvl1pPr marR="0" lvl="0" algn="l" rtl="0">
         <a:lnSpc>
           <a:spcPct val="100000"/>
         </a:lnSpc>
@@ -7359,7 +7489,7 @@
           <a:srgbClr val="000000"/>
         </a:buClr>
         <a:buFont typeface="Arial"/>
-        <a:defRPr b="0" i="0" sz="1400" u="none" cap="none" strike="noStrike">
+        <a:defRPr sz="1400" b="0" i="0" u="none" strike="noStrike" cap="none">
           <a:solidFill>
             <a:srgbClr val="000000"/>
           </a:solidFill>
@@ -7369,7 +7499,7 @@
           <a:sym typeface="Arial"/>
         </a:defRPr>
       </a:lvl1pPr>
-      <a:lvl2pPr lvl="1" marR="0" rtl="0" algn="l">
+      <a:lvl2pPr marR="0" lvl="1" algn="l" rtl="0">
         <a:lnSpc>
           <a:spcPct val="100000"/>
         </a:lnSpc>
@@ -7383,7 +7513,7 @@
           <a:srgbClr val="000000"/>
         </a:buClr>
         <a:buFont typeface="Arial"/>
-        <a:defRPr b="0" i="0" sz="1400" u="none" cap="none" strike="noStrike">
+        <a:defRPr sz="1400" b="0" i="0" u="none" strike="noStrike" cap="none">
           <a:solidFill>
             <a:srgbClr val="000000"/>
           </a:solidFill>
@@ -7393,7 +7523,7 @@
           <a:sym typeface="Arial"/>
         </a:defRPr>
       </a:lvl2pPr>
-      <a:lvl3pPr lvl="2" marR="0" rtl="0" algn="l">
+      <a:lvl3pPr marR="0" lvl="2" algn="l" rtl="0">
         <a:lnSpc>
           <a:spcPct val="100000"/>
         </a:lnSpc>
@@ -7407,7 +7537,7 @@
           <a:srgbClr val="000000"/>
         </a:buClr>
         <a:buFont typeface="Arial"/>
-        <a:defRPr b="0" i="0" sz="1400" u="none" cap="none" strike="noStrike">
+        <a:defRPr sz="1400" b="0" i="0" u="none" strike="noStrike" cap="none">
           <a:solidFill>
             <a:srgbClr val="000000"/>
           </a:solidFill>
@@ -7417,7 +7547,7 @@
           <a:sym typeface="Arial"/>
         </a:defRPr>
       </a:lvl3pPr>
-      <a:lvl4pPr lvl="3" marR="0" rtl="0" algn="l">
+      <a:lvl4pPr marR="0" lvl="3" algn="l" rtl="0">
         <a:lnSpc>
           <a:spcPct val="100000"/>
         </a:lnSpc>
@@ -7431,7 +7561,7 @@
           <a:srgbClr val="000000"/>
         </a:buClr>
         <a:buFont typeface="Arial"/>
-        <a:defRPr b="0" i="0" sz="1400" u="none" cap="none" strike="noStrike">
+        <a:defRPr sz="1400" b="0" i="0" u="none" strike="noStrike" cap="none">
           <a:solidFill>
             <a:srgbClr val="000000"/>
           </a:solidFill>
@@ -7441,7 +7571,7 @@
           <a:sym typeface="Arial"/>
         </a:defRPr>
       </a:lvl4pPr>
-      <a:lvl5pPr lvl="4" marR="0" rtl="0" algn="l">
+      <a:lvl5pPr marR="0" lvl="4" algn="l" rtl="0">
         <a:lnSpc>
           <a:spcPct val="100000"/>
         </a:lnSpc>
@@ -7455,7 +7585,7 @@
           <a:srgbClr val="000000"/>
         </a:buClr>
         <a:buFont typeface="Arial"/>
-        <a:defRPr b="0" i="0" sz="1400" u="none" cap="none" strike="noStrike">
+        <a:defRPr sz="1400" b="0" i="0" u="none" strike="noStrike" cap="none">
           <a:solidFill>
             <a:srgbClr val="000000"/>
           </a:solidFill>
@@ -7465,7 +7595,7 @@
           <a:sym typeface="Arial"/>
         </a:defRPr>
       </a:lvl5pPr>
-      <a:lvl6pPr lvl="5" marR="0" rtl="0" algn="l">
+      <a:lvl6pPr marR="0" lvl="5" algn="l" rtl="0">
         <a:lnSpc>
           <a:spcPct val="100000"/>
         </a:lnSpc>
@@ -7479,7 +7609,7 @@
           <a:srgbClr val="000000"/>
         </a:buClr>
         <a:buFont typeface="Arial"/>
-        <a:defRPr b="0" i="0" sz="1400" u="none" cap="none" strike="noStrike">
+        <a:defRPr sz="1400" b="0" i="0" u="none" strike="noStrike" cap="none">
           <a:solidFill>
             <a:srgbClr val="000000"/>
           </a:solidFill>
@@ -7489,7 +7619,7 @@
           <a:sym typeface="Arial"/>
         </a:defRPr>
       </a:lvl6pPr>
-      <a:lvl7pPr lvl="6" marR="0" rtl="0" algn="l">
+      <a:lvl7pPr marR="0" lvl="6" algn="l" rtl="0">
         <a:lnSpc>
           <a:spcPct val="100000"/>
         </a:lnSpc>
@@ -7503,7 +7633,7 @@
           <a:srgbClr val="000000"/>
         </a:buClr>
         <a:buFont typeface="Arial"/>
-        <a:defRPr b="0" i="0" sz="1400" u="none" cap="none" strike="noStrike">
+        <a:defRPr sz="1400" b="0" i="0" u="none" strike="noStrike" cap="none">
           <a:solidFill>
             <a:srgbClr val="000000"/>
           </a:solidFill>
@@ -7513,7 +7643,7 @@
           <a:sym typeface="Arial"/>
         </a:defRPr>
       </a:lvl7pPr>
-      <a:lvl8pPr lvl="7" marR="0" rtl="0" algn="l">
+      <a:lvl8pPr marR="0" lvl="7" algn="l" rtl="0">
         <a:lnSpc>
           <a:spcPct val="100000"/>
         </a:lnSpc>
@@ -7527,7 +7657,7 @@
           <a:srgbClr val="000000"/>
         </a:buClr>
         <a:buFont typeface="Arial"/>
-        <a:defRPr b="0" i="0" sz="1400" u="none" cap="none" strike="noStrike">
+        <a:defRPr sz="1400" b="0" i="0" u="none" strike="noStrike" cap="none">
           <a:solidFill>
             <a:srgbClr val="000000"/>
           </a:solidFill>
@@ -7537,7 +7667,7 @@
           <a:sym typeface="Arial"/>
         </a:defRPr>
       </a:lvl8pPr>
-      <a:lvl9pPr lvl="8" marR="0" rtl="0" algn="l">
+      <a:lvl9pPr marR="0" lvl="8" algn="l" rtl="0">
         <a:lnSpc>
           <a:spcPct val="100000"/>
         </a:lnSpc>
@@ -7551,7 +7681,7 @@
           <a:srgbClr val="000000"/>
         </a:buClr>
         <a:buFont typeface="Arial"/>
-        <a:defRPr b="0" i="0" sz="1400" u="none" cap="none" strike="noStrike">
+        <a:defRPr sz="1400" b="0" i="0" u="none" strike="noStrike" cap="none">
           <a:solidFill>
             <a:srgbClr val="000000"/>
           </a:solidFill>
@@ -7567,11 +7697,11 @@
 </file>
 
 <file path=ppt/slides/slide1.xml><?xml version="1.0" encoding="utf-8"?>
-<p:sld xmlns:a="http://schemas.openxmlformats.org/drawingml/2006/main" xmlns:r="http://schemas.openxmlformats.org/officeDocument/2006/relationships" xmlns:mc="http://schemas.openxmlformats.org/markup-compatibility/2006" xmlns:mv="urn:schemas-microsoft-com:mac:vml" xmlns:p="http://schemas.openxmlformats.org/presentationml/2006/main" xmlns:c="http://schemas.openxmlformats.org/drawingml/2006/chart" xmlns:dgm="http://schemas.openxmlformats.org/drawingml/2006/diagram" xmlns:o="urn:schemas-microsoft-com:office:office" xmlns:v="urn:schemas-microsoft-com:vml" xmlns:pvml="urn:schemas-microsoft-com:office:powerpoint" xmlns:com="http://schemas.openxmlformats.org/drawingml/2006/compatibility" xmlns:p14="http://schemas.microsoft.com/office/powerpoint/2010/main" xmlns:p15="http://schemas.microsoft.com/office/powerpoint/2012/main" xmlns:ahyp="http://schemas.microsoft.com/office/drawing/2018/hyperlinkcolor">
+<p:sld xmlns:a="http://schemas.openxmlformats.org/drawingml/2006/main" xmlns:r="http://schemas.openxmlformats.org/officeDocument/2006/relationships" xmlns:p="http://schemas.openxmlformats.org/presentationml/2006/main">
   <p:cSld>
     <p:spTree>
       <p:nvGrpSpPr>
-        <p:cNvPr id="71" name="Shape 71"/>
+        <p:cNvPr id="1" name="Shape 71"/>
         <p:cNvGrpSpPr/>
         <p:nvPr/>
       </p:nvGrpSpPr>
@@ -7586,7 +7716,9 @@
       <p:sp>
         <p:nvSpPr>
           <p:cNvPr id="72" name="Google Shape;72;p13"/>
-          <p:cNvSpPr txBox="1"/>
+          <p:cNvSpPr txBox="1">
+            <a:spLocks noGrp="1"/>
+          </p:cNvSpPr>
           <p:nvPr>
             <p:ph type="ctrTitle"/>
           </p:nvPr>
@@ -7601,12 +7733,12 @@
           </a:prstGeom>
         </p:spPr>
         <p:txBody>
-          <a:bodyPr anchorCtr="0" anchor="t" bIns="91425" lIns="91425" spcFirstLastPara="1" rIns="91425" wrap="square" tIns="91425">
+          <a:bodyPr spcFirstLastPara="1" wrap="square" lIns="91425" tIns="91425" rIns="91425" bIns="91425" anchor="t" anchorCtr="0">
             <a:noAutofit/>
           </a:bodyPr>
           <a:lstStyle/>
           <a:p>
-            <a:pPr indent="0" lvl="0" marL="0" rtl="0" algn="l">
+            <a:pPr marL="0" lvl="0" indent="0" algn="l" rtl="0">
               <a:spcBef>
                 <a:spcPts val="0"/>
               </a:spcBef>
@@ -7617,15 +7749,7 @@
             </a:pPr>
             <a:r>
               <a:rPr lang="en"/>
-              <a:t>The Savings  </a:t>
-            </a:r>
-            <a:r>
-              <a:rPr lang="en"/>
-              <a:t>Syndicate</a:t>
-            </a:r>
-            <a:r>
-              <a:rPr lang="en"/>
-              <a:t> </a:t>
+              <a:t>The Savings  Syndicate </a:t>
             </a:r>
             <a:endParaRPr/>
           </a:p>
@@ -7634,27 +7758,29 @@
       <p:sp>
         <p:nvSpPr>
           <p:cNvPr id="73" name="Google Shape;73;p13"/>
-          <p:cNvSpPr txBox="1"/>
+          <p:cNvSpPr txBox="1">
+            <a:spLocks noGrp="1"/>
+          </p:cNvSpPr>
           <p:nvPr>
-            <p:ph idx="1" type="subTitle"/>
+            <p:ph type="subTitle" idx="1"/>
           </p:nvPr>
         </p:nvSpPr>
         <p:spPr>
           <a:xfrm>
-            <a:off x="2390267" y="3238450"/>
-            <a:ext cx="6331500" cy="1241700"/>
+            <a:off x="1674159" y="2245658"/>
+            <a:ext cx="7047608" cy="946941"/>
           </a:xfrm>
           <a:prstGeom prst="rect">
             <a:avLst/>
           </a:prstGeom>
         </p:spPr>
         <p:txBody>
-          <a:bodyPr anchorCtr="0" anchor="b" bIns="91425" lIns="91425" spcFirstLastPara="1" rIns="91425" wrap="square" tIns="91425">
+          <a:bodyPr spcFirstLastPara="1" wrap="square" lIns="91425" tIns="91425" rIns="91425" bIns="91425" anchor="b" anchorCtr="0">
             <a:noAutofit/>
           </a:bodyPr>
           <a:lstStyle/>
           <a:p>
-            <a:pPr indent="0" lvl="0" marL="0" rtl="0" algn="l">
+            <a:pPr marL="0" lvl="0" indent="0" algn="l" rtl="0">
               <a:spcBef>
                 <a:spcPts val="0"/>
               </a:spcBef>
@@ -7664,10 +7790,303 @@
               <a:buNone/>
             </a:pPr>
             <a:r>
-              <a:rPr lang="en" sz="2400"/>
+              <a:rPr lang="en" sz="2400" dirty="0"/>
               <a:t>An innovative in way to have access to your dream</a:t>
             </a:r>
-            <a:endParaRPr b="1" sz="2400"/>
+          </a:p>
+        </p:txBody>
+      </p:sp>
+      <p:sp>
+        <p:nvSpPr>
+          <p:cNvPr id="2" name="Google Shape;73;p13">
+            <a:extLst>
+              <a:ext uri="{FF2B5EF4-FFF2-40B4-BE49-F238E27FC236}">
+                <a16:creationId xmlns:a16="http://schemas.microsoft.com/office/drawing/2014/main" id="{397F353D-A7C9-86E6-05C5-2F894F290490}"/>
+              </a:ext>
+            </a:extLst>
+          </p:cNvPr>
+          <p:cNvSpPr txBox="1">
+            <a:spLocks/>
+          </p:cNvSpPr>
+          <p:nvPr/>
+        </p:nvSpPr>
+        <p:spPr>
+          <a:xfrm>
+            <a:off x="1846730" y="3675529"/>
+            <a:ext cx="7047608" cy="946941"/>
+          </a:xfrm>
+          <a:prstGeom prst="rect">
+            <a:avLst/>
+          </a:prstGeom>
+          <a:noFill/>
+          <a:ln>
+            <a:noFill/>
+          </a:ln>
+        </p:spPr>
+        <p:txBody>
+          <a:bodyPr spcFirstLastPara="1" wrap="square" lIns="91425" tIns="91425" rIns="91425" bIns="91425" anchor="b" anchorCtr="0">
+            <a:noAutofit/>
+          </a:bodyPr>
+          <a:lstStyle>
+            <a:defPPr marR="0" lvl="0" algn="l" rtl="0">
+              <a:lnSpc>
+                <a:spcPct val="100000"/>
+              </a:lnSpc>
+              <a:spcBef>
+                <a:spcPts val="0"/>
+              </a:spcBef>
+              <a:spcAft>
+                <a:spcPts val="0"/>
+              </a:spcAft>
+            </a:defPPr>
+            <a:lvl1pPr marL="457200" marR="0" lvl="0" indent="-342900" algn="l" rtl="0">
+              <a:lnSpc>
+                <a:spcPct val="100000"/>
+              </a:lnSpc>
+              <a:spcBef>
+                <a:spcPts val="0"/>
+              </a:spcBef>
+              <a:spcAft>
+                <a:spcPts val="0"/>
+              </a:spcAft>
+              <a:buClr>
+                <a:schemeClr val="lt1"/>
+              </a:buClr>
+              <a:buSzPts val="1800"/>
+              <a:buFont typeface="Lato"/>
+              <a:buNone/>
+              <a:defRPr sz="1800" b="0" i="0" u="none" strike="noStrike" cap="none">
+                <a:solidFill>
+                  <a:schemeClr val="lt1"/>
+                </a:solidFill>
+                <a:latin typeface="Lato"/>
+                <a:ea typeface="Lato"/>
+                <a:cs typeface="Lato"/>
+                <a:sym typeface="Lato"/>
+              </a:defRPr>
+            </a:lvl1pPr>
+            <a:lvl2pPr marL="914400" marR="0" lvl="1" indent="-317500" algn="l" rtl="0">
+              <a:lnSpc>
+                <a:spcPct val="100000"/>
+              </a:lnSpc>
+              <a:spcBef>
+                <a:spcPts val="0"/>
+              </a:spcBef>
+              <a:spcAft>
+                <a:spcPts val="0"/>
+              </a:spcAft>
+              <a:buClr>
+                <a:schemeClr val="lt1"/>
+              </a:buClr>
+              <a:buSzPts val="1800"/>
+              <a:buFont typeface="Lato"/>
+              <a:buNone/>
+              <a:defRPr sz="1800" b="0" i="0" u="none" strike="noStrike" cap="none">
+                <a:solidFill>
+                  <a:schemeClr val="lt1"/>
+                </a:solidFill>
+                <a:latin typeface="Lato"/>
+                <a:ea typeface="Lato"/>
+                <a:cs typeface="Lato"/>
+                <a:sym typeface="Lato"/>
+              </a:defRPr>
+            </a:lvl2pPr>
+            <a:lvl3pPr marL="1371600" marR="0" lvl="2" indent="-317500" algn="l" rtl="0">
+              <a:lnSpc>
+                <a:spcPct val="100000"/>
+              </a:lnSpc>
+              <a:spcBef>
+                <a:spcPts val="0"/>
+              </a:spcBef>
+              <a:spcAft>
+                <a:spcPts val="0"/>
+              </a:spcAft>
+              <a:buClr>
+                <a:schemeClr val="lt1"/>
+              </a:buClr>
+              <a:buSzPts val="1800"/>
+              <a:buFont typeface="Lato"/>
+              <a:buNone/>
+              <a:defRPr sz="1800" b="0" i="0" u="none" strike="noStrike" cap="none">
+                <a:solidFill>
+                  <a:schemeClr val="lt1"/>
+                </a:solidFill>
+                <a:latin typeface="Lato"/>
+                <a:ea typeface="Lato"/>
+                <a:cs typeface="Lato"/>
+                <a:sym typeface="Lato"/>
+              </a:defRPr>
+            </a:lvl3pPr>
+            <a:lvl4pPr marL="1828800" marR="0" lvl="3" indent="-317500" algn="l" rtl="0">
+              <a:lnSpc>
+                <a:spcPct val="100000"/>
+              </a:lnSpc>
+              <a:spcBef>
+                <a:spcPts val="0"/>
+              </a:spcBef>
+              <a:spcAft>
+                <a:spcPts val="0"/>
+              </a:spcAft>
+              <a:buClr>
+                <a:schemeClr val="lt1"/>
+              </a:buClr>
+              <a:buSzPts val="1800"/>
+              <a:buFont typeface="Lato"/>
+              <a:buNone/>
+              <a:defRPr sz="1800" b="0" i="0" u="none" strike="noStrike" cap="none">
+                <a:solidFill>
+                  <a:schemeClr val="lt1"/>
+                </a:solidFill>
+                <a:latin typeface="Lato"/>
+                <a:ea typeface="Lato"/>
+                <a:cs typeface="Lato"/>
+                <a:sym typeface="Lato"/>
+              </a:defRPr>
+            </a:lvl4pPr>
+            <a:lvl5pPr marL="2286000" marR="0" lvl="4" indent="-317500" algn="l" rtl="0">
+              <a:lnSpc>
+                <a:spcPct val="100000"/>
+              </a:lnSpc>
+              <a:spcBef>
+                <a:spcPts val="0"/>
+              </a:spcBef>
+              <a:spcAft>
+                <a:spcPts val="0"/>
+              </a:spcAft>
+              <a:buClr>
+                <a:schemeClr val="lt1"/>
+              </a:buClr>
+              <a:buSzPts val="1800"/>
+              <a:buFont typeface="Lato"/>
+              <a:buNone/>
+              <a:defRPr sz="1800" b="0" i="0" u="none" strike="noStrike" cap="none">
+                <a:solidFill>
+                  <a:schemeClr val="lt1"/>
+                </a:solidFill>
+                <a:latin typeface="Lato"/>
+                <a:ea typeface="Lato"/>
+                <a:cs typeface="Lato"/>
+                <a:sym typeface="Lato"/>
+              </a:defRPr>
+            </a:lvl5pPr>
+            <a:lvl6pPr marL="2743200" marR="0" lvl="5" indent="-317500" algn="l" rtl="0">
+              <a:lnSpc>
+                <a:spcPct val="100000"/>
+              </a:lnSpc>
+              <a:spcBef>
+                <a:spcPts val="0"/>
+              </a:spcBef>
+              <a:spcAft>
+                <a:spcPts val="0"/>
+              </a:spcAft>
+              <a:buClr>
+                <a:schemeClr val="lt1"/>
+              </a:buClr>
+              <a:buSzPts val="1800"/>
+              <a:buFont typeface="Lato"/>
+              <a:buNone/>
+              <a:defRPr sz="1800" b="0" i="0" u="none" strike="noStrike" cap="none">
+                <a:solidFill>
+                  <a:schemeClr val="lt1"/>
+                </a:solidFill>
+                <a:latin typeface="Lato"/>
+                <a:ea typeface="Lato"/>
+                <a:cs typeface="Lato"/>
+                <a:sym typeface="Lato"/>
+              </a:defRPr>
+            </a:lvl6pPr>
+            <a:lvl7pPr marL="3200400" marR="0" lvl="6" indent="-317500" algn="l" rtl="0">
+              <a:lnSpc>
+                <a:spcPct val="100000"/>
+              </a:lnSpc>
+              <a:spcBef>
+                <a:spcPts val="0"/>
+              </a:spcBef>
+              <a:spcAft>
+                <a:spcPts val="0"/>
+              </a:spcAft>
+              <a:buClr>
+                <a:schemeClr val="lt1"/>
+              </a:buClr>
+              <a:buSzPts val="1800"/>
+              <a:buFont typeface="Lato"/>
+              <a:buNone/>
+              <a:defRPr sz="1800" b="0" i="0" u="none" strike="noStrike" cap="none">
+                <a:solidFill>
+                  <a:schemeClr val="lt1"/>
+                </a:solidFill>
+                <a:latin typeface="Lato"/>
+                <a:ea typeface="Lato"/>
+                <a:cs typeface="Lato"/>
+                <a:sym typeface="Lato"/>
+              </a:defRPr>
+            </a:lvl7pPr>
+            <a:lvl8pPr marL="3657600" marR="0" lvl="7" indent="-317500" algn="l" rtl="0">
+              <a:lnSpc>
+                <a:spcPct val="100000"/>
+              </a:lnSpc>
+              <a:spcBef>
+                <a:spcPts val="0"/>
+              </a:spcBef>
+              <a:spcAft>
+                <a:spcPts val="0"/>
+              </a:spcAft>
+              <a:buClr>
+                <a:schemeClr val="lt1"/>
+              </a:buClr>
+              <a:buSzPts val="1800"/>
+              <a:buFont typeface="Lato"/>
+              <a:buNone/>
+              <a:defRPr sz="1800" b="0" i="0" u="none" strike="noStrike" cap="none">
+                <a:solidFill>
+                  <a:schemeClr val="lt1"/>
+                </a:solidFill>
+                <a:latin typeface="Lato"/>
+                <a:ea typeface="Lato"/>
+                <a:cs typeface="Lato"/>
+                <a:sym typeface="Lato"/>
+              </a:defRPr>
+            </a:lvl8pPr>
+            <a:lvl9pPr marL="4114800" marR="0" lvl="8" indent="-317500" algn="l" rtl="0">
+              <a:lnSpc>
+                <a:spcPct val="100000"/>
+              </a:lnSpc>
+              <a:spcBef>
+                <a:spcPts val="0"/>
+              </a:spcBef>
+              <a:spcAft>
+                <a:spcPts val="0"/>
+              </a:spcAft>
+              <a:buClr>
+                <a:schemeClr val="lt1"/>
+              </a:buClr>
+              <a:buSzPts val="1800"/>
+              <a:buFont typeface="Lato"/>
+              <a:buNone/>
+              <a:defRPr sz="1800" b="0" i="0" u="none" strike="noStrike" cap="none">
+                <a:solidFill>
+                  <a:schemeClr val="lt1"/>
+                </a:solidFill>
+                <a:latin typeface="Lato"/>
+                <a:ea typeface="Lato"/>
+                <a:cs typeface="Lato"/>
+                <a:sym typeface="Lato"/>
+              </a:defRPr>
+            </a:lvl9pPr>
+          </a:lstStyle>
+          <a:p>
+            <a:pPr marL="0" indent="0" algn="r"/>
+            <a:r>
+              <a:rPr lang="en-GB" sz="2400" b="1" dirty="0"/>
+              <a:t>Group 13.</a:t>
+            </a:r>
+          </a:p>
+          <a:p>
+            <a:pPr marL="0" indent="0" algn="r"/>
+            <a:r>
+              <a:rPr lang="en-GB" sz="2400" b="1" dirty="0"/>
+              <a:t>Benjamin, Bruno, Mauricio, Ravi </a:t>
+            </a:r>
           </a:p>
         </p:txBody>
       </p:sp>
@@ -7680,11 +8099,11 @@
 </file>
 
 <file path=ppt/slides/slide2.xml><?xml version="1.0" encoding="utf-8"?>
-<p:sld xmlns:a="http://schemas.openxmlformats.org/drawingml/2006/main" xmlns:r="http://schemas.openxmlformats.org/officeDocument/2006/relationships" xmlns:mc="http://schemas.openxmlformats.org/markup-compatibility/2006" xmlns:mv="urn:schemas-microsoft-com:mac:vml" xmlns:p="http://schemas.openxmlformats.org/presentationml/2006/main" xmlns:c="http://schemas.openxmlformats.org/drawingml/2006/chart" xmlns:dgm="http://schemas.openxmlformats.org/drawingml/2006/diagram" xmlns:o="urn:schemas-microsoft-com:office:office" xmlns:v="urn:schemas-microsoft-com:vml" xmlns:pvml="urn:schemas-microsoft-com:office:powerpoint" xmlns:com="http://schemas.openxmlformats.org/drawingml/2006/compatibility" xmlns:p14="http://schemas.microsoft.com/office/powerpoint/2010/main" xmlns:p15="http://schemas.microsoft.com/office/powerpoint/2012/main" xmlns:ahyp="http://schemas.microsoft.com/office/drawing/2018/hyperlinkcolor">
+<p:sld xmlns:a="http://schemas.openxmlformats.org/drawingml/2006/main" xmlns:r="http://schemas.openxmlformats.org/officeDocument/2006/relationships" xmlns:p="http://schemas.openxmlformats.org/presentationml/2006/main">
   <p:cSld>
     <p:spTree>
       <p:nvGrpSpPr>
-        <p:cNvPr id="77" name="Shape 77"/>
+        <p:cNvPr id="1" name="Shape 77"/>
         <p:cNvGrpSpPr/>
         <p:nvPr/>
       </p:nvGrpSpPr>
@@ -7699,9 +8118,11 @@
       <p:sp>
         <p:nvSpPr>
           <p:cNvPr id="78" name="Google Shape;78;p14"/>
-          <p:cNvSpPr txBox="1"/>
+          <p:cNvSpPr txBox="1">
+            <a:spLocks noGrp="1"/>
+          </p:cNvSpPr>
           <p:nvPr>
-            <p:ph idx="4294967295" type="title"/>
+            <p:ph type="title" idx="4294967295"/>
           </p:nvPr>
         </p:nvSpPr>
         <p:spPr>
@@ -7714,12 +8135,12 @@
           </a:prstGeom>
         </p:spPr>
         <p:txBody>
-          <a:bodyPr anchorCtr="0" anchor="t" bIns="91425" lIns="91425" spcFirstLastPara="1" rIns="91425" wrap="square" tIns="91425">
+          <a:bodyPr spcFirstLastPara="1" wrap="square" lIns="91425" tIns="91425" rIns="91425" bIns="91425" anchor="t" anchorCtr="0">
             <a:noAutofit/>
           </a:bodyPr>
           <a:lstStyle/>
           <a:p>
-            <a:pPr indent="0" lvl="0" marL="0" rtl="0" algn="l">
+            <a:pPr marL="0" lvl="0" indent="0" algn="l" rtl="0">
               <a:spcBef>
                 <a:spcPts val="0"/>
               </a:spcBef>
@@ -7760,12 +8181,12 @@
           </a:ln>
         </p:spPr>
         <p:txBody>
-          <a:bodyPr anchorCtr="0" anchor="t" bIns="91425" lIns="91425" spcFirstLastPara="1" rIns="91425" wrap="square" tIns="91425">
+          <a:bodyPr spcFirstLastPara="1" wrap="square" lIns="91425" tIns="91425" rIns="91425" bIns="91425" anchor="t" anchorCtr="0">
             <a:spAutoFit/>
           </a:bodyPr>
           <a:lstStyle/>
           <a:p>
-            <a:pPr indent="-317500" lvl="0" marL="457200" rtl="0" algn="l">
+            <a:pPr marL="457200" lvl="0" indent="-317500" algn="l" rtl="0">
               <a:spcBef>
                 <a:spcPts val="0"/>
               </a:spcBef>
@@ -7793,7 +8214,7 @@
             </a:endParaRPr>
           </a:p>
           <a:p>
-            <a:pPr indent="-317500" lvl="1" marL="914400" rtl="0" algn="l">
+            <a:pPr marL="914400" lvl="1" indent="-317500" algn="l" rtl="0">
               <a:spcBef>
                 <a:spcPts val="0"/>
               </a:spcBef>
@@ -7821,7 +8242,7 @@
             </a:endParaRPr>
           </a:p>
           <a:p>
-            <a:pPr indent="0" lvl="0" marL="914400" rtl="0" algn="l">
+            <a:pPr marL="914400" lvl="0" indent="0" algn="l" rtl="0">
               <a:spcBef>
                 <a:spcPts val="0"/>
               </a:spcBef>
@@ -7830,9 +8251,6 @@
               </a:spcAft>
               <a:buNone/>
             </a:pPr>
-            <a:r>
-              <a:t/>
-            </a:r>
             <a:endParaRPr>
               <a:latin typeface="Lato"/>
               <a:ea typeface="Lato"/>
@@ -7841,7 +8259,7 @@
             </a:endParaRPr>
           </a:p>
           <a:p>
-            <a:pPr indent="-317500" lvl="1" marL="914400" rtl="0" algn="l">
+            <a:pPr marL="914400" lvl="1" indent="-317500" algn="l" rtl="0">
               <a:spcBef>
                 <a:spcPts val="0"/>
               </a:spcBef>
@@ -7869,7 +8287,7 @@
             </a:endParaRPr>
           </a:p>
           <a:p>
-            <a:pPr indent="0" lvl="0" marL="914400" rtl="0" algn="l">
+            <a:pPr marL="914400" lvl="0" indent="0" algn="l" rtl="0">
               <a:spcBef>
                 <a:spcPts val="0"/>
               </a:spcBef>
@@ -7878,9 +8296,6 @@
               </a:spcAft>
               <a:buNone/>
             </a:pPr>
-            <a:r>
-              <a:t/>
-            </a:r>
             <a:endParaRPr>
               <a:latin typeface="Lato"/>
               <a:ea typeface="Lato"/>
@@ -7889,7 +8304,7 @@
             </a:endParaRPr>
           </a:p>
           <a:p>
-            <a:pPr indent="-317500" lvl="1" marL="914400" rtl="0" algn="l">
+            <a:pPr marL="914400" lvl="1" indent="-317500" algn="l" rtl="0">
               <a:spcBef>
                 <a:spcPts val="0"/>
               </a:spcBef>
@@ -7917,7 +8332,7 @@
             </a:endParaRPr>
           </a:p>
           <a:p>
-            <a:pPr indent="0" lvl="0" marL="914400" rtl="0" algn="l">
+            <a:pPr marL="914400" lvl="0" indent="0" algn="l" rtl="0">
               <a:spcBef>
                 <a:spcPts val="0"/>
               </a:spcBef>
@@ -7926,9 +8341,6 @@
               </a:spcAft>
               <a:buNone/>
             </a:pPr>
-            <a:r>
-              <a:t/>
-            </a:r>
             <a:endParaRPr>
               <a:latin typeface="Lato"/>
               <a:ea typeface="Lato"/>
@@ -7937,7 +8349,7 @@
             </a:endParaRPr>
           </a:p>
           <a:p>
-            <a:pPr indent="-317500" lvl="1" marL="914400" rtl="0" algn="l">
+            <a:pPr marL="914400" lvl="1" indent="-317500" algn="l" rtl="0">
               <a:spcBef>
                 <a:spcPts val="0"/>
               </a:spcBef>
@@ -7965,7 +8377,7 @@
             </a:endParaRPr>
           </a:p>
           <a:p>
-            <a:pPr indent="0" lvl="0" marL="914400" rtl="0" algn="l">
+            <a:pPr marL="914400" lvl="0" indent="0" algn="l" rtl="0">
               <a:spcBef>
                 <a:spcPts val="0"/>
               </a:spcBef>
@@ -7974,9 +8386,6 @@
               </a:spcAft>
               <a:buNone/>
             </a:pPr>
-            <a:r>
-              <a:t/>
-            </a:r>
             <a:endParaRPr>
               <a:latin typeface="Lato"/>
               <a:ea typeface="Lato"/>
@@ -7985,7 +8394,7 @@
             </a:endParaRPr>
           </a:p>
           <a:p>
-            <a:pPr indent="-317500" lvl="1" marL="914400" rtl="0" algn="l">
+            <a:pPr marL="914400" lvl="1" indent="-317500" algn="l" rtl="0">
               <a:spcBef>
                 <a:spcPts val="0"/>
               </a:spcBef>
@@ -8051,11 +8460,11 @@
 </file>
 
 <file path=ppt/slides/slide3.xml><?xml version="1.0" encoding="utf-8"?>
-<p:sld xmlns:a="http://schemas.openxmlformats.org/drawingml/2006/main" xmlns:r="http://schemas.openxmlformats.org/officeDocument/2006/relationships" xmlns:mc="http://schemas.openxmlformats.org/markup-compatibility/2006" xmlns:mv="urn:schemas-microsoft-com:mac:vml" xmlns:p="http://schemas.openxmlformats.org/presentationml/2006/main" xmlns:c="http://schemas.openxmlformats.org/drawingml/2006/chart" xmlns:dgm="http://schemas.openxmlformats.org/drawingml/2006/diagram" xmlns:o="urn:schemas-microsoft-com:office:office" xmlns:v="urn:schemas-microsoft-com:vml" xmlns:pvml="urn:schemas-microsoft-com:office:powerpoint" xmlns:com="http://schemas.openxmlformats.org/drawingml/2006/compatibility" xmlns:p14="http://schemas.microsoft.com/office/powerpoint/2010/main" xmlns:p15="http://schemas.microsoft.com/office/powerpoint/2012/main" xmlns:ahyp="http://schemas.microsoft.com/office/drawing/2018/hyperlinkcolor">
+<p:sld xmlns:a="http://schemas.openxmlformats.org/drawingml/2006/main" xmlns:r="http://schemas.openxmlformats.org/officeDocument/2006/relationships" xmlns:p="http://schemas.openxmlformats.org/presentationml/2006/main">
   <p:cSld>
     <p:spTree>
       <p:nvGrpSpPr>
-        <p:cNvPr id="84" name="Shape 84"/>
+        <p:cNvPr id="1" name="Shape 84"/>
         <p:cNvGrpSpPr/>
         <p:nvPr/>
       </p:nvGrpSpPr>
@@ -8070,9 +8479,11 @@
       <p:sp>
         <p:nvSpPr>
           <p:cNvPr id="85" name="Google Shape;85;p15"/>
-          <p:cNvSpPr txBox="1"/>
+          <p:cNvSpPr txBox="1">
+            <a:spLocks noGrp="1"/>
+          </p:cNvSpPr>
           <p:nvPr>
-            <p:ph idx="4294967295" type="title"/>
+            <p:ph type="title" idx="4294967295"/>
           </p:nvPr>
         </p:nvSpPr>
         <p:spPr>
@@ -8085,12 +8496,12 @@
           </a:prstGeom>
         </p:spPr>
         <p:txBody>
-          <a:bodyPr anchorCtr="0" anchor="t" bIns="91425" lIns="91425" spcFirstLastPara="1" rIns="91425" wrap="square" tIns="91425">
+          <a:bodyPr spcFirstLastPara="1" wrap="square" lIns="91425" tIns="91425" rIns="91425" bIns="91425" anchor="t" anchorCtr="0">
             <a:noAutofit/>
           </a:bodyPr>
           <a:lstStyle/>
           <a:p>
-            <a:pPr indent="0" lvl="0" marL="0" rtl="0" algn="l">
+            <a:pPr marL="0" lvl="0" indent="0" algn="l" rtl="0">
               <a:spcBef>
                 <a:spcPts val="0"/>
               </a:spcBef>
@@ -8176,11 +8587,11 @@
 </file>
 
 <file path=ppt/slides/slide4.xml><?xml version="1.0" encoding="utf-8"?>
-<p:sld xmlns:a="http://schemas.openxmlformats.org/drawingml/2006/main" xmlns:r="http://schemas.openxmlformats.org/officeDocument/2006/relationships" xmlns:mc="http://schemas.openxmlformats.org/markup-compatibility/2006" xmlns:mv="urn:schemas-microsoft-com:mac:vml" xmlns:p="http://schemas.openxmlformats.org/presentationml/2006/main" xmlns:c="http://schemas.openxmlformats.org/drawingml/2006/chart" xmlns:dgm="http://schemas.openxmlformats.org/drawingml/2006/diagram" xmlns:o="urn:schemas-microsoft-com:office:office" xmlns:v="urn:schemas-microsoft-com:vml" xmlns:pvml="urn:schemas-microsoft-com:office:powerpoint" xmlns:com="http://schemas.openxmlformats.org/drawingml/2006/compatibility" xmlns:p14="http://schemas.microsoft.com/office/powerpoint/2010/main" xmlns:p15="http://schemas.microsoft.com/office/powerpoint/2012/main" xmlns:ahyp="http://schemas.microsoft.com/office/drawing/2018/hyperlinkcolor">
+<p:sld xmlns:a="http://schemas.openxmlformats.org/drawingml/2006/main" xmlns:r="http://schemas.openxmlformats.org/officeDocument/2006/relationships" xmlns:p="http://schemas.openxmlformats.org/presentationml/2006/main">
   <p:cSld>
     <p:spTree>
       <p:nvGrpSpPr>
-        <p:cNvPr id="91" name="Shape 91"/>
+        <p:cNvPr id="1" name="Shape 91"/>
         <p:cNvGrpSpPr/>
         <p:nvPr/>
       </p:nvGrpSpPr>
@@ -8195,9 +8606,11 @@
       <p:sp>
         <p:nvSpPr>
           <p:cNvPr id="92" name="Google Shape;92;p16"/>
-          <p:cNvSpPr txBox="1"/>
+          <p:cNvSpPr txBox="1">
+            <a:spLocks noGrp="1"/>
+          </p:cNvSpPr>
           <p:nvPr>
-            <p:ph idx="4294967295" type="title"/>
+            <p:ph type="title" idx="4294967295"/>
           </p:nvPr>
         </p:nvSpPr>
         <p:spPr>
@@ -8210,12 +8623,12 @@
           </a:prstGeom>
         </p:spPr>
         <p:txBody>
-          <a:bodyPr anchorCtr="0" anchor="t" bIns="91425" lIns="91425" spcFirstLastPara="1" rIns="91425" wrap="square" tIns="91425">
+          <a:bodyPr spcFirstLastPara="1" wrap="square" lIns="91425" tIns="91425" rIns="91425" bIns="91425" anchor="t" anchorCtr="0">
             <a:noAutofit/>
           </a:bodyPr>
           <a:lstStyle/>
           <a:p>
-            <a:pPr indent="0" lvl="0" marL="0" rtl="0" algn="l">
+            <a:pPr marL="0" lvl="0" indent="0" algn="l" rtl="0">
               <a:spcBef>
                 <a:spcPts val="0"/>
               </a:spcBef>
@@ -8273,11 +8686,11 @@
 </file>
 
 <file path=ppt/slides/slide5.xml><?xml version="1.0" encoding="utf-8"?>
-<p:sld xmlns:a="http://schemas.openxmlformats.org/drawingml/2006/main" xmlns:r="http://schemas.openxmlformats.org/officeDocument/2006/relationships" xmlns:mc="http://schemas.openxmlformats.org/markup-compatibility/2006" xmlns:mv="urn:schemas-microsoft-com:mac:vml" xmlns:p="http://schemas.openxmlformats.org/presentationml/2006/main" xmlns:c="http://schemas.openxmlformats.org/drawingml/2006/chart" xmlns:dgm="http://schemas.openxmlformats.org/drawingml/2006/diagram" xmlns:o="urn:schemas-microsoft-com:office:office" xmlns:v="urn:schemas-microsoft-com:vml" xmlns:pvml="urn:schemas-microsoft-com:office:powerpoint" xmlns:com="http://schemas.openxmlformats.org/drawingml/2006/compatibility" xmlns:p14="http://schemas.microsoft.com/office/powerpoint/2010/main" xmlns:p15="http://schemas.microsoft.com/office/powerpoint/2012/main" xmlns:ahyp="http://schemas.microsoft.com/office/drawing/2018/hyperlinkcolor">
+<p:sld xmlns:a="http://schemas.openxmlformats.org/drawingml/2006/main" xmlns:r="http://schemas.openxmlformats.org/officeDocument/2006/relationships" xmlns:p="http://schemas.openxmlformats.org/presentationml/2006/main">
   <p:cSld>
     <p:spTree>
       <p:nvGrpSpPr>
-        <p:cNvPr id="97" name="Shape 97"/>
+        <p:cNvPr id="1" name="Shape 97"/>
         <p:cNvGrpSpPr/>
         <p:nvPr/>
       </p:nvGrpSpPr>
@@ -8292,9 +8705,11 @@
       <p:sp>
         <p:nvSpPr>
           <p:cNvPr id="98" name="Google Shape;98;p17"/>
-          <p:cNvSpPr txBox="1"/>
+          <p:cNvSpPr txBox="1">
+            <a:spLocks noGrp="1"/>
+          </p:cNvSpPr>
           <p:nvPr>
-            <p:ph idx="4294967295" type="title"/>
+            <p:ph type="title" idx="4294967295"/>
           </p:nvPr>
         </p:nvSpPr>
         <p:spPr>
@@ -8307,12 +8722,12 @@
           </a:prstGeom>
         </p:spPr>
         <p:txBody>
-          <a:bodyPr anchorCtr="0" anchor="t" bIns="91425" lIns="91425" spcFirstLastPara="1" rIns="91425" wrap="square" tIns="91425">
+          <a:bodyPr spcFirstLastPara="1" wrap="square" lIns="91425" tIns="91425" rIns="91425" bIns="91425" anchor="t" anchorCtr="0">
             <a:noAutofit/>
           </a:bodyPr>
           <a:lstStyle/>
           <a:p>
-            <a:pPr indent="0" lvl="0" marL="0" rtl="0" algn="l">
+            <a:pPr marL="0" lvl="0" indent="0" algn="l" rtl="0">
               <a:spcBef>
                 <a:spcPts val="0"/>
               </a:spcBef>
@@ -8353,12 +8768,12 @@
           </a:ln>
         </p:spPr>
         <p:txBody>
-          <a:bodyPr anchorCtr="0" anchor="t" bIns="91425" lIns="91425" spcFirstLastPara="1" rIns="91425" wrap="square" tIns="91425">
+          <a:bodyPr spcFirstLastPara="1" wrap="square" lIns="91425" tIns="91425" rIns="91425" bIns="91425" anchor="t" anchorCtr="0">
             <a:spAutoFit/>
           </a:bodyPr>
           <a:lstStyle/>
           <a:p>
-            <a:pPr indent="-317500" lvl="0" marL="457200" rtl="0" algn="l">
+            <a:pPr marL="457200" lvl="0" indent="-317500" algn="l" rtl="0">
               <a:spcBef>
                 <a:spcPts val="0"/>
               </a:spcBef>
@@ -8386,7 +8801,7 @@
             </a:endParaRPr>
           </a:p>
           <a:p>
-            <a:pPr indent="0" lvl="0" marL="457200" rtl="0" algn="l">
+            <a:pPr marL="457200" lvl="0" indent="0" algn="l" rtl="0">
               <a:spcBef>
                 <a:spcPts val="0"/>
               </a:spcBef>
@@ -8395,9 +8810,6 @@
               </a:spcAft>
               <a:buNone/>
             </a:pPr>
-            <a:r>
-              <a:t/>
-            </a:r>
             <a:endParaRPr>
               <a:latin typeface="Lato"/>
               <a:ea typeface="Lato"/>
@@ -8406,7 +8818,7 @@
             </a:endParaRPr>
           </a:p>
           <a:p>
-            <a:pPr indent="-317500" lvl="0" marL="457200" rtl="0" algn="l">
+            <a:pPr marL="457200" lvl="0" indent="-317500" algn="l" rtl="0">
               <a:spcBef>
                 <a:spcPts val="0"/>
               </a:spcBef>
@@ -8424,16 +8836,7 @@
                 <a:cs typeface="Lato"/>
                 <a:sym typeface="Lato"/>
               </a:rPr>
-              <a:t>Customer </a:t>
-            </a:r>
-            <a:r>
-              <a:rPr lang="en">
-                <a:latin typeface="Lato"/>
-                <a:ea typeface="Lato"/>
-                <a:cs typeface="Lato"/>
-                <a:sym typeface="Lato"/>
-              </a:rPr>
-              <a:t>acquisition</a:t>
+              <a:t>Customer acquisition</a:t>
             </a:r>
             <a:endParaRPr>
               <a:latin typeface="Lato"/>
@@ -8443,7 +8846,7 @@
             </a:endParaRPr>
           </a:p>
           <a:p>
-            <a:pPr indent="0" lvl="0" marL="457200" rtl="0" algn="l">
+            <a:pPr marL="457200" lvl="0" indent="0" algn="l" rtl="0">
               <a:spcBef>
                 <a:spcPts val="0"/>
               </a:spcBef>
@@ -8452,9 +8855,6 @@
               </a:spcAft>
               <a:buNone/>
             </a:pPr>
-            <a:r>
-              <a:t/>
-            </a:r>
             <a:endParaRPr>
               <a:latin typeface="Lato"/>
               <a:ea typeface="Lato"/>
@@ -8463,7 +8863,7 @@
             </a:endParaRPr>
           </a:p>
           <a:p>
-            <a:pPr indent="-317500" lvl="0" marL="457200" rtl="0" algn="l">
+            <a:pPr marL="457200" lvl="0" indent="-317500" algn="l" rtl="0">
               <a:spcBef>
                 <a:spcPts val="0"/>
               </a:spcBef>
@@ -8501,11 +8901,11 @@
 </file>
 
 <file path=ppt/slides/slide6.xml><?xml version="1.0" encoding="utf-8"?>
-<p:sld xmlns:a="http://schemas.openxmlformats.org/drawingml/2006/main" xmlns:r="http://schemas.openxmlformats.org/officeDocument/2006/relationships" xmlns:mc="http://schemas.openxmlformats.org/markup-compatibility/2006" xmlns:mv="urn:schemas-microsoft-com:mac:vml" xmlns:p="http://schemas.openxmlformats.org/presentationml/2006/main" xmlns:c="http://schemas.openxmlformats.org/drawingml/2006/chart" xmlns:dgm="http://schemas.openxmlformats.org/drawingml/2006/diagram" xmlns:o="urn:schemas-microsoft-com:office:office" xmlns:v="urn:schemas-microsoft-com:vml" xmlns:pvml="urn:schemas-microsoft-com:office:powerpoint" xmlns:com="http://schemas.openxmlformats.org/drawingml/2006/compatibility" xmlns:p14="http://schemas.microsoft.com/office/powerpoint/2010/main" xmlns:p15="http://schemas.microsoft.com/office/powerpoint/2012/main" xmlns:ahyp="http://schemas.microsoft.com/office/drawing/2018/hyperlinkcolor">
+<p:sld xmlns:a="http://schemas.openxmlformats.org/drawingml/2006/main" xmlns:r="http://schemas.openxmlformats.org/officeDocument/2006/relationships" xmlns:p="http://schemas.openxmlformats.org/presentationml/2006/main">
   <p:cSld>
     <p:spTree>
       <p:nvGrpSpPr>
-        <p:cNvPr id="103" name="Shape 103"/>
+        <p:cNvPr id="1" name="Shape 103"/>
         <p:cNvGrpSpPr/>
         <p:nvPr/>
       </p:nvGrpSpPr>
@@ -8520,9 +8920,11 @@
       <p:sp>
         <p:nvSpPr>
           <p:cNvPr id="104" name="Google Shape;104;p18"/>
-          <p:cNvSpPr txBox="1"/>
+          <p:cNvSpPr txBox="1">
+            <a:spLocks noGrp="1"/>
+          </p:cNvSpPr>
           <p:nvPr>
-            <p:ph idx="4294967295" type="title"/>
+            <p:ph type="title" idx="4294967295"/>
           </p:nvPr>
         </p:nvSpPr>
         <p:spPr>
@@ -8535,12 +8937,12 @@
           </a:prstGeom>
         </p:spPr>
         <p:txBody>
-          <a:bodyPr anchorCtr="0" anchor="t" bIns="91425" lIns="91425" spcFirstLastPara="1" rIns="91425" wrap="square" tIns="91425">
+          <a:bodyPr spcFirstLastPara="1" wrap="square" lIns="91425" tIns="91425" rIns="91425" bIns="91425" anchor="t" anchorCtr="0">
             <a:noAutofit/>
           </a:bodyPr>
           <a:lstStyle/>
           <a:p>
-            <a:pPr indent="0" lvl="0" marL="0" rtl="0" algn="l">
+            <a:pPr marL="0" lvl="0" indent="0" algn="l" rtl="0">
               <a:spcBef>
                 <a:spcPts val="0"/>
               </a:spcBef>
@@ -8570,11 +8972,11 @@
 </file>
 
 <file path=ppt/slides/slide7.xml><?xml version="1.0" encoding="utf-8"?>
-<p:sld xmlns:a="http://schemas.openxmlformats.org/drawingml/2006/main" xmlns:r="http://schemas.openxmlformats.org/officeDocument/2006/relationships" xmlns:mc="http://schemas.openxmlformats.org/markup-compatibility/2006" xmlns:mv="urn:schemas-microsoft-com:mac:vml" xmlns:p="http://schemas.openxmlformats.org/presentationml/2006/main" xmlns:c="http://schemas.openxmlformats.org/drawingml/2006/chart" xmlns:dgm="http://schemas.openxmlformats.org/drawingml/2006/diagram" xmlns:o="urn:schemas-microsoft-com:office:office" xmlns:v="urn:schemas-microsoft-com:vml" xmlns:pvml="urn:schemas-microsoft-com:office:powerpoint" xmlns:com="http://schemas.openxmlformats.org/drawingml/2006/compatibility" xmlns:p14="http://schemas.microsoft.com/office/powerpoint/2010/main" xmlns:p15="http://schemas.microsoft.com/office/powerpoint/2012/main" xmlns:ahyp="http://schemas.microsoft.com/office/drawing/2018/hyperlinkcolor">
+<p:sld xmlns:a="http://schemas.openxmlformats.org/drawingml/2006/main" xmlns:r="http://schemas.openxmlformats.org/officeDocument/2006/relationships" xmlns:p="http://schemas.openxmlformats.org/presentationml/2006/main">
   <p:cSld>
     <p:spTree>
       <p:nvGrpSpPr>
-        <p:cNvPr id="108" name="Shape 108"/>
+        <p:cNvPr id="1" name="Shape 108"/>
         <p:cNvGrpSpPr/>
         <p:nvPr/>
       </p:nvGrpSpPr>
@@ -8589,9 +8991,11 @@
       <p:sp>
         <p:nvSpPr>
           <p:cNvPr id="109" name="Google Shape;109;p19"/>
-          <p:cNvSpPr txBox="1"/>
+          <p:cNvSpPr txBox="1">
+            <a:spLocks noGrp="1"/>
+          </p:cNvSpPr>
           <p:nvPr>
-            <p:ph idx="4294967295" type="title"/>
+            <p:ph type="title" idx="4294967295"/>
           </p:nvPr>
         </p:nvSpPr>
         <p:spPr>
@@ -8604,12 +9008,12 @@
           </a:prstGeom>
         </p:spPr>
         <p:txBody>
-          <a:bodyPr anchorCtr="0" anchor="t" bIns="91425" lIns="91425" spcFirstLastPara="1" rIns="91425" wrap="square" tIns="91425">
+          <a:bodyPr spcFirstLastPara="1" wrap="square" lIns="91425" tIns="91425" rIns="91425" bIns="91425" anchor="t" anchorCtr="0">
             <a:noAutofit/>
           </a:bodyPr>
           <a:lstStyle/>
           <a:p>
-            <a:pPr indent="0" lvl="0" marL="0" rtl="0" algn="l">
+            <a:pPr marL="0" lvl="0" indent="0" algn="l" rtl="0">
               <a:spcBef>
                 <a:spcPts val="0"/>
               </a:spcBef>
@@ -8639,11 +9043,11 @@
 </file>
 
 <file path=ppt/slides/slide8.xml><?xml version="1.0" encoding="utf-8"?>
-<p:sld xmlns:a="http://schemas.openxmlformats.org/drawingml/2006/main" xmlns:r="http://schemas.openxmlformats.org/officeDocument/2006/relationships" xmlns:mc="http://schemas.openxmlformats.org/markup-compatibility/2006" xmlns:mv="urn:schemas-microsoft-com:mac:vml" xmlns:p="http://schemas.openxmlformats.org/presentationml/2006/main" xmlns:c="http://schemas.openxmlformats.org/drawingml/2006/chart" xmlns:dgm="http://schemas.openxmlformats.org/drawingml/2006/diagram" xmlns:o="urn:schemas-microsoft-com:office:office" xmlns:v="urn:schemas-microsoft-com:vml" xmlns:pvml="urn:schemas-microsoft-com:office:powerpoint" xmlns:com="http://schemas.openxmlformats.org/drawingml/2006/compatibility" xmlns:p14="http://schemas.microsoft.com/office/powerpoint/2010/main" xmlns:p15="http://schemas.microsoft.com/office/powerpoint/2012/main" xmlns:ahyp="http://schemas.microsoft.com/office/drawing/2018/hyperlinkcolor">
+<p:sld xmlns:a="http://schemas.openxmlformats.org/drawingml/2006/main" xmlns:r="http://schemas.openxmlformats.org/officeDocument/2006/relationships" xmlns:p="http://schemas.openxmlformats.org/presentationml/2006/main">
   <p:cSld>
     <p:spTree>
       <p:nvGrpSpPr>
-        <p:cNvPr id="113" name="Shape 113"/>
+        <p:cNvPr id="1" name="Shape 113"/>
         <p:cNvGrpSpPr/>
         <p:nvPr/>
       </p:nvGrpSpPr>
@@ -8658,9 +9062,11 @@
       <p:sp>
         <p:nvSpPr>
           <p:cNvPr id="114" name="Google Shape;114;p20"/>
-          <p:cNvSpPr txBox="1"/>
+          <p:cNvSpPr txBox="1">
+            <a:spLocks noGrp="1"/>
+          </p:cNvSpPr>
           <p:nvPr>
-            <p:ph idx="4294967295" type="title"/>
+            <p:ph type="title" idx="4294967295"/>
           </p:nvPr>
         </p:nvSpPr>
         <p:spPr>
@@ -8673,12 +9079,12 @@
           </a:prstGeom>
         </p:spPr>
         <p:txBody>
-          <a:bodyPr anchorCtr="0" anchor="t" bIns="91425" lIns="91425" spcFirstLastPara="1" rIns="91425" wrap="square" tIns="91425">
+          <a:bodyPr spcFirstLastPara="1" wrap="square" lIns="91425" tIns="91425" rIns="91425" bIns="91425" anchor="t" anchorCtr="0">
             <a:noAutofit/>
           </a:bodyPr>
           <a:lstStyle/>
           <a:p>
-            <a:pPr indent="0" lvl="0" marL="0" rtl="0" algn="l">
+            <a:pPr marL="0" lvl="0" indent="0" algn="l" rtl="0">
               <a:spcBef>
                 <a:spcPts val="0"/>
               </a:spcBef>
@@ -8719,12 +9125,12 @@
           </a:ln>
         </p:spPr>
         <p:txBody>
-          <a:bodyPr anchorCtr="0" anchor="t" bIns="91425" lIns="91425" spcFirstLastPara="1" rIns="91425" wrap="square" tIns="91425">
+          <a:bodyPr spcFirstLastPara="1" wrap="square" lIns="91425" tIns="91425" rIns="91425" bIns="91425" anchor="t" anchorCtr="0">
             <a:spAutoFit/>
           </a:bodyPr>
           <a:lstStyle/>
           <a:p>
-            <a:pPr indent="-317500" lvl="0" marL="457200" rtl="0" algn="l">
+            <a:pPr marL="457200" lvl="0" indent="-317500" algn="l" rtl="0">
               <a:spcBef>
                 <a:spcPts val="0"/>
               </a:spcBef>
@@ -8756,7 +9162,7 @@
             </a:endParaRPr>
           </a:p>
           <a:p>
-            <a:pPr indent="-317500" lvl="0" marL="457200" rtl="0" algn="l">
+            <a:pPr marL="457200" lvl="0" indent="-317500" algn="l" rtl="0">
               <a:spcBef>
                 <a:spcPts val="0"/>
               </a:spcBef>
@@ -8806,7 +9212,288 @@
 </file>
 
 <file path=ppt/theme/theme1.xml><?xml version="1.0" encoding="utf-8"?>
-<a:theme xmlns:a="http://schemas.openxmlformats.org/drawingml/2006/main" xmlns:r="http://schemas.openxmlformats.org/officeDocument/2006/relationships">
+<a:theme xmlns:a="http://schemas.openxmlformats.org/drawingml/2006/main" name="Swiss">
+  <a:themeElements>
+    <a:clrScheme name="Swiss">
+      <a:dk1>
+        <a:srgbClr val="F46524"/>
+      </a:dk1>
+      <a:lt1>
+        <a:srgbClr val="FFFFFF"/>
+      </a:lt1>
+      <a:dk2>
+        <a:srgbClr val="000000"/>
+      </a:dk2>
+      <a:lt2>
+        <a:srgbClr val="757575"/>
+      </a:lt2>
+      <a:accent1>
+        <a:srgbClr val="01579B"/>
+      </a:accent1>
+      <a:accent2>
+        <a:srgbClr val="27C7BD"/>
+      </a:accent2>
+      <a:accent3>
+        <a:srgbClr val="0099E8"/>
+      </a:accent3>
+      <a:accent4>
+        <a:srgbClr val="51B9A3"/>
+      </a:accent4>
+      <a:accent5>
+        <a:srgbClr val="FB8C00"/>
+      </a:accent5>
+      <a:accent6>
+        <a:srgbClr val="FFAE88"/>
+      </a:accent6>
+      <a:hlink>
+        <a:srgbClr val="0277BD"/>
+      </a:hlink>
+      <a:folHlink>
+        <a:srgbClr val="0277BD"/>
+      </a:folHlink>
+    </a:clrScheme>
+    <a:fontScheme name="Office">
+      <a:majorFont>
+        <a:latin typeface="Arial"/>
+        <a:ea typeface=""/>
+        <a:cs typeface=""/>
+        <a:font script="Jpan" typeface="ＭＳ Ｐゴシック"/>
+        <a:font script="Hang" typeface="맑은 고딕"/>
+        <a:font script="Hans" typeface="宋体"/>
+        <a:font script="Hant" typeface="新細明體"/>
+        <a:font script="Arab" typeface="Times New Roman"/>
+        <a:font script="Hebr" typeface="Times New Roman"/>
+        <a:font script="Thai" typeface="Angsana New"/>
+        <a:font script="Ethi" typeface="Nyala"/>
+        <a:font script="Beng" typeface="Vrinda"/>
+        <a:font script="Gujr" typeface="Shruti"/>
+        <a:font script="Khmr" typeface="MoolBoran"/>
+        <a:font script="Knda" typeface="Tunga"/>
+        <a:font script="Guru" typeface="Raavi"/>
+        <a:font script="Cans" typeface="Euphemia"/>
+        <a:font script="Cher" typeface="Plantagenet Cherokee"/>
+        <a:font script="Yiii" typeface="Microsoft Yi Baiti"/>
+        <a:font script="Tibt" typeface="Microsoft Himalaya"/>
+        <a:font script="Thaa" typeface="MV Boli"/>
+        <a:font script="Deva" typeface="Mangal"/>
+        <a:font script="Telu" typeface="Gautami"/>
+        <a:font script="Taml" typeface="Latha"/>
+        <a:font script="Syrc" typeface="Estrangelo Edessa"/>
+        <a:font script="Orya" typeface="Kalinga"/>
+        <a:font script="Mlym" typeface="Kartika"/>
+        <a:font script="Laoo" typeface="DokChampa"/>
+        <a:font script="Sinh" typeface="Iskoola Pota"/>
+        <a:font script="Mong" typeface="Mongolian Baiti"/>
+        <a:font script="Viet" typeface="Times New Roman"/>
+        <a:font script="Uigh" typeface="Microsoft Uighur"/>
+        <a:font script="Geor" typeface="Sylfaen"/>
+      </a:majorFont>
+      <a:minorFont>
+        <a:latin typeface="Arial"/>
+        <a:ea typeface=""/>
+        <a:cs typeface=""/>
+        <a:font script="Jpan" typeface="ＭＳ Ｐゴシック"/>
+        <a:font script="Hang" typeface="맑은 고딕"/>
+        <a:font script="Hans" typeface="宋体"/>
+        <a:font script="Hant" typeface="新細明體"/>
+        <a:font script="Arab" typeface="Arial"/>
+        <a:font script="Hebr" typeface="Arial"/>
+        <a:font script="Thai" typeface="Cordia New"/>
+        <a:font script="Ethi" typeface="Nyala"/>
+        <a:font script="Beng" typeface="Vrinda"/>
+        <a:font script="Gujr" typeface="Shruti"/>
+        <a:font script="Khmr" typeface="DaunPenh"/>
+        <a:font script="Knda" typeface="Tunga"/>
+        <a:font script="Guru" typeface="Raavi"/>
+        <a:font script="Cans" typeface="Euphemia"/>
+        <a:font script="Cher" typeface="Plantagenet Cherokee"/>
+        <a:font script="Yiii" typeface="Microsoft Yi Baiti"/>
+        <a:font script="Tibt" typeface="Microsoft Himalaya"/>
+        <a:font script="Thaa" typeface="MV Boli"/>
+        <a:font script="Deva" typeface="Mangal"/>
+        <a:font script="Telu" typeface="Gautami"/>
+        <a:font script="Taml" typeface="Latha"/>
+        <a:font script="Syrc" typeface="Estrangelo Edessa"/>
+        <a:font script="Orya" typeface="Kalinga"/>
+        <a:font script="Mlym" typeface="Kartika"/>
+        <a:font script="Laoo" typeface="DokChampa"/>
+        <a:font script="Sinh" typeface="Iskoola Pota"/>
+        <a:font script="Mong" typeface="Mongolian Baiti"/>
+        <a:font script="Viet" typeface="Arial"/>
+        <a:font script="Uigh" typeface="Microsoft Uighur"/>
+        <a:font script="Geor" typeface="Sylfaen"/>
+      </a:minorFont>
+    </a:fontScheme>
+    <a:fmtScheme name="Office">
+      <a:fillStyleLst>
+        <a:solidFill>
+          <a:schemeClr val="phClr"/>
+        </a:solidFill>
+        <a:gradFill rotWithShape="1">
+          <a:gsLst>
+            <a:gs pos="0">
+              <a:schemeClr val="phClr">
+                <a:tint val="50000"/>
+                <a:satMod val="300000"/>
+              </a:schemeClr>
+            </a:gs>
+            <a:gs pos="35000">
+              <a:schemeClr val="phClr">
+                <a:tint val="37000"/>
+                <a:satMod val="300000"/>
+              </a:schemeClr>
+            </a:gs>
+            <a:gs pos="100000">
+              <a:schemeClr val="phClr">
+                <a:tint val="15000"/>
+                <a:satMod val="350000"/>
+              </a:schemeClr>
+            </a:gs>
+          </a:gsLst>
+          <a:lin ang="16200000" scaled="1"/>
+        </a:gradFill>
+        <a:gradFill rotWithShape="1">
+          <a:gsLst>
+            <a:gs pos="0">
+              <a:schemeClr val="phClr">
+                <a:tint val="100000"/>
+                <a:shade val="100000"/>
+                <a:satMod val="130000"/>
+              </a:schemeClr>
+            </a:gs>
+            <a:gs pos="100000">
+              <a:schemeClr val="phClr">
+                <a:tint val="50000"/>
+                <a:shade val="100000"/>
+                <a:satMod val="350000"/>
+              </a:schemeClr>
+            </a:gs>
+          </a:gsLst>
+          <a:lin ang="16200000" scaled="0"/>
+        </a:gradFill>
+      </a:fillStyleLst>
+      <a:lnStyleLst>
+        <a:ln w="9525" cap="flat" cmpd="sng" algn="ctr">
+          <a:solidFill>
+            <a:schemeClr val="phClr">
+              <a:shade val="95000"/>
+              <a:satMod val="105000"/>
+            </a:schemeClr>
+          </a:solidFill>
+          <a:prstDash val="solid"/>
+        </a:ln>
+        <a:ln w="25400" cap="flat" cmpd="sng" algn="ctr">
+          <a:solidFill>
+            <a:schemeClr val="phClr"/>
+          </a:solidFill>
+          <a:prstDash val="solid"/>
+        </a:ln>
+        <a:ln w="38100" cap="flat" cmpd="sng" algn="ctr">
+          <a:solidFill>
+            <a:schemeClr val="phClr"/>
+          </a:solidFill>
+          <a:prstDash val="solid"/>
+        </a:ln>
+      </a:lnStyleLst>
+      <a:effectStyleLst>
+        <a:effectStyle>
+          <a:effectLst>
+            <a:outerShdw blurRad="40000" dist="20000" dir="5400000" rotWithShape="0">
+              <a:srgbClr val="000000">
+                <a:alpha val="38000"/>
+              </a:srgbClr>
+            </a:outerShdw>
+          </a:effectLst>
+        </a:effectStyle>
+        <a:effectStyle>
+          <a:effectLst>
+            <a:outerShdw blurRad="40000" dist="23000" dir="5400000" rotWithShape="0">
+              <a:srgbClr val="000000">
+                <a:alpha val="35000"/>
+              </a:srgbClr>
+            </a:outerShdw>
+          </a:effectLst>
+        </a:effectStyle>
+        <a:effectStyle>
+          <a:effectLst>
+            <a:outerShdw blurRad="40000" dist="23000" dir="5400000" rotWithShape="0">
+              <a:srgbClr val="000000">
+                <a:alpha val="35000"/>
+              </a:srgbClr>
+            </a:outerShdw>
+          </a:effectLst>
+          <a:scene3d>
+            <a:camera prst="orthographicFront">
+              <a:rot lat="0" lon="0" rev="0"/>
+            </a:camera>
+            <a:lightRig rig="threePt" dir="t">
+              <a:rot lat="0" lon="0" rev="1200000"/>
+            </a:lightRig>
+          </a:scene3d>
+          <a:sp3d>
+            <a:bevelT w="63500" h="25400"/>
+          </a:sp3d>
+        </a:effectStyle>
+      </a:effectStyleLst>
+      <a:bgFillStyleLst>
+        <a:solidFill>
+          <a:schemeClr val="phClr"/>
+        </a:solidFill>
+        <a:gradFill rotWithShape="1">
+          <a:gsLst>
+            <a:gs pos="0">
+              <a:schemeClr val="phClr">
+                <a:tint val="40000"/>
+                <a:satMod val="350000"/>
+              </a:schemeClr>
+            </a:gs>
+            <a:gs pos="40000">
+              <a:schemeClr val="phClr">
+                <a:tint val="45000"/>
+                <a:shade val="99000"/>
+                <a:satMod val="350000"/>
+              </a:schemeClr>
+            </a:gs>
+            <a:gs pos="100000">
+              <a:schemeClr val="phClr">
+                <a:shade val="20000"/>
+                <a:satMod val="255000"/>
+              </a:schemeClr>
+            </a:gs>
+          </a:gsLst>
+          <a:path path="circle">
+            <a:fillToRect l="50000" t="-80000" r="50000" b="180000"/>
+          </a:path>
+        </a:gradFill>
+        <a:gradFill rotWithShape="1">
+          <a:gsLst>
+            <a:gs pos="0">
+              <a:schemeClr val="phClr">
+                <a:tint val="80000"/>
+                <a:satMod val="300000"/>
+              </a:schemeClr>
+            </a:gs>
+            <a:gs pos="100000">
+              <a:schemeClr val="phClr">
+                <a:shade val="30000"/>
+                <a:satMod val="200000"/>
+              </a:schemeClr>
+            </a:gs>
+          </a:gsLst>
+          <a:path path="circle">
+            <a:fillToRect l="50000" t="50000" r="50000" b="50000"/>
+          </a:path>
+        </a:gradFill>
+      </a:bgFillStyleLst>
+    </a:fmtScheme>
+  </a:themeElements>
+  <a:objectDefaults/>
+  <a:extraClrSchemeLst/>
+</a:theme>
+</file>
+
+<file path=ppt/theme/theme2.xml><?xml version="1.0" encoding="utf-8"?>
+<a:theme xmlns:a="http://schemas.openxmlformats.org/drawingml/2006/main">
   <a:themeElements>
     <a:clrScheme name="Default">
       <a:dk1>
@@ -9081,284 +9768,7 @@
       </a:bgFillStyleLst>
     </a:fmtScheme>
   </a:themeElements>
-</a:theme>
-</file>
-
-<file path=ppt/theme/theme2.xml><?xml version="1.0" encoding="utf-8"?>
-<a:theme xmlns:a="http://schemas.openxmlformats.org/drawingml/2006/main" xmlns:r="http://schemas.openxmlformats.org/officeDocument/2006/relationships" name="Swiss">
-  <a:themeElements>
-    <a:clrScheme name="Swiss">
-      <a:dk1>
-        <a:srgbClr val="F46524"/>
-      </a:dk1>
-      <a:lt1>
-        <a:srgbClr val="FFFFFF"/>
-      </a:lt1>
-      <a:dk2>
-        <a:srgbClr val="000000"/>
-      </a:dk2>
-      <a:lt2>
-        <a:srgbClr val="757575"/>
-      </a:lt2>
-      <a:accent1>
-        <a:srgbClr val="01579B"/>
-      </a:accent1>
-      <a:accent2>
-        <a:srgbClr val="27C7BD"/>
-      </a:accent2>
-      <a:accent3>
-        <a:srgbClr val="0099E8"/>
-      </a:accent3>
-      <a:accent4>
-        <a:srgbClr val="51B9A3"/>
-      </a:accent4>
-      <a:accent5>
-        <a:srgbClr val="FB8C00"/>
-      </a:accent5>
-      <a:accent6>
-        <a:srgbClr val="FFAE88"/>
-      </a:accent6>
-      <a:hlink>
-        <a:srgbClr val="0277BD"/>
-      </a:hlink>
-      <a:folHlink>
-        <a:srgbClr val="0277BD"/>
-      </a:folHlink>
-    </a:clrScheme>
-    <a:fontScheme name="Office">
-      <a:majorFont>
-        <a:latin typeface="Arial"/>
-        <a:ea typeface=""/>
-        <a:cs typeface=""/>
-        <a:font script="Jpan" typeface="ＭＳ Ｐゴシック"/>
-        <a:font script="Hang" typeface="맑은 고딕"/>
-        <a:font script="Hans" typeface="宋体"/>
-        <a:font script="Hant" typeface="新細明體"/>
-        <a:font script="Arab" typeface="Times New Roman"/>
-        <a:font script="Hebr" typeface="Times New Roman"/>
-        <a:font script="Thai" typeface="Angsana New"/>
-        <a:font script="Ethi" typeface="Nyala"/>
-        <a:font script="Beng" typeface="Vrinda"/>
-        <a:font script="Gujr" typeface="Shruti"/>
-        <a:font script="Khmr" typeface="MoolBoran"/>
-        <a:font script="Knda" typeface="Tunga"/>
-        <a:font script="Guru" typeface="Raavi"/>
-        <a:font script="Cans" typeface="Euphemia"/>
-        <a:font script="Cher" typeface="Plantagenet Cherokee"/>
-        <a:font script="Yiii" typeface="Microsoft Yi Baiti"/>
-        <a:font script="Tibt" typeface="Microsoft Himalaya"/>
-        <a:font script="Thaa" typeface="MV Boli"/>
-        <a:font script="Deva" typeface="Mangal"/>
-        <a:font script="Telu" typeface="Gautami"/>
-        <a:font script="Taml" typeface="Latha"/>
-        <a:font script="Syrc" typeface="Estrangelo Edessa"/>
-        <a:font script="Orya" typeface="Kalinga"/>
-        <a:font script="Mlym" typeface="Kartika"/>
-        <a:font script="Laoo" typeface="DokChampa"/>
-        <a:font script="Sinh" typeface="Iskoola Pota"/>
-        <a:font script="Mong" typeface="Mongolian Baiti"/>
-        <a:font script="Viet" typeface="Times New Roman"/>
-        <a:font script="Uigh" typeface="Microsoft Uighur"/>
-        <a:font script="Geor" typeface="Sylfaen"/>
-      </a:majorFont>
-      <a:minorFont>
-        <a:latin typeface="Arial"/>
-        <a:ea typeface=""/>
-        <a:cs typeface=""/>
-        <a:font script="Jpan" typeface="ＭＳ Ｐゴシック"/>
-        <a:font script="Hang" typeface="맑은 고딕"/>
-        <a:font script="Hans" typeface="宋体"/>
-        <a:font script="Hant" typeface="新細明體"/>
-        <a:font script="Arab" typeface="Arial"/>
-        <a:font script="Hebr" typeface="Arial"/>
-        <a:font script="Thai" typeface="Cordia New"/>
-        <a:font script="Ethi" typeface="Nyala"/>
-        <a:font script="Beng" typeface="Vrinda"/>
-        <a:font script="Gujr" typeface="Shruti"/>
-        <a:font script="Khmr" typeface="DaunPenh"/>
-        <a:font script="Knda" typeface="Tunga"/>
-        <a:font script="Guru" typeface="Raavi"/>
-        <a:font script="Cans" typeface="Euphemia"/>
-        <a:font script="Cher" typeface="Plantagenet Cherokee"/>
-        <a:font script="Yiii" typeface="Microsoft Yi Baiti"/>
-        <a:font script="Tibt" typeface="Microsoft Himalaya"/>
-        <a:font script="Thaa" typeface="MV Boli"/>
-        <a:font script="Deva" typeface="Mangal"/>
-        <a:font script="Telu" typeface="Gautami"/>
-        <a:font script="Taml" typeface="Latha"/>
-        <a:font script="Syrc" typeface="Estrangelo Edessa"/>
-        <a:font script="Orya" typeface="Kalinga"/>
-        <a:font script="Mlym" typeface="Kartika"/>
-        <a:font script="Laoo" typeface="DokChampa"/>
-        <a:font script="Sinh" typeface="Iskoola Pota"/>
-        <a:font script="Mong" typeface="Mongolian Baiti"/>
-        <a:font script="Viet" typeface="Arial"/>
-        <a:font script="Uigh" typeface="Microsoft Uighur"/>
-        <a:font script="Geor" typeface="Sylfaen"/>
-      </a:minorFont>
-    </a:fontScheme>
-    <a:fmtScheme name="Office">
-      <a:fillStyleLst>
-        <a:solidFill>
-          <a:schemeClr val="phClr"/>
-        </a:solidFill>
-        <a:gradFill rotWithShape="1">
-          <a:gsLst>
-            <a:gs pos="0">
-              <a:schemeClr val="phClr">
-                <a:tint val="50000"/>
-                <a:satMod val="300000"/>
-              </a:schemeClr>
-            </a:gs>
-            <a:gs pos="35000">
-              <a:schemeClr val="phClr">
-                <a:tint val="37000"/>
-                <a:satMod val="300000"/>
-              </a:schemeClr>
-            </a:gs>
-            <a:gs pos="100000">
-              <a:schemeClr val="phClr">
-                <a:tint val="15000"/>
-                <a:satMod val="350000"/>
-              </a:schemeClr>
-            </a:gs>
-          </a:gsLst>
-          <a:lin ang="16200000" scaled="1"/>
-        </a:gradFill>
-        <a:gradFill rotWithShape="1">
-          <a:gsLst>
-            <a:gs pos="0">
-              <a:schemeClr val="phClr">
-                <a:tint val="100000"/>
-                <a:shade val="100000"/>
-                <a:satMod val="130000"/>
-              </a:schemeClr>
-            </a:gs>
-            <a:gs pos="100000">
-              <a:schemeClr val="phClr">
-                <a:tint val="50000"/>
-                <a:shade val="100000"/>
-                <a:satMod val="350000"/>
-              </a:schemeClr>
-            </a:gs>
-          </a:gsLst>
-          <a:lin ang="16200000" scaled="0"/>
-        </a:gradFill>
-      </a:fillStyleLst>
-      <a:lnStyleLst>
-        <a:ln w="9525" cap="flat" cmpd="sng" algn="ctr">
-          <a:solidFill>
-            <a:schemeClr val="phClr">
-              <a:shade val="95000"/>
-              <a:satMod val="105000"/>
-            </a:schemeClr>
-          </a:solidFill>
-          <a:prstDash val="solid"/>
-        </a:ln>
-        <a:ln w="25400" cap="flat" cmpd="sng" algn="ctr">
-          <a:solidFill>
-            <a:schemeClr val="phClr"/>
-          </a:solidFill>
-          <a:prstDash val="solid"/>
-        </a:ln>
-        <a:ln w="38100" cap="flat" cmpd="sng" algn="ctr">
-          <a:solidFill>
-            <a:schemeClr val="phClr"/>
-          </a:solidFill>
-          <a:prstDash val="solid"/>
-        </a:ln>
-      </a:lnStyleLst>
-      <a:effectStyleLst>
-        <a:effectStyle>
-          <a:effectLst>
-            <a:outerShdw blurRad="40000" dist="20000" dir="5400000" rotWithShape="0">
-              <a:srgbClr val="000000">
-                <a:alpha val="38000"/>
-              </a:srgbClr>
-            </a:outerShdw>
-          </a:effectLst>
-        </a:effectStyle>
-        <a:effectStyle>
-          <a:effectLst>
-            <a:outerShdw blurRad="40000" dist="23000" dir="5400000" rotWithShape="0">
-              <a:srgbClr val="000000">
-                <a:alpha val="35000"/>
-              </a:srgbClr>
-            </a:outerShdw>
-          </a:effectLst>
-        </a:effectStyle>
-        <a:effectStyle>
-          <a:effectLst>
-            <a:outerShdw blurRad="40000" dist="23000" dir="5400000" rotWithShape="0">
-              <a:srgbClr val="000000">
-                <a:alpha val="35000"/>
-              </a:srgbClr>
-            </a:outerShdw>
-          </a:effectLst>
-          <a:scene3d>
-            <a:camera prst="orthographicFront">
-              <a:rot lat="0" lon="0" rev="0"/>
-            </a:camera>
-            <a:lightRig rig="threePt" dir="t">
-              <a:rot lat="0" lon="0" rev="1200000"/>
-            </a:lightRig>
-          </a:scene3d>
-          <a:sp3d>
-            <a:bevelT w="63500" h="25400"/>
-          </a:sp3d>
-        </a:effectStyle>
-      </a:effectStyleLst>
-      <a:bgFillStyleLst>
-        <a:solidFill>
-          <a:schemeClr val="phClr"/>
-        </a:solidFill>
-        <a:gradFill rotWithShape="1">
-          <a:gsLst>
-            <a:gs pos="0">
-              <a:schemeClr val="phClr">
-                <a:tint val="40000"/>
-                <a:satMod val="350000"/>
-              </a:schemeClr>
-            </a:gs>
-            <a:gs pos="40000">
-              <a:schemeClr val="phClr">
-                <a:tint val="45000"/>
-                <a:shade val="99000"/>
-                <a:satMod val="350000"/>
-              </a:schemeClr>
-            </a:gs>
-            <a:gs pos="100000">
-              <a:schemeClr val="phClr">
-                <a:shade val="20000"/>
-                <a:satMod val="255000"/>
-              </a:schemeClr>
-            </a:gs>
-          </a:gsLst>
-          <a:path path="circle">
-            <a:fillToRect l="50000" t="-80000" r="50000" b="180000"/>
-          </a:path>
-        </a:gradFill>
-        <a:gradFill rotWithShape="1">
-          <a:gsLst>
-            <a:gs pos="0">
-              <a:schemeClr val="phClr">
-                <a:tint val="80000"/>
-                <a:satMod val="300000"/>
-              </a:schemeClr>
-            </a:gs>
-            <a:gs pos="100000">
-              <a:schemeClr val="phClr">
-                <a:shade val="30000"/>
-                <a:satMod val="200000"/>
-              </a:schemeClr>
-            </a:gs>
-          </a:gsLst>
-          <a:path path="circle">
-            <a:fillToRect l="50000" t="50000" r="50000" b="50000"/>
-          </a:path>
-        </a:gradFill>
-      </a:bgFillStyleLst>
-    </a:fmtScheme>
-  </a:themeElements>
+  <a:objectDefaults/>
+  <a:extraClrSchemeLst/>
 </a:theme>
 </file>
--- a/Your big idea.pptx
+++ b/Your big idea.pptx
@@ -822,14 +822,14 @@
               <a:buNone/>
             </a:pPr>
             <a:r>
-              <a:rPr lang="en">
+              <a:rPr lang="en" dirty="0">
                 <a:solidFill>
                   <a:schemeClr val="dk1"/>
                 </a:solidFill>
               </a:rPr>
               <a:t>Hi all, </a:t>
             </a:r>
-            <a:endParaRPr/>
+            <a:endParaRPr dirty="0"/>
           </a:p>
           <a:p>
             <a:pPr marL="0" lvl="0" indent="0" algn="l" rtl="0">
@@ -842,10 +842,10 @@
               <a:buNone/>
             </a:pPr>
             <a:r>
-              <a:rPr lang="en"/>
+              <a:rPr lang="en" dirty="0"/>
               <a:t>We are the Savings Syndicate, and we will help you to get your home faster</a:t>
             </a:r>
-            <a:endParaRPr/>
+            <a:endParaRPr dirty="0"/>
           </a:p>
           <a:p>
             <a:pPr marL="0" lvl="0" indent="0" algn="l" rtl="0">
@@ -857,7 +857,7 @@
               </a:spcAft>
               <a:buNone/>
             </a:pPr>
-            <a:endParaRPr/>
+            <a:endParaRPr dirty="0"/>
           </a:p>
         </p:txBody>
       </p:sp>
@@ -1520,7 +1520,7 @@
         </p:nvSpPr>
         <p:spPr>
           <a:xfrm>
-            <a:off x="381300" y="685800"/>
+            <a:off x="381000" y="685800"/>
             <a:ext cx="6096000" cy="3429000"/>
           </a:xfrm>
           <a:custGeom>
@@ -9034,6 +9034,36 @@
           </a:p>
         </p:txBody>
       </p:sp>
+      <p:pic>
+        <p:nvPicPr>
+          <p:cNvPr id="3" name="Picture 2">
+            <a:extLst>
+              <a:ext uri="{FF2B5EF4-FFF2-40B4-BE49-F238E27FC236}">
+                <a16:creationId xmlns:a16="http://schemas.microsoft.com/office/drawing/2014/main" id="{0D3BEAC3-AFF7-7203-114D-59D3530AEE97}"/>
+              </a:ext>
+            </a:extLst>
+          </p:cNvPr>
+          <p:cNvPicPr>
+            <a:picLocks noChangeAspect="1"/>
+          </p:cNvPicPr>
+          <p:nvPr/>
+        </p:nvPicPr>
+        <p:blipFill>
+          <a:blip r:embed="rId3"/>
+          <a:stretch>
+            <a:fillRect/>
+          </a:stretch>
+        </p:blipFill>
+        <p:spPr>
+          <a:xfrm>
+            <a:off x="0" y="1117022"/>
+            <a:ext cx="9144000" cy="2909455"/>
+          </a:xfrm>
+          <a:prstGeom prst="rect">
+            <a:avLst/>
+          </a:prstGeom>
+        </p:spPr>
+      </p:pic>
     </p:spTree>
   </p:cSld>
   <p:clrMapOvr>
